--- a/Activities/Symbol table, intemediate code generation and synthesis phase/PROLOG presentation.pptx
+++ b/Activities/Symbol table, intemediate code generation and synthesis phase/PROLOG presentation.pptx
@@ -2,43 +2,44 @@
 <file path=ppt/presentation.xml><?xml version="1.0" encoding="utf-8"?>
 <p:presentation xmlns:a="http://schemas.openxmlformats.org/drawingml/2006/main" xmlns:r="http://schemas.openxmlformats.org/officeDocument/2006/relationships" xmlns:mc="http://schemas.openxmlformats.org/markup-compatibility/2006" xmlns:mv="urn:schemas-microsoft-com:mac:vml" xmlns:p="http://schemas.openxmlformats.org/presentationml/2006/main" xmlns:c="http://schemas.openxmlformats.org/drawingml/2006/chart" xmlns:dgm="http://schemas.openxmlformats.org/drawingml/2006/diagram" xmlns:o="urn:schemas-microsoft-com:office:office" xmlns:v="urn:schemas-microsoft-com:vml" xmlns:pvml="urn:schemas-microsoft-com:office:powerpoint" xmlns:com="http://schemas.openxmlformats.org/drawingml/2006/compatibility" xmlns:p14="http://schemas.microsoft.com/office/powerpoint/2010/main" xmlns:p15="http://schemas.microsoft.com/office/powerpoint/2012/main" xmlns:ahyp="http://schemas.microsoft.com/office/drawing/2018/hyperlinkcolor" autoCompressPictures="0" embedTrueTypeFonts="1" strictFirstAndLastChars="0" saveSubsetFonts="1">
   <p:sldMasterIdLst>
-    <p:sldMasterId id="2147483659" r:id="rId4"/>
+    <p:sldMasterId id="2147483659" r:id="rId5"/>
   </p:sldMasterIdLst>
   <p:notesMasterIdLst>
-    <p:notesMasterId r:id="rId5"/>
+    <p:notesMasterId r:id="rId6"/>
   </p:notesMasterIdLst>
   <p:sldIdLst>
-    <p:sldId id="256" r:id="rId6"/>
-    <p:sldId id="257" r:id="rId7"/>
-    <p:sldId id="258" r:id="rId8"/>
-    <p:sldId id="259" r:id="rId9"/>
-    <p:sldId id="260" r:id="rId10"/>
-    <p:sldId id="261" r:id="rId11"/>
-    <p:sldId id="262" r:id="rId12"/>
-    <p:sldId id="263" r:id="rId13"/>
-    <p:sldId id="264" r:id="rId14"/>
-    <p:sldId id="265" r:id="rId15"/>
-    <p:sldId id="266" r:id="rId16"/>
-    <p:sldId id="267" r:id="rId17"/>
-    <p:sldId id="268" r:id="rId18"/>
-    <p:sldId id="269" r:id="rId19"/>
-    <p:sldId id="270" r:id="rId20"/>
-    <p:sldId id="271" r:id="rId21"/>
+    <p:sldId id="256" r:id="rId7"/>
+    <p:sldId id="257" r:id="rId8"/>
+    <p:sldId id="258" r:id="rId9"/>
+    <p:sldId id="259" r:id="rId10"/>
+    <p:sldId id="260" r:id="rId11"/>
+    <p:sldId id="261" r:id="rId12"/>
+    <p:sldId id="262" r:id="rId13"/>
+    <p:sldId id="263" r:id="rId14"/>
+    <p:sldId id="264" r:id="rId15"/>
+    <p:sldId id="265" r:id="rId16"/>
+    <p:sldId id="266" r:id="rId17"/>
+    <p:sldId id="267" r:id="rId18"/>
+    <p:sldId id="268" r:id="rId19"/>
+    <p:sldId id="269" r:id="rId20"/>
+    <p:sldId id="270" r:id="rId21"/>
+    <p:sldId id="271" r:id="rId22"/>
+    <p:sldId id="272" r:id="rId23"/>
   </p:sldIdLst>
   <p:sldSz cy="5143500" cx="9144000"/>
   <p:notesSz cx="6858000" cy="9144000"/>
   <p:embeddedFontLst>
     <p:embeddedFont>
       <p:font typeface="Nunito"/>
-      <p:regular r:id="rId22"/>
-      <p:bold r:id="rId23"/>
-      <p:italic r:id="rId24"/>
-      <p:boldItalic r:id="rId25"/>
+      <p:regular r:id="rId24"/>
+      <p:bold r:id="rId25"/>
+      <p:italic r:id="rId26"/>
+      <p:boldItalic r:id="rId27"/>
     </p:embeddedFont>
     <p:embeddedFont>
       <p:font typeface="Maven Pro"/>
-      <p:regular r:id="rId26"/>
-      <p:bold r:id="rId27"/>
+      <p:regular r:id="rId28"/>
+      <p:bold r:id="rId29"/>
     </p:embeddedFont>
   </p:embeddedFontLst>
   <p:defaultTextStyle>
@@ -836,7 +837,7 @@
   <p:cSld>
     <p:spTree>
       <p:nvGrpSpPr>
-        <p:cNvPr id="330" name="Shape 330"/>
+        <p:cNvPr id="337" name="Shape 337"/>
         <p:cNvGrpSpPr/>
         <p:nvPr/>
       </p:nvGrpSpPr>
@@ -850,7 +851,7 @@
       </p:grpSpPr>
       <p:sp>
         <p:nvSpPr>
-          <p:cNvPr id="331" name="Google Shape;331;g127cac13190_0_770:notes"/>
+          <p:cNvPr id="338" name="Google Shape;338;g127cac13190_0_770:notes"/>
           <p:cNvSpPr/>
           <p:nvPr>
             <p:ph idx="2" type="sldImg"/>
@@ -885,7 +886,7 @@
       </p:sp>
       <p:sp>
         <p:nvSpPr>
-          <p:cNvPr id="332" name="Google Shape;332;g127cac13190_0_770:notes"/>
+          <p:cNvPr id="339" name="Google Shape;339;g127cac13190_0_770:notes"/>
           <p:cNvSpPr txBox="1"/>
           <p:nvPr>
             <p:ph idx="1" type="body"/>
@@ -948,7 +949,7 @@
             </a:pPr>
             <a:r>
               <a:rPr lang="es"/>
-              <a:t>Trobar clàusules que siguin unificables amb un terme en una consulta és lineal en el nombre de clàusules.</a:t>
+              <a:t>Trobar clàusules que siguin unificables amb un terme en una consulta és lineal en el nombre de clàusules. (arbre de resolucio -&gt; grafic linial)</a:t>
             </a:r>
             <a:endParaRPr/>
           </a:p>
@@ -1060,7 +1061,7 @@
   <p:cSld>
     <p:spTree>
       <p:nvGrpSpPr>
-        <p:cNvPr id="336" name="Shape 336"/>
+        <p:cNvPr id="348" name="Shape 348"/>
         <p:cNvGrpSpPr/>
         <p:nvPr/>
       </p:nvGrpSpPr>
@@ -1074,7 +1075,7 @@
       </p:grpSpPr>
       <p:sp>
         <p:nvSpPr>
-          <p:cNvPr id="337" name="Google Shape;337;g127cac13190_0_775:notes"/>
+          <p:cNvPr id="349" name="Google Shape;349;g127cac13190_0_775:notes"/>
           <p:cNvSpPr/>
           <p:nvPr>
             <p:ph idx="2" type="sldImg"/>
@@ -1109,7 +1110,7 @@
       </p:sp>
       <p:sp>
         <p:nvSpPr>
-          <p:cNvPr id="338" name="Google Shape;338;g127cac13190_0_775:notes"/>
+          <p:cNvPr id="350" name="Google Shape;350;g127cac13190_0_775:notes"/>
           <p:cNvSpPr txBox="1"/>
           <p:nvPr>
             <p:ph idx="1" type="body"/>
@@ -1145,6 +1146,86 @@
             </a:r>
             <a:endParaRPr/>
           </a:p>
+          <a:p>
+            <a:pPr indent="-304800" lvl="0" marL="457200" rtl="0" algn="l">
+              <a:lnSpc>
+                <a:spcPct val="115000"/>
+              </a:lnSpc>
+              <a:spcBef>
+                <a:spcPts val="0"/>
+              </a:spcBef>
+              <a:spcAft>
+                <a:spcPts val="0"/>
+              </a:spcAft>
+              <a:buClr>
+                <a:srgbClr val="424242"/>
+              </a:buClr>
+              <a:buSzPts val="1200"/>
+              <a:buFont typeface="Nunito"/>
+              <a:buChar char="●"/>
+            </a:pPr>
+            <a:r>
+              <a:rPr lang="es" sz="1200">
+                <a:solidFill>
+                  <a:srgbClr val="424242"/>
+                </a:solidFill>
+                <a:latin typeface="Nunito"/>
+                <a:ea typeface="Nunito"/>
+                <a:cs typeface="Nunito"/>
+                <a:sym typeface="Nunito"/>
+              </a:rPr>
+              <a:t>Some PROLOG systems, such as WIN-PROLOG and SWI-PROLOG, now implement hashing to help handle large datasets more efficiently. (Simil imatge esquerra)</a:t>
+            </a:r>
+            <a:endParaRPr sz="1200">
+              <a:solidFill>
+                <a:srgbClr val="424242"/>
+              </a:solidFill>
+              <a:latin typeface="Nunito"/>
+              <a:ea typeface="Nunito"/>
+              <a:cs typeface="Nunito"/>
+              <a:sym typeface="Nunito"/>
+            </a:endParaRPr>
+          </a:p>
+          <a:p>
+            <a:pPr indent="-304800" lvl="0" marL="457200" rtl="0" algn="l">
+              <a:lnSpc>
+                <a:spcPct val="115000"/>
+              </a:lnSpc>
+              <a:spcBef>
+                <a:spcPts val="0"/>
+              </a:spcBef>
+              <a:spcAft>
+                <a:spcPts val="0"/>
+              </a:spcAft>
+              <a:buClr>
+                <a:srgbClr val="424242"/>
+              </a:buClr>
+              <a:buSzPts val="1200"/>
+              <a:buFont typeface="Nunito"/>
+              <a:buChar char="●"/>
+            </a:pPr>
+            <a:r>
+              <a:rPr lang="es" sz="1200">
+                <a:solidFill>
+                  <a:srgbClr val="424242"/>
+                </a:solidFill>
+                <a:latin typeface="Nunito"/>
+                <a:ea typeface="Nunito"/>
+                <a:cs typeface="Nunito"/>
+                <a:sym typeface="Nunito"/>
+              </a:rPr>
+              <a:t>This tends to yield very large performance gain when working with large corpora such as WordNet. (Simil imatge grafic)</a:t>
+            </a:r>
+            <a:endParaRPr sz="1200">
+              <a:solidFill>
+                <a:srgbClr val="424242"/>
+              </a:solidFill>
+              <a:latin typeface="Nunito"/>
+              <a:ea typeface="Nunito"/>
+              <a:cs typeface="Nunito"/>
+              <a:sym typeface="Nunito"/>
+            </a:endParaRPr>
+          </a:p>
         </p:txBody>
       </p:sp>
     </p:spTree>
@@ -1160,7 +1241,7 @@
   <p:cSld>
     <p:spTree>
       <p:nvGrpSpPr>
-        <p:cNvPr id="342" name="Shape 342"/>
+        <p:cNvPr id="357" name="Shape 357"/>
         <p:cNvGrpSpPr/>
         <p:nvPr/>
       </p:nvGrpSpPr>
@@ -1174,7 +1255,7 @@
       </p:grpSpPr>
       <p:sp>
         <p:nvSpPr>
-          <p:cNvPr id="343" name="Google Shape;343;g127cac13190_0_780:notes"/>
+          <p:cNvPr id="358" name="Google Shape;358;g127cac13190_0_780:notes"/>
           <p:cNvSpPr/>
           <p:nvPr>
             <p:ph idx="2" type="sldImg"/>
@@ -1209,7 +1290,7 @@
       </p:sp>
       <p:sp>
         <p:nvSpPr>
-          <p:cNvPr id="344" name="Google Shape;344;g127cac13190_0_780:notes"/>
+          <p:cNvPr id="359" name="Google Shape;359;g127cac13190_0_780:notes"/>
           <p:cNvSpPr txBox="1"/>
           <p:nvPr>
             <p:ph idx="1" type="body"/>
@@ -1272,7 +1353,7 @@
             </a:pPr>
             <a:r>
               <a:rPr lang="es"/>
-              <a:t>Alguns sistemes PROLOG, implementen un mètode de memorització anomenat tabling, que allibera l'usuari d'emmagatzemar manualment els resultats intermedis.</a:t>
+              <a:t>Alguns sistemes PROLOG, implementen un mètode de memorització anomenat tabling, que allibera l'usuari d'emmagatzemar manualment els resultats intermedis. (Imatge superior esquerra)</a:t>
             </a:r>
             <a:endParaRPr/>
           </a:p>
@@ -1303,22 +1384,7 @@
             </a:pPr>
             <a:r>
               <a:rPr lang="es"/>
-              <a:t>La taula és una compensació espai-temps, el temps d'execució es pot reduir utilitzant més memòria per emmagatzemar resultats intermedis:</a:t>
-            </a:r>
-            <a:endParaRPr/>
-          </a:p>
-          <a:p>
-            <a:pPr indent="0" lvl="0" marL="0" rtl="0" algn="l">
-              <a:spcBef>
-                <a:spcPts val="0"/>
-              </a:spcBef>
-              <a:spcAft>
-                <a:spcPts val="0"/>
-              </a:spcAft>
-              <a:buNone/>
-            </a:pPr>
-            <a:r>
-              <a:t/>
+              <a:t>El tabling és una compensació espai-temps, el temps d'execució es pot reduir utilitzant més memòria per emmagatzemar resultats intermedis: (imatge superior dreta)</a:t>
             </a:r>
             <a:endParaRPr/>
           </a:p>
@@ -1367,132 +1433,6 @@
             <a:r>
               <a:rPr lang="es"/>
               <a:t>Si es torna a trobar un subobjectiu, l'avaluació reutilitza la informació de la taula en lloc de tornar a realitzar la resolució amb clàusules del programa.</a:t>
-            </a:r>
-            <a:endParaRPr/>
-          </a:p>
-          <a:p>
-            <a:pPr indent="0" lvl="0" marL="0" rtl="0" algn="l">
-              <a:spcBef>
-                <a:spcPts val="0"/>
-              </a:spcBef>
-              <a:spcAft>
-                <a:spcPts val="0"/>
-              </a:spcAft>
-              <a:buNone/>
-            </a:pPr>
-            <a:r>
-              <a:t/>
-            </a:r>
-            <a:endParaRPr/>
-          </a:p>
-          <a:p>
-            <a:pPr indent="0" lvl="0" marL="0" rtl="0" algn="l">
-              <a:spcBef>
-                <a:spcPts val="0"/>
-              </a:spcBef>
-              <a:spcAft>
-                <a:spcPts val="0"/>
-              </a:spcAft>
-              <a:buNone/>
-            </a:pPr>
-            <a:r>
-              <a:rPr lang="es"/>
-              <a:t>El tabling es pot extendre en diverses direccions.</a:t>
-            </a:r>
-            <a:endParaRPr/>
-          </a:p>
-          <a:p>
-            <a:pPr indent="0" lvl="0" marL="0" rtl="0" algn="l">
-              <a:spcBef>
-                <a:spcPts val="0"/>
-              </a:spcBef>
-              <a:spcAft>
-                <a:spcPts val="0"/>
-              </a:spcAft>
-              <a:buNone/>
-            </a:pPr>
-            <a:r>
-              <a:t/>
-            </a:r>
-            <a:endParaRPr/>
-          </a:p>
-          <a:p>
-            <a:pPr indent="0" lvl="0" marL="0" rtl="0" algn="l">
-              <a:spcBef>
-                <a:spcPts val="0"/>
-              </a:spcBef>
-              <a:spcAft>
-                <a:spcPts val="0"/>
-              </a:spcAft>
-              <a:buNone/>
-            </a:pPr>
-            <a:r>
-              <a:rPr lang="es"/>
-              <a:t>	Pot suportar predicats recursius mitjançant resolució SLG o taules lineals.</a:t>
-            </a:r>
-            <a:endParaRPr/>
-          </a:p>
-          <a:p>
-            <a:pPr indent="0" lvl="0" marL="0" rtl="0" algn="l">
-              <a:spcBef>
-                <a:spcPts val="0"/>
-              </a:spcBef>
-              <a:spcAft>
-                <a:spcPts val="0"/>
-              </a:spcAft>
-              <a:buNone/>
-            </a:pPr>
-            <a:r>
-              <a:rPr lang="es"/>
-              <a:t>	</a:t>
-            </a:r>
-            <a:endParaRPr/>
-          </a:p>
-          <a:p>
-            <a:pPr indent="0" lvl="0" marL="0" rtl="0" algn="l">
-              <a:spcBef>
-                <a:spcPts val="0"/>
-              </a:spcBef>
-              <a:spcAft>
-                <a:spcPts val="0"/>
-              </a:spcAft>
-              <a:buNone/>
-            </a:pPr>
-            <a:r>
-              <a:rPr lang="es"/>
-              <a:t>	En un sistema PROLOG de múltiples fils, els resultats del tabling es podrien mantenir privats en un fil entre tots els fils.</a:t>
-            </a:r>
-            <a:endParaRPr/>
-          </a:p>
-          <a:p>
-            <a:pPr indent="0" lvl="0" marL="0" rtl="0" algn="l">
-              <a:spcBef>
-                <a:spcPts val="0"/>
-              </a:spcBef>
-              <a:spcAft>
-                <a:spcPts val="0"/>
-              </a:spcAft>
-              <a:buNone/>
-            </a:pPr>
-            <a:r>
-              <a:rPr lang="es"/>
-              <a:t>	</a:t>
-            </a:r>
-            <a:endParaRPr/>
-          </a:p>
-          <a:p>
-            <a:pPr indent="0" lvl="0" marL="0" rtl="0" algn="l">
-              <a:spcBef>
-                <a:spcPts val="0"/>
-              </a:spcBef>
-              <a:spcAft>
-                <a:spcPts val="0"/>
-              </a:spcAft>
-              <a:buNone/>
-            </a:pPr>
-            <a:r>
-              <a:rPr lang="es"/>
-              <a:t>	I en el tabling incremental, podria reaccionar als canvis.</a:t>
             </a:r>
             <a:endParaRPr/>
           </a:p>
@@ -1511,7 +1451,7 @@
   <p:cSld>
     <p:spTree>
       <p:nvGrpSpPr>
-        <p:cNvPr id="348" name="Shape 348"/>
+        <p:cNvPr id="366" name="Shape 366"/>
         <p:cNvGrpSpPr/>
         <p:nvPr/>
       </p:nvGrpSpPr>
@@ -1525,7 +1465,7 @@
       </p:grpSpPr>
       <p:sp>
         <p:nvSpPr>
-          <p:cNvPr id="349" name="Google Shape;349;g127cac13190_0_785:notes"/>
+          <p:cNvPr id="367" name="Google Shape;367;g12a8a7efdc5_0_13:notes"/>
           <p:cNvSpPr/>
           <p:nvPr>
             <p:ph idx="2" type="sldImg"/>
@@ -1560,7 +1500,7 @@
       </p:sp>
       <p:sp>
         <p:nvSpPr>
-          <p:cNvPr id="350" name="Google Shape;350;g127cac13190_0_785:notes"/>
+          <p:cNvPr id="368" name="Google Shape;368;g12a8a7efdc5_0_13:notes"/>
           <p:cNvSpPr txBox="1"/>
           <p:nvPr>
             <p:ph idx="1" type="body"/>
@@ -1592,7 +1532,235 @@
             </a:pPr>
             <a:r>
               <a:rPr lang="es"/>
-              <a:t>GALAJAT:</a:t>
+              <a:t>CERVERA:</a:t>
+            </a:r>
+            <a:endParaRPr/>
+          </a:p>
+          <a:p>
+            <a:pPr indent="0" lvl="0" marL="0" rtl="0" algn="l">
+              <a:spcBef>
+                <a:spcPts val="0"/>
+              </a:spcBef>
+              <a:spcAft>
+                <a:spcPts val="0"/>
+              </a:spcAft>
+              <a:buNone/>
+            </a:pPr>
+            <a:r>
+              <a:t/>
+            </a:r>
+            <a:endParaRPr/>
+          </a:p>
+          <a:p>
+            <a:pPr indent="0" lvl="0" marL="0" rtl="0" algn="l">
+              <a:spcBef>
+                <a:spcPts val="0"/>
+              </a:spcBef>
+              <a:spcAft>
+                <a:spcPts val="0"/>
+              </a:spcAft>
+              <a:buClr>
+                <a:schemeClr val="dk1"/>
+              </a:buClr>
+              <a:buSzPts val="1100"/>
+              <a:buFont typeface="Arial"/>
+              <a:buNone/>
+            </a:pPr>
+            <a:r>
+              <a:rPr lang="es">
+                <a:solidFill>
+                  <a:schemeClr val="dk1"/>
+                </a:solidFill>
+              </a:rPr>
+              <a:t>El tabling es pot extendre en diverses direccions.</a:t>
+            </a:r>
+            <a:endParaRPr>
+              <a:solidFill>
+                <a:schemeClr val="dk1"/>
+              </a:solidFill>
+            </a:endParaRPr>
+          </a:p>
+          <a:p>
+            <a:pPr indent="0" lvl="0" marL="0" rtl="0" algn="l">
+              <a:spcBef>
+                <a:spcPts val="0"/>
+              </a:spcBef>
+              <a:spcAft>
+                <a:spcPts val="0"/>
+              </a:spcAft>
+              <a:buClr>
+                <a:schemeClr val="dk1"/>
+              </a:buClr>
+              <a:buSzPts val="1100"/>
+              <a:buFont typeface="Arial"/>
+              <a:buNone/>
+            </a:pPr>
+            <a:r>
+              <a:t/>
+            </a:r>
+            <a:endParaRPr>
+              <a:solidFill>
+                <a:schemeClr val="dk1"/>
+              </a:solidFill>
+            </a:endParaRPr>
+          </a:p>
+          <a:p>
+            <a:pPr indent="0" lvl="0" marL="0" rtl="0" algn="l">
+              <a:spcBef>
+                <a:spcPts val="0"/>
+              </a:spcBef>
+              <a:spcAft>
+                <a:spcPts val="0"/>
+              </a:spcAft>
+              <a:buClr>
+                <a:schemeClr val="dk1"/>
+              </a:buClr>
+              <a:buSzPts val="1100"/>
+              <a:buFont typeface="Arial"/>
+              <a:buNone/>
+            </a:pPr>
+            <a:r>
+              <a:rPr lang="es">
+                <a:solidFill>
+                  <a:schemeClr val="dk1"/>
+                </a:solidFill>
+              </a:rPr>
+              <a:t>	Pot suportar predicats recursius mitjançant resolució SLD o taules lineals.</a:t>
+            </a:r>
+            <a:endParaRPr>
+              <a:solidFill>
+                <a:schemeClr val="dk1"/>
+              </a:solidFill>
+            </a:endParaRPr>
+          </a:p>
+          <a:p>
+            <a:pPr indent="0" lvl="0" marL="0" rtl="0" algn="l">
+              <a:spcBef>
+                <a:spcPts val="0"/>
+              </a:spcBef>
+              <a:spcAft>
+                <a:spcPts val="0"/>
+              </a:spcAft>
+              <a:buClr>
+                <a:schemeClr val="dk1"/>
+              </a:buClr>
+              <a:buSzPts val="1100"/>
+              <a:buFont typeface="Arial"/>
+              <a:buNone/>
+            </a:pPr>
+            <a:r>
+              <a:rPr lang="es">
+                <a:solidFill>
+                  <a:schemeClr val="dk1"/>
+                </a:solidFill>
+              </a:rPr>
+              <a:t>	</a:t>
+            </a:r>
+            <a:endParaRPr>
+              <a:solidFill>
+                <a:schemeClr val="dk1"/>
+              </a:solidFill>
+            </a:endParaRPr>
+          </a:p>
+          <a:p>
+            <a:pPr indent="0" lvl="0" marL="0" rtl="0" algn="l">
+              <a:spcBef>
+                <a:spcPts val="0"/>
+              </a:spcBef>
+              <a:spcAft>
+                <a:spcPts val="0"/>
+              </a:spcAft>
+              <a:buClr>
+                <a:schemeClr val="dk1"/>
+              </a:buClr>
+              <a:buSzPts val="1100"/>
+              <a:buFont typeface="Arial"/>
+              <a:buNone/>
+            </a:pPr>
+            <a:r>
+              <a:rPr lang="es">
+                <a:solidFill>
+                  <a:schemeClr val="dk1"/>
+                </a:solidFill>
+              </a:rPr>
+              <a:t>	En un sistema PROLOG de múltiples fils, els resultats del tabling es podrien mantenir privats en un fil entre tots els fils.</a:t>
+            </a:r>
+            <a:endParaRPr>
+              <a:solidFill>
+                <a:schemeClr val="dk1"/>
+              </a:solidFill>
+            </a:endParaRPr>
+          </a:p>
+          <a:p>
+            <a:pPr indent="0" lvl="0" marL="0" rtl="0" algn="l">
+              <a:spcBef>
+                <a:spcPts val="0"/>
+              </a:spcBef>
+              <a:spcAft>
+                <a:spcPts val="0"/>
+              </a:spcAft>
+              <a:buClr>
+                <a:schemeClr val="dk1"/>
+              </a:buClr>
+              <a:buSzPts val="1100"/>
+              <a:buFont typeface="Arial"/>
+              <a:buNone/>
+            </a:pPr>
+            <a:r>
+              <a:rPr lang="es">
+                <a:solidFill>
+                  <a:schemeClr val="dk1"/>
+                </a:solidFill>
+              </a:rPr>
+              <a:t>	</a:t>
+            </a:r>
+            <a:endParaRPr>
+              <a:solidFill>
+                <a:schemeClr val="dk1"/>
+              </a:solidFill>
+            </a:endParaRPr>
+          </a:p>
+          <a:p>
+            <a:pPr indent="0" lvl="0" marL="0" rtl="0" algn="l">
+              <a:spcBef>
+                <a:spcPts val="0"/>
+              </a:spcBef>
+              <a:spcAft>
+                <a:spcPts val="0"/>
+              </a:spcAft>
+              <a:buClr>
+                <a:schemeClr val="dk1"/>
+              </a:buClr>
+              <a:buSzPts val="1100"/>
+              <a:buFont typeface="Arial"/>
+              <a:buNone/>
+            </a:pPr>
+            <a:r>
+              <a:rPr lang="es">
+                <a:solidFill>
+                  <a:schemeClr val="dk1"/>
+                </a:solidFill>
+              </a:rPr>
+              <a:t>	I en el tabling incremental, podria reaccionar als canvis.</a:t>
+            </a:r>
+            <a:endParaRPr>
+              <a:solidFill>
+                <a:schemeClr val="dk1"/>
+              </a:solidFill>
+            </a:endParaRPr>
+          </a:p>
+          <a:p>
+            <a:pPr indent="457200" lvl="0" marL="0" rtl="0" algn="l">
+              <a:spcBef>
+                <a:spcPts val="0"/>
+              </a:spcBef>
+              <a:spcAft>
+                <a:spcPts val="0"/>
+              </a:spcAft>
+              <a:buNone/>
+            </a:pPr>
+            <a:r>
+              <a:t/>
             </a:r>
             <a:endParaRPr/>
           </a:p>
@@ -1611,7 +1779,7 @@
   <p:cSld>
     <p:spTree>
       <p:nvGrpSpPr>
-        <p:cNvPr id="354" name="Shape 354"/>
+        <p:cNvPr id="373" name="Shape 373"/>
         <p:cNvGrpSpPr/>
         <p:nvPr/>
       </p:nvGrpSpPr>
@@ -1625,7 +1793,7 @@
       </p:grpSpPr>
       <p:sp>
         <p:nvSpPr>
-          <p:cNvPr id="355" name="Google Shape;355;g127cac13190_0_790:notes"/>
+          <p:cNvPr id="374" name="Google Shape;374;g127cac13190_0_785:notes"/>
           <p:cNvSpPr/>
           <p:nvPr>
             <p:ph idx="2" type="sldImg"/>
@@ -1660,7 +1828,7 @@
       </p:sp>
       <p:sp>
         <p:nvSpPr>
-          <p:cNvPr id="356" name="Google Shape;356;g127cac13190_0_790:notes"/>
+          <p:cNvPr id="375" name="Google Shape;375;g127cac13190_0_785:notes"/>
           <p:cNvSpPr txBox="1"/>
           <p:nvPr>
             <p:ph idx="1" type="body"/>
@@ -1692,238 +1860,7 @@
             </a:pPr>
             <a:r>
               <a:rPr lang="es"/>
-              <a:t>CERVERA:</a:t>
-            </a:r>
-            <a:endParaRPr/>
-          </a:p>
-          <a:p>
-            <a:pPr indent="0" lvl="0" marL="0" rtl="0" algn="l">
-              <a:spcBef>
-                <a:spcPts val="0"/>
-              </a:spcBef>
-              <a:spcAft>
-                <a:spcPts val="0"/>
-              </a:spcAft>
-              <a:buNone/>
-            </a:pPr>
-            <a:r>
-              <a:t/>
-            </a:r>
-            <a:endParaRPr/>
-          </a:p>
-          <a:p>
-            <a:pPr indent="0" lvl="0" marL="0" rtl="0" algn="l">
-              <a:spcBef>
-                <a:spcPts val="0"/>
-              </a:spcBef>
-              <a:spcAft>
-                <a:spcPts val="0"/>
-              </a:spcAft>
-              <a:buNone/>
-            </a:pPr>
-            <a:r>
-              <a:rPr lang="es"/>
-              <a:t>PROLOG i altres llenguatges de programació lògica no han tingut un impacte significatiu en la indústria informàtica en general.</a:t>
-            </a:r>
-            <a:endParaRPr/>
-          </a:p>
-          <a:p>
-            <a:pPr indent="0" lvl="0" marL="0" rtl="0" algn="l">
-              <a:spcBef>
-                <a:spcPts val="0"/>
-              </a:spcBef>
-              <a:spcAft>
-                <a:spcPts val="0"/>
-              </a:spcAft>
-              <a:buClr>
-                <a:schemeClr val="dk1"/>
-              </a:buClr>
-              <a:buSzPts val="1100"/>
-              <a:buFont typeface="Arial"/>
-              <a:buNone/>
-            </a:pPr>
-            <a:r>
-              <a:t/>
-            </a:r>
-            <a:endParaRPr/>
-          </a:p>
-          <a:p>
-            <a:pPr indent="0" lvl="0" marL="0" rtl="0" algn="l">
-              <a:spcBef>
-                <a:spcPts val="0"/>
-              </a:spcBef>
-              <a:spcAft>
-                <a:spcPts val="0"/>
-              </a:spcAft>
-              <a:buNone/>
-            </a:pPr>
-            <a:r>
-              <a:rPr lang="es"/>
-              <a:t>La majoria de les aplicacions són petites segons els estàndards industrials.</a:t>
-            </a:r>
-            <a:endParaRPr/>
-          </a:p>
-          <a:p>
-            <a:pPr indent="0" lvl="0" marL="0" rtl="0" algn="l">
-              <a:spcBef>
-                <a:spcPts val="0"/>
-              </a:spcBef>
-              <a:spcAft>
-                <a:spcPts val="0"/>
-              </a:spcAft>
-              <a:buClr>
-                <a:schemeClr val="dk1"/>
-              </a:buClr>
-              <a:buSzPts val="1100"/>
-              <a:buFont typeface="Arial"/>
-              <a:buNone/>
-            </a:pPr>
-            <a:r>
-              <a:t/>
-            </a:r>
-            <a:endParaRPr/>
-          </a:p>
-          <a:p>
-            <a:pPr indent="0" lvl="0" marL="0" rtl="0" algn="l">
-              <a:spcBef>
-                <a:spcPts val="0"/>
-              </a:spcBef>
-              <a:spcAft>
-                <a:spcPts val="0"/>
-              </a:spcAft>
-              <a:buNone/>
-            </a:pPr>
-            <a:r>
-              <a:rPr lang="es"/>
-              <a:t>La "programació a gran escala" es considera complicada perquè no tots els compiladors PROLOG admeten mòduls (problemes de compatibilitat).</a:t>
-            </a:r>
-            <a:endParaRPr/>
-          </a:p>
-          <a:p>
-            <a:pPr indent="0" lvl="0" marL="0" rtl="0" algn="l">
-              <a:spcBef>
-                <a:spcPts val="0"/>
-              </a:spcBef>
-              <a:spcAft>
-                <a:spcPts val="0"/>
-              </a:spcAft>
-              <a:buClr>
-                <a:schemeClr val="dk1"/>
-              </a:buClr>
-              <a:buSzPts val="1100"/>
-              <a:buFont typeface="Arial"/>
-              <a:buNone/>
-            </a:pPr>
-            <a:r>
-              <a:t/>
-            </a:r>
-            <a:endParaRPr/>
-          </a:p>
-          <a:p>
-            <a:pPr indent="0" lvl="0" marL="0" rtl="0" algn="l">
-              <a:spcBef>
-                <a:spcPts val="0"/>
-              </a:spcBef>
-              <a:spcAft>
-                <a:spcPts val="0"/>
-              </a:spcAft>
-              <a:buNone/>
-            </a:pPr>
-            <a:r>
-              <a:rPr lang="es"/>
-              <a:t>Portabilitat del codi PROLOG entre implementacions</a:t>
-            </a:r>
-            <a:endParaRPr/>
-          </a:p>
-          <a:p>
-            <a:pPr indent="0" lvl="0" marL="0" rtl="0" algn="l">
-              <a:spcBef>
-                <a:spcPts val="0"/>
-              </a:spcBef>
-              <a:spcAft>
-                <a:spcPts val="0"/>
-              </a:spcAft>
-              <a:buClr>
-                <a:schemeClr val="dk1"/>
-              </a:buClr>
-              <a:buSzPts val="1100"/>
-              <a:buFont typeface="Arial"/>
-              <a:buNone/>
-            </a:pPr>
-            <a:r>
-              <a:t/>
-            </a:r>
-            <a:endParaRPr/>
-          </a:p>
-          <a:p>
-            <a:pPr indent="0" lvl="0" marL="0" rtl="0" algn="l">
-              <a:spcBef>
-                <a:spcPts val="0"/>
-              </a:spcBef>
-              <a:spcAft>
-                <a:spcPts val="0"/>
-              </a:spcAft>
-              <a:buNone/>
-            </a:pPr>
-            <a:r>
-              <a:rPr lang="es"/>
-              <a:t>El programari desenvolupat a PROLOG ha estat criticat per tenir una penalització d'alt rendiment.</a:t>
-            </a:r>
-            <a:endParaRPr/>
-          </a:p>
-          <a:p>
-            <a:pPr indent="0" lvl="0" marL="0" rtl="0" algn="l">
-              <a:spcBef>
-                <a:spcPts val="0"/>
-              </a:spcBef>
-              <a:spcAft>
-                <a:spcPts val="0"/>
-              </a:spcAft>
-              <a:buClr>
-                <a:schemeClr val="dk1"/>
-              </a:buClr>
-              <a:buSzPts val="1100"/>
-              <a:buFont typeface="Arial"/>
-              <a:buNone/>
-            </a:pPr>
-            <a:r>
-              <a:t/>
-            </a:r>
-            <a:endParaRPr/>
-          </a:p>
-          <a:p>
-            <a:pPr indent="0" lvl="0" marL="0" rtl="0" algn="l">
-              <a:spcBef>
-                <a:spcPts val="0"/>
-              </a:spcBef>
-              <a:spcAft>
-                <a:spcPts val="0"/>
-              </a:spcAft>
-              <a:buClr>
-                <a:schemeClr val="dk1"/>
-              </a:buClr>
-              <a:buSzPts val="1100"/>
-              <a:buFont typeface="Arial"/>
-              <a:buNone/>
-            </a:pPr>
-            <a:r>
-              <a:rPr lang="es"/>
-              <a:t>PROLOG no és purament declaratiu.</a:t>
-            </a:r>
-            <a:endParaRPr/>
-          </a:p>
-          <a:p>
-            <a:pPr indent="0" lvl="0" marL="0" rtl="0" algn="l">
-              <a:spcBef>
-                <a:spcPts val="0"/>
-              </a:spcBef>
-              <a:spcAft>
-                <a:spcPts val="0"/>
-              </a:spcAft>
-              <a:buNone/>
-            </a:pPr>
-            <a:r>
-              <a:t/>
+              <a:t>GALAJAT:</a:t>
             </a:r>
             <a:endParaRPr/>
           </a:p>
@@ -1942,7 +1879,7 @@
   <p:cSld>
     <p:spTree>
       <p:nvGrpSpPr>
-        <p:cNvPr id="360" name="Shape 360"/>
+        <p:cNvPr id="379" name="Shape 379"/>
         <p:cNvGrpSpPr/>
         <p:nvPr/>
       </p:nvGrpSpPr>
@@ -1956,7 +1893,7 @@
       </p:grpSpPr>
       <p:sp>
         <p:nvSpPr>
-          <p:cNvPr id="361" name="Google Shape;361;g127cac13190_0_795:notes"/>
+          <p:cNvPr id="380" name="Google Shape;380;g127cac13190_0_790:notes"/>
           <p:cNvSpPr/>
           <p:nvPr>
             <p:ph idx="2" type="sldImg"/>
@@ -1991,7 +1928,7 @@
       </p:sp>
       <p:sp>
         <p:nvSpPr>
-          <p:cNvPr id="362" name="Google Shape;362;g127cac13190_0_795:notes"/>
+          <p:cNvPr id="381" name="Google Shape;381;g127cac13190_0_790:notes"/>
           <p:cNvSpPr txBox="1"/>
           <p:nvPr>
             <p:ph idx="1" type="body"/>
@@ -2023,7 +1960,238 @@
             </a:pPr>
             <a:r>
               <a:rPr lang="es"/>
-              <a:t>GALAJAT:</a:t>
+              <a:t>CERVERA:</a:t>
+            </a:r>
+            <a:endParaRPr/>
+          </a:p>
+          <a:p>
+            <a:pPr indent="0" lvl="0" marL="0" rtl="0" algn="l">
+              <a:spcBef>
+                <a:spcPts val="0"/>
+              </a:spcBef>
+              <a:spcAft>
+                <a:spcPts val="0"/>
+              </a:spcAft>
+              <a:buNone/>
+            </a:pPr>
+            <a:r>
+              <a:t/>
+            </a:r>
+            <a:endParaRPr/>
+          </a:p>
+          <a:p>
+            <a:pPr indent="0" lvl="0" marL="0" rtl="0" algn="l">
+              <a:spcBef>
+                <a:spcPts val="0"/>
+              </a:spcBef>
+              <a:spcAft>
+                <a:spcPts val="0"/>
+              </a:spcAft>
+              <a:buNone/>
+            </a:pPr>
+            <a:r>
+              <a:rPr lang="es"/>
+              <a:t>PROLOG i altres llenguatges de programació lògica no han tingut un impacte significatiu en la indústria informàtica en general.</a:t>
+            </a:r>
+            <a:endParaRPr/>
+          </a:p>
+          <a:p>
+            <a:pPr indent="0" lvl="0" marL="0" rtl="0" algn="l">
+              <a:spcBef>
+                <a:spcPts val="0"/>
+              </a:spcBef>
+              <a:spcAft>
+                <a:spcPts val="0"/>
+              </a:spcAft>
+              <a:buClr>
+                <a:schemeClr val="dk1"/>
+              </a:buClr>
+              <a:buSzPts val="1100"/>
+              <a:buFont typeface="Arial"/>
+              <a:buNone/>
+            </a:pPr>
+            <a:r>
+              <a:t/>
+            </a:r>
+            <a:endParaRPr/>
+          </a:p>
+          <a:p>
+            <a:pPr indent="0" lvl="0" marL="0" rtl="0" algn="l">
+              <a:spcBef>
+                <a:spcPts val="0"/>
+              </a:spcBef>
+              <a:spcAft>
+                <a:spcPts val="0"/>
+              </a:spcAft>
+              <a:buNone/>
+            </a:pPr>
+            <a:r>
+              <a:rPr lang="es"/>
+              <a:t>La majoria de les aplicacions són petites segons els estàndards industrials.</a:t>
+            </a:r>
+            <a:endParaRPr/>
+          </a:p>
+          <a:p>
+            <a:pPr indent="0" lvl="0" marL="0" rtl="0" algn="l">
+              <a:spcBef>
+                <a:spcPts val="0"/>
+              </a:spcBef>
+              <a:spcAft>
+                <a:spcPts val="0"/>
+              </a:spcAft>
+              <a:buClr>
+                <a:schemeClr val="dk1"/>
+              </a:buClr>
+              <a:buSzPts val="1100"/>
+              <a:buFont typeface="Arial"/>
+              <a:buNone/>
+            </a:pPr>
+            <a:r>
+              <a:t/>
+            </a:r>
+            <a:endParaRPr/>
+          </a:p>
+          <a:p>
+            <a:pPr indent="0" lvl="0" marL="0" rtl="0" algn="l">
+              <a:spcBef>
+                <a:spcPts val="0"/>
+              </a:spcBef>
+              <a:spcAft>
+                <a:spcPts val="0"/>
+              </a:spcAft>
+              <a:buNone/>
+            </a:pPr>
+            <a:r>
+              <a:rPr lang="es"/>
+              <a:t>La "programació a gran escala" es considera complicada perquè no tots els compiladors PROLOG admeten mòduls (problemes de compatibilitat).</a:t>
+            </a:r>
+            <a:endParaRPr/>
+          </a:p>
+          <a:p>
+            <a:pPr indent="0" lvl="0" marL="0" rtl="0" algn="l">
+              <a:spcBef>
+                <a:spcPts val="0"/>
+              </a:spcBef>
+              <a:spcAft>
+                <a:spcPts val="0"/>
+              </a:spcAft>
+              <a:buClr>
+                <a:schemeClr val="dk1"/>
+              </a:buClr>
+              <a:buSzPts val="1100"/>
+              <a:buFont typeface="Arial"/>
+              <a:buNone/>
+            </a:pPr>
+            <a:r>
+              <a:t/>
+            </a:r>
+            <a:endParaRPr/>
+          </a:p>
+          <a:p>
+            <a:pPr indent="0" lvl="0" marL="0" rtl="0" algn="l">
+              <a:spcBef>
+                <a:spcPts val="0"/>
+              </a:spcBef>
+              <a:spcAft>
+                <a:spcPts val="0"/>
+              </a:spcAft>
+              <a:buNone/>
+            </a:pPr>
+            <a:r>
+              <a:rPr lang="es"/>
+              <a:t>Portabilitat del codi PROLOG entre implementacions</a:t>
+            </a:r>
+            <a:endParaRPr/>
+          </a:p>
+          <a:p>
+            <a:pPr indent="0" lvl="0" marL="0" rtl="0" algn="l">
+              <a:spcBef>
+                <a:spcPts val="0"/>
+              </a:spcBef>
+              <a:spcAft>
+                <a:spcPts val="0"/>
+              </a:spcAft>
+              <a:buClr>
+                <a:schemeClr val="dk1"/>
+              </a:buClr>
+              <a:buSzPts val="1100"/>
+              <a:buFont typeface="Arial"/>
+              <a:buNone/>
+            </a:pPr>
+            <a:r>
+              <a:t/>
+            </a:r>
+            <a:endParaRPr/>
+          </a:p>
+          <a:p>
+            <a:pPr indent="0" lvl="0" marL="0" rtl="0" algn="l">
+              <a:spcBef>
+                <a:spcPts val="0"/>
+              </a:spcBef>
+              <a:spcAft>
+                <a:spcPts val="0"/>
+              </a:spcAft>
+              <a:buNone/>
+            </a:pPr>
+            <a:r>
+              <a:rPr lang="es"/>
+              <a:t>El programari desenvolupat a PROLOG ha estat criticat per tenir una penalització d'alt rendiment.</a:t>
+            </a:r>
+            <a:endParaRPr/>
+          </a:p>
+          <a:p>
+            <a:pPr indent="0" lvl="0" marL="0" rtl="0" algn="l">
+              <a:spcBef>
+                <a:spcPts val="0"/>
+              </a:spcBef>
+              <a:spcAft>
+                <a:spcPts val="0"/>
+              </a:spcAft>
+              <a:buClr>
+                <a:schemeClr val="dk1"/>
+              </a:buClr>
+              <a:buSzPts val="1100"/>
+              <a:buFont typeface="Arial"/>
+              <a:buNone/>
+            </a:pPr>
+            <a:r>
+              <a:t/>
+            </a:r>
+            <a:endParaRPr/>
+          </a:p>
+          <a:p>
+            <a:pPr indent="0" lvl="0" marL="0" rtl="0" algn="l">
+              <a:spcBef>
+                <a:spcPts val="0"/>
+              </a:spcBef>
+              <a:spcAft>
+                <a:spcPts val="0"/>
+              </a:spcAft>
+              <a:buClr>
+                <a:schemeClr val="dk1"/>
+              </a:buClr>
+              <a:buSzPts val="1100"/>
+              <a:buFont typeface="Arial"/>
+              <a:buNone/>
+            </a:pPr>
+            <a:r>
+              <a:rPr lang="es"/>
+              <a:t>PROLOG no és purament declaratiu.</a:t>
+            </a:r>
+            <a:endParaRPr/>
+          </a:p>
+          <a:p>
+            <a:pPr indent="0" lvl="0" marL="0" rtl="0" algn="l">
+              <a:spcBef>
+                <a:spcPts val="0"/>
+              </a:spcBef>
+              <a:spcAft>
+                <a:spcPts val="0"/>
+              </a:spcAft>
+              <a:buNone/>
+            </a:pPr>
+            <a:r>
+              <a:t/>
             </a:r>
             <a:endParaRPr/>
           </a:p>
@@ -2042,7 +2210,7 @@
   <p:cSld>
     <p:spTree>
       <p:nvGrpSpPr>
-        <p:cNvPr id="366" name="Shape 366"/>
+        <p:cNvPr id="385" name="Shape 385"/>
         <p:cNvGrpSpPr/>
         <p:nvPr/>
       </p:nvGrpSpPr>
@@ -2056,7 +2224,7 @@
       </p:grpSpPr>
       <p:sp>
         <p:nvSpPr>
-          <p:cNvPr id="367" name="Google Shape;367;g12811908789_0_14:notes"/>
+          <p:cNvPr id="386" name="Google Shape;386;g127cac13190_0_795:notes"/>
           <p:cNvSpPr/>
           <p:nvPr>
             <p:ph idx="2" type="sldImg"/>
@@ -2091,7 +2259,7 @@
       </p:sp>
       <p:sp>
         <p:nvSpPr>
-          <p:cNvPr id="368" name="Google Shape;368;g12811908789_0_14:notes"/>
+          <p:cNvPr id="387" name="Google Shape;387;g127cac13190_0_795:notes"/>
           <p:cNvSpPr txBox="1"/>
           <p:nvPr>
             <p:ph idx="1" type="body"/>
@@ -2123,6 +2291,106 @@
             </a:pPr>
             <a:r>
               <a:rPr lang="es"/>
+              <a:t>GALAJAT:</a:t>
+            </a:r>
+            <a:endParaRPr/>
+          </a:p>
+        </p:txBody>
+      </p:sp>
+    </p:spTree>
+  </p:cSld>
+  <p:clrMapOvr>
+    <a:masterClrMapping/>
+  </p:clrMapOvr>
+</p:notes>
+</file>
+
+<file path=ppt/notesSlides/notesSlide17.xml><?xml version="1.0" encoding="utf-8"?>
+<p:notes xmlns:a="http://schemas.openxmlformats.org/drawingml/2006/main" xmlns:r="http://schemas.openxmlformats.org/officeDocument/2006/relationships" xmlns:mc="http://schemas.openxmlformats.org/markup-compatibility/2006" xmlns:mv="urn:schemas-microsoft-com:mac:vml" xmlns:p="http://schemas.openxmlformats.org/presentationml/2006/main" xmlns:c="http://schemas.openxmlformats.org/drawingml/2006/chart" xmlns:dgm="http://schemas.openxmlformats.org/drawingml/2006/diagram" xmlns:o="urn:schemas-microsoft-com:office:office" xmlns:v="urn:schemas-microsoft-com:vml" xmlns:pvml="urn:schemas-microsoft-com:office:powerpoint" xmlns:com="http://schemas.openxmlformats.org/drawingml/2006/compatibility" xmlns:p14="http://schemas.microsoft.com/office/powerpoint/2010/main" xmlns:p15="http://schemas.microsoft.com/office/powerpoint/2012/main" xmlns:ahyp="http://schemas.microsoft.com/office/drawing/2018/hyperlinkcolor" showMasterPhAnim="0" showMasterSp="0">
+  <p:cSld>
+    <p:spTree>
+      <p:nvGrpSpPr>
+        <p:cNvPr id="391" name="Shape 391"/>
+        <p:cNvGrpSpPr/>
+        <p:nvPr/>
+      </p:nvGrpSpPr>
+      <p:grpSpPr>
+        <a:xfrm>
+          <a:off x="0" y="0"/>
+          <a:ext cx="0" cy="0"/>
+          <a:chOff x="0" y="0"/>
+          <a:chExt cx="0" cy="0"/>
+        </a:xfrm>
+      </p:grpSpPr>
+      <p:sp>
+        <p:nvSpPr>
+          <p:cNvPr id="392" name="Google Shape;392;g12811908789_0_14:notes"/>
+          <p:cNvSpPr/>
+          <p:nvPr>
+            <p:ph idx="2" type="sldImg"/>
+          </p:nvPr>
+        </p:nvSpPr>
+        <p:spPr>
+          <a:xfrm>
+            <a:off x="381300" y="685800"/>
+            <a:ext cx="6096000" cy="3429000"/>
+          </a:xfrm>
+          <a:custGeom>
+            <a:rect b="b" l="l" r="r" t="t"/>
+            <a:pathLst>
+              <a:path extrusionOk="0" h="120000" w="120000">
+                <a:moveTo>
+                  <a:pt x="0" y="0"/>
+                </a:moveTo>
+                <a:lnTo>
+                  <a:pt x="120000" y="0"/>
+                </a:lnTo>
+                <a:lnTo>
+                  <a:pt x="120000" y="120000"/>
+                </a:lnTo>
+                <a:lnTo>
+                  <a:pt x="0" y="120000"/>
+                </a:lnTo>
+                <a:close/>
+              </a:path>
+            </a:pathLst>
+          </a:custGeom>
+        </p:spPr>
+      </p:sp>
+      <p:sp>
+        <p:nvSpPr>
+          <p:cNvPr id="393" name="Google Shape;393;g12811908789_0_14:notes"/>
+          <p:cNvSpPr txBox="1"/>
+          <p:nvPr>
+            <p:ph idx="1" type="body"/>
+          </p:nvPr>
+        </p:nvSpPr>
+        <p:spPr>
+          <a:xfrm>
+            <a:off x="685800" y="4343400"/>
+            <a:ext cx="5486400" cy="4114800"/>
+          </a:xfrm>
+          <a:prstGeom prst="rect">
+            <a:avLst/>
+          </a:prstGeom>
+        </p:spPr>
+        <p:txBody>
+          <a:bodyPr anchorCtr="0" anchor="t" bIns="91425" lIns="91425" spcFirstLastPara="1" rIns="91425" wrap="square" tIns="91425">
+            <a:noAutofit/>
+          </a:bodyPr>
+          <a:lstStyle/>
+          <a:p>
+            <a:pPr indent="0" lvl="0" marL="0" rtl="0" algn="l">
+              <a:spcBef>
+                <a:spcPts val="0"/>
+              </a:spcBef>
+              <a:spcAft>
+                <a:spcPts val="0"/>
+              </a:spcAft>
+              <a:buNone/>
+            </a:pPr>
+            <a:r>
+              <a:rPr lang="es"/>
               <a:t>CERVERA:</a:t>
             </a:r>
             <a:endParaRPr/>
@@ -2159,6 +2427,333 @@
             <a:r>
               <a:rPr lang="es"/>
               <a:t>s una implementació propietària de Warren's Abstract Machine, amb propietats addicionals orientades a objectes.</a:t>
+            </a:r>
+            <a:endParaRPr/>
+          </a:p>
+          <a:p>
+            <a:pPr indent="0" lvl="0" marL="0" rtl="0" algn="l">
+              <a:spcBef>
+                <a:spcPts val="0"/>
+              </a:spcBef>
+              <a:spcAft>
+                <a:spcPts val="0"/>
+              </a:spcAft>
+              <a:buNone/>
+            </a:pPr>
+            <a:r>
+              <a:t/>
+            </a:r>
+            <a:endParaRPr/>
+          </a:p>
+          <a:p>
+            <a:pPr indent="-304800" lvl="0" marL="457200" rtl="0" algn="l">
+              <a:lnSpc>
+                <a:spcPct val="115000"/>
+              </a:lnSpc>
+              <a:spcBef>
+                <a:spcPts val="0"/>
+              </a:spcBef>
+              <a:spcAft>
+                <a:spcPts val="0"/>
+              </a:spcAft>
+              <a:buClr>
+                <a:srgbClr val="424242"/>
+              </a:buClr>
+              <a:buSzPts val="1200"/>
+              <a:buFont typeface="Nunito"/>
+              <a:buChar char="●"/>
+            </a:pPr>
+            <a:r>
+              <a:rPr lang="es" sz="1200">
+                <a:solidFill>
+                  <a:srgbClr val="424242"/>
+                </a:solidFill>
+                <a:latin typeface="Nunito"/>
+                <a:ea typeface="Nunito"/>
+                <a:cs typeface="Nunito"/>
+                <a:sym typeface="Nunito"/>
+              </a:rPr>
+              <a:t>Gödel.</a:t>
+            </a:r>
+            <a:endParaRPr sz="1200">
+              <a:solidFill>
+                <a:srgbClr val="424242"/>
+              </a:solidFill>
+              <a:latin typeface="Nunito"/>
+              <a:ea typeface="Nunito"/>
+              <a:cs typeface="Nunito"/>
+              <a:sym typeface="Nunito"/>
+            </a:endParaRPr>
+          </a:p>
+          <a:p>
+            <a:pPr indent="-304800" lvl="0" marL="457200" rtl="0" algn="l">
+              <a:lnSpc>
+                <a:spcPct val="115000"/>
+              </a:lnSpc>
+              <a:spcBef>
+                <a:spcPts val="0"/>
+              </a:spcBef>
+              <a:spcAft>
+                <a:spcPts val="0"/>
+              </a:spcAft>
+              <a:buClr>
+                <a:srgbClr val="424242"/>
+              </a:buClr>
+              <a:buSzPts val="1200"/>
+              <a:buFont typeface="Nunito"/>
+              <a:buChar char="●"/>
+            </a:pPr>
+            <a:r>
+              <a:rPr lang="es" sz="1200">
+                <a:solidFill>
+                  <a:srgbClr val="424242"/>
+                </a:solidFill>
+                <a:latin typeface="Nunito"/>
+                <a:ea typeface="Nunito"/>
+                <a:cs typeface="Nunito"/>
+                <a:sym typeface="Nunito"/>
+              </a:rPr>
+              <a:t>Visual prolog.</a:t>
+            </a:r>
+            <a:endParaRPr sz="1200">
+              <a:solidFill>
+                <a:srgbClr val="424242"/>
+              </a:solidFill>
+              <a:latin typeface="Nunito"/>
+              <a:ea typeface="Nunito"/>
+              <a:cs typeface="Nunito"/>
+              <a:sym typeface="Nunito"/>
+            </a:endParaRPr>
+          </a:p>
+          <a:p>
+            <a:pPr indent="-304800" lvl="0" marL="457200" rtl="0" algn="l">
+              <a:lnSpc>
+                <a:spcPct val="115000"/>
+              </a:lnSpc>
+              <a:spcBef>
+                <a:spcPts val="0"/>
+              </a:spcBef>
+              <a:spcAft>
+                <a:spcPts val="0"/>
+              </a:spcAft>
+              <a:buClr>
+                <a:srgbClr val="424242"/>
+              </a:buClr>
+              <a:buSzPts val="1200"/>
+              <a:buFont typeface="Nunito"/>
+              <a:buChar char="●"/>
+            </a:pPr>
+            <a:r>
+              <a:rPr lang="es" sz="1200">
+                <a:solidFill>
+                  <a:srgbClr val="424242"/>
+                </a:solidFill>
+                <a:latin typeface="Nunito"/>
+                <a:ea typeface="Nunito"/>
+                <a:cs typeface="Nunito"/>
+                <a:sym typeface="Nunito"/>
+              </a:rPr>
+              <a:t>Datalog.</a:t>
+            </a:r>
+            <a:endParaRPr sz="1200">
+              <a:solidFill>
+                <a:srgbClr val="424242"/>
+              </a:solidFill>
+              <a:latin typeface="Nunito"/>
+              <a:ea typeface="Nunito"/>
+              <a:cs typeface="Nunito"/>
+              <a:sym typeface="Nunito"/>
+            </a:endParaRPr>
+          </a:p>
+          <a:p>
+            <a:pPr indent="-304800" lvl="0" marL="457200" rtl="0" algn="l">
+              <a:lnSpc>
+                <a:spcPct val="115000"/>
+              </a:lnSpc>
+              <a:spcBef>
+                <a:spcPts val="0"/>
+              </a:spcBef>
+              <a:spcAft>
+                <a:spcPts val="0"/>
+              </a:spcAft>
+              <a:buClr>
+                <a:srgbClr val="424242"/>
+              </a:buClr>
+              <a:buSzPts val="1200"/>
+              <a:buFont typeface="Nunito"/>
+              <a:buChar char="●"/>
+            </a:pPr>
+            <a:r>
+              <a:rPr lang="es" sz="1200">
+                <a:solidFill>
+                  <a:srgbClr val="424242"/>
+                </a:solidFill>
+                <a:latin typeface="Nunito"/>
+                <a:ea typeface="Nunito"/>
+                <a:cs typeface="Nunito"/>
+                <a:sym typeface="Nunito"/>
+              </a:rPr>
+              <a:t>Mercury.</a:t>
+            </a:r>
+            <a:endParaRPr sz="1200">
+              <a:solidFill>
+                <a:srgbClr val="424242"/>
+              </a:solidFill>
+              <a:latin typeface="Nunito"/>
+              <a:ea typeface="Nunito"/>
+              <a:cs typeface="Nunito"/>
+              <a:sym typeface="Nunito"/>
+            </a:endParaRPr>
+          </a:p>
+          <a:p>
+            <a:pPr indent="-304800" lvl="0" marL="457200" rtl="0" algn="l">
+              <a:lnSpc>
+                <a:spcPct val="115000"/>
+              </a:lnSpc>
+              <a:spcBef>
+                <a:spcPts val="0"/>
+              </a:spcBef>
+              <a:spcAft>
+                <a:spcPts val="0"/>
+              </a:spcAft>
+              <a:buClr>
+                <a:srgbClr val="424242"/>
+              </a:buClr>
+              <a:buSzPts val="1200"/>
+              <a:buFont typeface="Nunito"/>
+              <a:buChar char="●"/>
+            </a:pPr>
+            <a:r>
+              <a:rPr lang="es" sz="1200">
+                <a:solidFill>
+                  <a:srgbClr val="424242"/>
+                </a:solidFill>
+                <a:latin typeface="Nunito"/>
+                <a:ea typeface="Nunito"/>
+                <a:cs typeface="Nunito"/>
+                <a:sym typeface="Nunito"/>
+              </a:rPr>
+              <a:t>Planner (PROLOG is a subset of Planner).</a:t>
+            </a:r>
+            <a:endParaRPr sz="1200">
+              <a:solidFill>
+                <a:srgbClr val="424242"/>
+              </a:solidFill>
+              <a:latin typeface="Nunito"/>
+              <a:ea typeface="Nunito"/>
+              <a:cs typeface="Nunito"/>
+              <a:sym typeface="Nunito"/>
+            </a:endParaRPr>
+          </a:p>
+          <a:p>
+            <a:pPr indent="-304800" lvl="0" marL="457200" rtl="0" algn="l">
+              <a:lnSpc>
+                <a:spcPct val="115000"/>
+              </a:lnSpc>
+              <a:spcBef>
+                <a:spcPts val="0"/>
+              </a:spcBef>
+              <a:spcAft>
+                <a:spcPts val="0"/>
+              </a:spcAft>
+              <a:buClr>
+                <a:srgbClr val="424242"/>
+              </a:buClr>
+              <a:buSzPts val="1200"/>
+              <a:buFont typeface="Nunito"/>
+              <a:buChar char="●"/>
+            </a:pPr>
+            <a:r>
+              <a:rPr lang="es" sz="1200">
+                <a:solidFill>
+                  <a:srgbClr val="424242"/>
+                </a:solidFill>
+                <a:latin typeface="Nunito"/>
+                <a:ea typeface="Nunito"/>
+                <a:cs typeface="Nunito"/>
+                <a:sym typeface="Nunito"/>
+              </a:rPr>
+              <a:t>GraphTalk (is a proprietary implementation of WAM’s, with additional object-oriented properties.)</a:t>
+            </a:r>
+            <a:endParaRPr sz="1200">
+              <a:solidFill>
+                <a:srgbClr val="424242"/>
+              </a:solidFill>
+              <a:latin typeface="Nunito"/>
+              <a:ea typeface="Nunito"/>
+              <a:cs typeface="Nunito"/>
+              <a:sym typeface="Nunito"/>
+            </a:endParaRPr>
+          </a:p>
+          <a:p>
+            <a:pPr indent="-304800" lvl="0" marL="457200" rtl="0" algn="l">
+              <a:lnSpc>
+                <a:spcPct val="115000"/>
+              </a:lnSpc>
+              <a:spcBef>
+                <a:spcPts val="0"/>
+              </a:spcBef>
+              <a:spcAft>
+                <a:spcPts val="0"/>
+              </a:spcAft>
+              <a:buClr>
+                <a:srgbClr val="424242"/>
+              </a:buClr>
+              <a:buSzPts val="1200"/>
+              <a:buFont typeface="Nunito"/>
+              <a:buChar char="●"/>
+            </a:pPr>
+            <a:r>
+              <a:rPr lang="es" sz="1200">
+                <a:solidFill>
+                  <a:srgbClr val="424242"/>
+                </a:solidFill>
+                <a:latin typeface="Nunito"/>
+                <a:ea typeface="Nunito"/>
+                <a:cs typeface="Nunito"/>
+                <a:sym typeface="Nunito"/>
+              </a:rPr>
+              <a:t>AgentSpeak.</a:t>
+            </a:r>
+            <a:endParaRPr sz="1200">
+              <a:solidFill>
+                <a:srgbClr val="424242"/>
+              </a:solidFill>
+              <a:latin typeface="Nunito"/>
+              <a:ea typeface="Nunito"/>
+              <a:cs typeface="Nunito"/>
+              <a:sym typeface="Nunito"/>
+            </a:endParaRPr>
+          </a:p>
+          <a:p>
+            <a:pPr indent="-304800" lvl="0" marL="457200" rtl="0" algn="l">
+              <a:lnSpc>
+                <a:spcPct val="115000"/>
+              </a:lnSpc>
+              <a:spcBef>
+                <a:spcPts val="0"/>
+              </a:spcBef>
+              <a:spcAft>
+                <a:spcPts val="0"/>
+              </a:spcAft>
+              <a:buClr>
+                <a:srgbClr val="424242"/>
+              </a:buClr>
+              <a:buSzPts val="1200"/>
+              <a:buFont typeface="Nunito"/>
+              <a:buChar char="●"/>
+            </a:pPr>
+            <a:r>
+              <a:rPr lang="es" sz="1200">
+                <a:solidFill>
+                  <a:srgbClr val="424242"/>
+                </a:solidFill>
+                <a:latin typeface="Nunito"/>
+                <a:ea typeface="Nunito"/>
+                <a:cs typeface="Nunito"/>
+                <a:sym typeface="Nunito"/>
+              </a:rPr>
+              <a:t>Erlang.</a:t>
             </a:r>
             <a:endParaRPr/>
           </a:p>
@@ -2718,7 +3313,86 @@
             </a:pPr>
             <a:r>
               <a:rPr lang="es"/>
-              <a:t>Primera implementacio de prolog =&gt; 1972 amb el compilador de ALGOL W de Wirth</a:t>
+              <a:t>Primera implementacio de prolog =&gt; 1972 amb el compilador del llenguatge ALGOL W basat en una proposta per ALGOL X.</a:t>
+            </a:r>
+            <a:endParaRPr/>
+          </a:p>
+          <a:p>
+            <a:pPr indent="0" lvl="0" marL="0" rtl="0" algn="l">
+              <a:spcBef>
+                <a:spcPts val="0"/>
+              </a:spcBef>
+              <a:spcAft>
+                <a:spcPts val="0"/>
+              </a:spcAft>
+              <a:buNone/>
+            </a:pPr>
+            <a:r>
+              <a:rPr lang="es"/>
+              <a:t>PROLOG es compilat</a:t>
+            </a:r>
+            <a:endParaRPr/>
+          </a:p>
+          <a:p>
+            <a:pPr indent="0" lvl="0" marL="0" rtl="0" algn="l">
+              <a:spcBef>
+                <a:spcPts val="0"/>
+              </a:spcBef>
+              <a:spcAft>
+                <a:spcPts val="0"/>
+              </a:spcAft>
+              <a:buNone/>
+            </a:pPr>
+            <a:r>
+              <a:t/>
+            </a:r>
+            <a:endParaRPr/>
+          </a:p>
+          <a:p>
+            <a:pPr indent="0" lvl="0" marL="0" rtl="0" algn="l">
+              <a:spcBef>
+                <a:spcPts val="0"/>
+              </a:spcBef>
+              <a:spcAft>
+                <a:spcPts val="0"/>
+              </a:spcAft>
+              <a:buNone/>
+            </a:pPr>
+            <a:r>
+              <a:rPr lang="es"/>
+              <a:t>GOOGLE TRANSLATE =&gt; Simil de compilador perque tradueix un llenguatge a un altre</a:t>
+            </a:r>
+            <a:endParaRPr/>
+          </a:p>
+          <a:p>
+            <a:pPr indent="0" lvl="0" marL="0" rtl="0" algn="l">
+              <a:spcBef>
+                <a:spcPts val="0"/>
+              </a:spcBef>
+              <a:spcAft>
+                <a:spcPts val="0"/>
+              </a:spcAft>
+              <a:buNone/>
+            </a:pPr>
+            <a:r>
+              <a:rPr lang="es"/>
+              <a:t>IMPRESORA =&gt; Simil de interpret perque imprimeix les coses tal com li venen. En el cas de l’interpret executa les coses tal com li venen.</a:t>
+            </a:r>
+            <a:endParaRPr/>
+          </a:p>
+          <a:p>
+            <a:pPr indent="0" lvl="0" marL="0" rtl="0" algn="l">
+              <a:spcBef>
+                <a:spcPts val="0"/>
+              </a:spcBef>
+              <a:spcAft>
+                <a:spcPts val="0"/>
+              </a:spcAft>
+              <a:buNone/>
+            </a:pPr>
+            <a:r>
+              <a:rPr lang="es"/>
+              <a:t>Intèrpret i compilador son programes.</a:t>
             </a:r>
             <a:endParaRPr/>
           </a:p>
@@ -2737,7 +3411,7 @@
   <p:cSld>
     <p:spTree>
       <p:nvGrpSpPr>
-        <p:cNvPr id="303" name="Shape 303"/>
+        <p:cNvPr id="306" name="Shape 306"/>
         <p:cNvGrpSpPr/>
         <p:nvPr/>
       </p:nvGrpSpPr>
@@ -2751,7 +3425,7 @@
       </p:grpSpPr>
       <p:sp>
         <p:nvSpPr>
-          <p:cNvPr id="304" name="Google Shape;304;g127cac13190_0_750:notes"/>
+          <p:cNvPr id="307" name="Google Shape;307;g127cac13190_0_750:notes"/>
           <p:cNvSpPr/>
           <p:nvPr>
             <p:ph idx="2" type="sldImg"/>
@@ -2786,7 +3460,7 @@
       </p:sp>
       <p:sp>
         <p:nvSpPr>
-          <p:cNvPr id="305" name="Google Shape;305;g127cac13190_0_750:notes"/>
+          <p:cNvPr id="308" name="Google Shape;308;g127cac13190_0_750:notes"/>
           <p:cNvSpPr txBox="1"/>
           <p:nvPr>
             <p:ph idx="1" type="body"/>
@@ -2869,7 +3543,7 @@
   <p:cSld>
     <p:spTree>
       <p:nvGrpSpPr>
-        <p:cNvPr id="311" name="Shape 311"/>
+        <p:cNvPr id="314" name="Shape 314"/>
         <p:cNvGrpSpPr/>
         <p:nvPr/>
       </p:nvGrpSpPr>
@@ -2883,7 +3557,7 @@
       </p:grpSpPr>
       <p:sp>
         <p:nvSpPr>
-          <p:cNvPr id="312" name="Google Shape;312;g127cac13190_0_755:notes"/>
+          <p:cNvPr id="315" name="Google Shape;315;g127cac13190_0_755:notes"/>
           <p:cNvSpPr/>
           <p:nvPr>
             <p:ph idx="2" type="sldImg"/>
@@ -2918,7 +3592,7 @@
       </p:sp>
       <p:sp>
         <p:nvSpPr>
-          <p:cNvPr id="313" name="Google Shape;313;g127cac13190_0_755:notes"/>
+          <p:cNvPr id="316" name="Google Shape;316;g127cac13190_0_755:notes"/>
           <p:cNvSpPr txBox="1"/>
           <p:nvPr>
             <p:ph idx="1" type="body"/>
@@ -2954,6 +3628,318 @@
             </a:r>
             <a:endParaRPr/>
           </a:p>
+          <a:p>
+            <a:pPr indent="-304800" lvl="0" marL="457200" rtl="0" algn="l">
+              <a:lnSpc>
+                <a:spcPct val="115000"/>
+              </a:lnSpc>
+              <a:spcBef>
+                <a:spcPts val="0"/>
+              </a:spcBef>
+              <a:spcAft>
+                <a:spcPts val="0"/>
+              </a:spcAft>
+              <a:buClr>
+                <a:srgbClr val="424242"/>
+              </a:buClr>
+              <a:buSzPts val="1200"/>
+              <a:buFont typeface="Nunito"/>
+              <a:buChar char="●"/>
+            </a:pPr>
+            <a:r>
+              <a:rPr lang="es" sz="1200">
+                <a:solidFill>
+                  <a:srgbClr val="424242"/>
+                </a:solidFill>
+                <a:latin typeface="Nunito"/>
+                <a:ea typeface="Nunito"/>
+                <a:cs typeface="Nunito"/>
+                <a:sym typeface="Nunito"/>
+              </a:rPr>
+              <a:t>ISO = International organization of standarization.</a:t>
+            </a:r>
+            <a:endParaRPr sz="1200">
+              <a:solidFill>
+                <a:srgbClr val="424242"/>
+              </a:solidFill>
+              <a:latin typeface="Nunito"/>
+              <a:ea typeface="Nunito"/>
+              <a:cs typeface="Nunito"/>
+              <a:sym typeface="Nunito"/>
+            </a:endParaRPr>
+          </a:p>
+          <a:p>
+            <a:pPr indent="-304800" lvl="0" marL="457200" rtl="0" algn="l">
+              <a:lnSpc>
+                <a:spcPct val="115000"/>
+              </a:lnSpc>
+              <a:spcBef>
+                <a:spcPts val="0"/>
+              </a:spcBef>
+              <a:spcAft>
+                <a:spcPts val="0"/>
+              </a:spcAft>
+              <a:buClr>
+                <a:srgbClr val="424242"/>
+              </a:buClr>
+              <a:buSzPts val="1200"/>
+              <a:buFont typeface="Nunito"/>
+              <a:buChar char="●"/>
+            </a:pPr>
+            <a:r>
+              <a:rPr lang="es" sz="1200">
+                <a:solidFill>
+                  <a:srgbClr val="424242"/>
+                </a:solidFill>
+                <a:latin typeface="Nunito"/>
+                <a:ea typeface="Nunito"/>
+                <a:cs typeface="Nunito"/>
+                <a:sym typeface="Nunito"/>
+              </a:rPr>
+              <a:t>The ISO PROLOG has two parts:</a:t>
+            </a:r>
+            <a:endParaRPr sz="1200">
+              <a:solidFill>
+                <a:srgbClr val="424242"/>
+              </a:solidFill>
+              <a:latin typeface="Nunito"/>
+              <a:ea typeface="Nunito"/>
+              <a:cs typeface="Nunito"/>
+              <a:sym typeface="Nunito"/>
+            </a:endParaRPr>
+          </a:p>
+          <a:p>
+            <a:pPr indent="-304800" lvl="1" marL="914400" rtl="0" algn="l">
+              <a:lnSpc>
+                <a:spcPct val="115000"/>
+              </a:lnSpc>
+              <a:spcBef>
+                <a:spcPts val="0"/>
+              </a:spcBef>
+              <a:spcAft>
+                <a:spcPts val="0"/>
+              </a:spcAft>
+              <a:buClr>
+                <a:srgbClr val="424242"/>
+              </a:buClr>
+              <a:buSzPts val="1200"/>
+              <a:buFont typeface="Nunito"/>
+              <a:buChar char="○"/>
+            </a:pPr>
+            <a:r>
+              <a:rPr lang="es" sz="1200">
+                <a:solidFill>
+                  <a:srgbClr val="424242"/>
+                </a:solidFill>
+                <a:latin typeface="Nunito"/>
+                <a:ea typeface="Nunito"/>
+                <a:cs typeface="Nunito"/>
+                <a:sym typeface="Nunito"/>
+              </a:rPr>
+              <a:t>ISO/IEC 13211-1:</a:t>
+            </a:r>
+            <a:endParaRPr sz="1200">
+              <a:solidFill>
+                <a:srgbClr val="424242"/>
+              </a:solidFill>
+              <a:latin typeface="Nunito"/>
+              <a:ea typeface="Nunito"/>
+              <a:cs typeface="Nunito"/>
+              <a:sym typeface="Nunito"/>
+            </a:endParaRPr>
+          </a:p>
+          <a:p>
+            <a:pPr indent="-304800" lvl="2" marL="1371600" rtl="0" algn="l">
+              <a:lnSpc>
+                <a:spcPct val="115000"/>
+              </a:lnSpc>
+              <a:spcBef>
+                <a:spcPts val="0"/>
+              </a:spcBef>
+              <a:spcAft>
+                <a:spcPts val="0"/>
+              </a:spcAft>
+              <a:buClr>
+                <a:srgbClr val="424242"/>
+              </a:buClr>
+              <a:buSzPts val="1200"/>
+              <a:buFont typeface="Nunito"/>
+              <a:buChar char="■"/>
+            </a:pPr>
+            <a:r>
+              <a:rPr lang="es" sz="1200">
+                <a:solidFill>
+                  <a:srgbClr val="424242"/>
+                </a:solidFill>
+                <a:latin typeface="Nunito"/>
+                <a:ea typeface="Nunito"/>
+                <a:cs typeface="Nunito"/>
+                <a:sym typeface="Nunito"/>
+              </a:rPr>
+              <a:t>Published in 1995.</a:t>
+            </a:r>
+            <a:endParaRPr sz="1200">
+              <a:solidFill>
+                <a:srgbClr val="424242"/>
+              </a:solidFill>
+              <a:latin typeface="Nunito"/>
+              <a:ea typeface="Nunito"/>
+              <a:cs typeface="Nunito"/>
+              <a:sym typeface="Nunito"/>
+            </a:endParaRPr>
+          </a:p>
+          <a:p>
+            <a:pPr indent="-304800" lvl="2" marL="1371600" rtl="0" algn="l">
+              <a:lnSpc>
+                <a:spcPct val="115000"/>
+              </a:lnSpc>
+              <a:spcBef>
+                <a:spcPts val="0"/>
+              </a:spcBef>
+              <a:spcAft>
+                <a:spcPts val="0"/>
+              </a:spcAft>
+              <a:buClr>
+                <a:srgbClr val="424242"/>
+              </a:buClr>
+              <a:buSzPts val="1200"/>
+              <a:buFont typeface="Nunito"/>
+              <a:buChar char="■"/>
+            </a:pPr>
+            <a:r>
+              <a:rPr lang="es" sz="1200">
+                <a:solidFill>
+                  <a:srgbClr val="424242"/>
+                </a:solidFill>
+                <a:latin typeface="Nunito"/>
+                <a:ea typeface="Nunito"/>
+                <a:cs typeface="Nunito"/>
+                <a:sym typeface="Nunito"/>
+              </a:rPr>
+              <a:t>As a target: standardize the existing practices of the many implementations of the core elements of PROLOG.</a:t>
+            </a:r>
+            <a:endParaRPr sz="1200">
+              <a:solidFill>
+                <a:srgbClr val="424242"/>
+              </a:solidFill>
+              <a:latin typeface="Nunito"/>
+              <a:ea typeface="Nunito"/>
+              <a:cs typeface="Nunito"/>
+              <a:sym typeface="Nunito"/>
+            </a:endParaRPr>
+          </a:p>
+          <a:p>
+            <a:pPr indent="-304800" lvl="1" marL="914400" rtl="0" algn="l">
+              <a:lnSpc>
+                <a:spcPct val="115000"/>
+              </a:lnSpc>
+              <a:spcBef>
+                <a:spcPts val="0"/>
+              </a:spcBef>
+              <a:spcAft>
+                <a:spcPts val="0"/>
+              </a:spcAft>
+              <a:buClr>
+                <a:srgbClr val="424242"/>
+              </a:buClr>
+              <a:buSzPts val="1200"/>
+              <a:buFont typeface="Nunito"/>
+              <a:buChar char="○"/>
+            </a:pPr>
+            <a:r>
+              <a:rPr lang="es" sz="1200">
+                <a:solidFill>
+                  <a:srgbClr val="424242"/>
+                </a:solidFill>
+                <a:latin typeface="Nunito"/>
+                <a:ea typeface="Nunito"/>
+                <a:cs typeface="Nunito"/>
+                <a:sym typeface="Nunito"/>
+              </a:rPr>
+              <a:t>ISO/IEC 13211-2:</a:t>
+            </a:r>
+            <a:endParaRPr sz="1200">
+              <a:solidFill>
+                <a:srgbClr val="424242"/>
+              </a:solidFill>
+              <a:latin typeface="Nunito"/>
+              <a:ea typeface="Nunito"/>
+              <a:cs typeface="Nunito"/>
+              <a:sym typeface="Nunito"/>
+            </a:endParaRPr>
+          </a:p>
+          <a:p>
+            <a:pPr indent="-304800" lvl="2" marL="1371600" rtl="0" algn="l">
+              <a:lnSpc>
+                <a:spcPct val="115000"/>
+              </a:lnSpc>
+              <a:spcBef>
+                <a:spcPts val="0"/>
+              </a:spcBef>
+              <a:spcAft>
+                <a:spcPts val="0"/>
+              </a:spcAft>
+              <a:buClr>
+                <a:srgbClr val="424242"/>
+              </a:buClr>
+              <a:buSzPts val="1200"/>
+              <a:buFont typeface="Nunito"/>
+              <a:buChar char="■"/>
+            </a:pPr>
+            <a:r>
+              <a:rPr lang="es" sz="1200">
+                <a:solidFill>
+                  <a:srgbClr val="424242"/>
+                </a:solidFill>
+                <a:latin typeface="Nunito"/>
+                <a:ea typeface="Nunito"/>
+                <a:cs typeface="Nunito"/>
+                <a:sym typeface="Nunito"/>
+              </a:rPr>
+              <a:t>Published in 2000.</a:t>
+            </a:r>
+            <a:endParaRPr sz="1200">
+              <a:solidFill>
+                <a:srgbClr val="424242"/>
+              </a:solidFill>
+              <a:latin typeface="Nunito"/>
+              <a:ea typeface="Nunito"/>
+              <a:cs typeface="Nunito"/>
+              <a:sym typeface="Nunito"/>
+            </a:endParaRPr>
+          </a:p>
+          <a:p>
+            <a:pPr indent="-304800" lvl="2" marL="1371600" rtl="0" algn="l">
+              <a:lnSpc>
+                <a:spcPct val="115000"/>
+              </a:lnSpc>
+              <a:spcBef>
+                <a:spcPts val="0"/>
+              </a:spcBef>
+              <a:spcAft>
+                <a:spcPts val="0"/>
+              </a:spcAft>
+              <a:buClr>
+                <a:srgbClr val="424242"/>
+              </a:buClr>
+              <a:buSzPts val="1200"/>
+              <a:buFont typeface="Nunito"/>
+              <a:buChar char="■"/>
+            </a:pPr>
+            <a:r>
+              <a:rPr lang="es" sz="1200">
+                <a:solidFill>
+                  <a:srgbClr val="424242"/>
+                </a:solidFill>
+                <a:latin typeface="Nunito"/>
+                <a:ea typeface="Nunito"/>
+                <a:cs typeface="Nunito"/>
+                <a:sym typeface="Nunito"/>
+              </a:rPr>
+              <a:t>Adds support for the modules to the standard</a:t>
+            </a:r>
+            <a:endParaRPr/>
+          </a:p>
         </p:txBody>
       </p:sp>
     </p:spTree>
@@ -2969,7 +3955,7 @@
   <p:cSld>
     <p:spTree>
       <p:nvGrpSpPr>
-        <p:cNvPr id="318" name="Shape 318"/>
+        <p:cNvPr id="322" name="Shape 322"/>
         <p:cNvGrpSpPr/>
         <p:nvPr/>
       </p:nvGrpSpPr>
@@ -2983,7 +3969,7 @@
       </p:grpSpPr>
       <p:sp>
         <p:nvSpPr>
-          <p:cNvPr id="319" name="Google Shape;319;g127cac13190_0_760:notes"/>
+          <p:cNvPr id="323" name="Google Shape;323;g127cac13190_0_760:notes"/>
           <p:cNvSpPr/>
           <p:nvPr>
             <p:ph idx="2" type="sldImg"/>
@@ -3018,7 +4004,7 @@
       </p:sp>
       <p:sp>
         <p:nvSpPr>
-          <p:cNvPr id="320" name="Google Shape;320;g127cac13190_0_760:notes"/>
+          <p:cNvPr id="324" name="Google Shape;324;g127cac13190_0_760:notes"/>
           <p:cNvSpPr txBox="1"/>
           <p:nvPr>
             <p:ph idx="1" type="body"/>
@@ -3066,7 +4052,7 @@
             </a:pPr>
             <a:r>
               <a:rPr lang="es"/>
-              <a:t>Per eficiencia el codi es compila a codi maquina abstracte, de vegades influenciat per la maquina abstracta de Warren basada en registres.</a:t>
+              <a:t>Per eficiencia el codi es compila a codi maquina abstracte, de vegades influenciat per la maquina abstracta de Warren basada en registres. (Simil amb la imatge de la pintura) </a:t>
             </a:r>
             <a:endParaRPr/>
           </a:p>
@@ -3178,7 +4164,7 @@
   <p:cSld>
     <p:spTree>
       <p:nvGrpSpPr>
-        <p:cNvPr id="324" name="Shape 324"/>
+        <p:cNvPr id="331" name="Shape 331"/>
         <p:cNvGrpSpPr/>
         <p:nvPr/>
       </p:nvGrpSpPr>
@@ -3192,7 +4178,7 @@
       </p:grpSpPr>
       <p:sp>
         <p:nvSpPr>
-          <p:cNvPr id="325" name="Google Shape;325;g127cac13190_0_765:notes"/>
+          <p:cNvPr id="332" name="Google Shape;332;g127cac13190_0_765:notes"/>
           <p:cNvSpPr/>
           <p:nvPr>
             <p:ph idx="2" type="sldImg"/>
@@ -3227,7 +4213,7 @@
       </p:sp>
       <p:sp>
         <p:nvSpPr>
-          <p:cNvPr id="326" name="Google Shape;326;g127cac13190_0_765:notes"/>
+          <p:cNvPr id="333" name="Google Shape;333;g127cac13190_0_765:notes"/>
           <p:cNvSpPr txBox="1"/>
           <p:nvPr>
             <p:ph idx="1" type="body"/>
@@ -17727,7 +18713,7 @@
     </p:bg>
     <p:spTree>
       <p:nvGrpSpPr>
-        <p:cNvPr id="333" name="Shape 333"/>
+        <p:cNvPr id="340" name="Shape 340"/>
         <p:cNvGrpSpPr/>
         <p:nvPr/>
       </p:nvGrpSpPr>
@@ -17741,7 +18727,7 @@
       </p:grpSpPr>
       <p:sp>
         <p:nvSpPr>
-          <p:cNvPr id="334" name="Google Shape;334;p22"/>
+          <p:cNvPr id="341" name="Google Shape;341;p22"/>
           <p:cNvSpPr txBox="1"/>
           <p:nvPr>
             <p:ph type="title"/>
@@ -17750,7 +18736,7 @@
         <p:spPr>
           <a:xfrm>
             <a:off x="1303800" y="598575"/>
-            <a:ext cx="7030500" cy="671100"/>
+            <a:ext cx="7030500" cy="999300"/>
           </a:xfrm>
           <a:prstGeom prst="rect">
             <a:avLst/>
@@ -17794,22 +18780,91 @@
           </a:p>
         </p:txBody>
       </p:sp>
-      <p:sp>
-        <p:nvSpPr>
-          <p:cNvPr id="335" name="Google Shape;335;p22"/>
-          <p:cNvSpPr txBox="1"/>
-          <p:nvPr>
-            <p:ph idx="1" type="body"/>
-          </p:nvPr>
-        </p:nvSpPr>
+      <p:pic>
+        <p:nvPicPr>
+          <p:cNvPr id="342" name="Google Shape;342;p22"/>
+          <p:cNvPicPr preferRelativeResize="0"/>
+          <p:nvPr/>
+        </p:nvPicPr>
+        <p:blipFill>
+          <a:blip r:embed="rId3">
+            <a:alphaModFix/>
+          </a:blip>
+          <a:stretch>
+            <a:fillRect/>
+          </a:stretch>
+        </p:blipFill>
         <p:spPr>
           <a:xfrm>
-            <a:off x="1303800" y="1269675"/>
-            <a:ext cx="7030500" cy="3441900"/>
+            <a:off x="6388601" y="1509975"/>
+            <a:ext cx="1945693" cy="1984451"/>
           </a:xfrm>
           <a:prstGeom prst="rect">
             <a:avLst/>
           </a:prstGeom>
+          <a:noFill/>
+          <a:ln>
+            <a:noFill/>
+          </a:ln>
+        </p:spPr>
+      </p:pic>
+      <p:pic>
+        <p:nvPicPr>
+          <p:cNvPr id="343" name="Google Shape;343;p22"/>
+          <p:cNvPicPr preferRelativeResize="0"/>
+          <p:nvPr/>
+        </p:nvPicPr>
+        <p:blipFill>
+          <a:blip r:embed="rId4">
+            <a:alphaModFix/>
+          </a:blip>
+          <a:stretch>
+            <a:fillRect/>
+          </a:stretch>
+        </p:blipFill>
+        <p:spPr>
+          <a:xfrm>
+            <a:off x="1303800" y="1509975"/>
+            <a:ext cx="2526159" cy="1984451"/>
+          </a:xfrm>
+          <a:prstGeom prst="rect">
+            <a:avLst/>
+          </a:prstGeom>
+          <a:noFill/>
+          <a:ln>
+            <a:noFill/>
+          </a:ln>
+        </p:spPr>
+      </p:pic>
+      <p:sp>
+        <p:nvSpPr>
+          <p:cNvPr id="344" name="Google Shape;344;p22"/>
+          <p:cNvSpPr/>
+          <p:nvPr/>
+        </p:nvSpPr>
+        <p:spPr>
+          <a:xfrm>
+            <a:off x="4063500" y="2524500"/>
+            <a:ext cx="2064900" cy="378000"/>
+          </a:xfrm>
+          <a:prstGeom prst="rightArrow">
+            <a:avLst>
+              <a:gd fmla="val 50000" name="adj1"/>
+              <a:gd fmla="val 50000" name="adj2"/>
+            </a:avLst>
+          </a:prstGeom>
+          <a:solidFill>
+            <a:schemeClr val="lt2"/>
+          </a:solidFill>
+          <a:ln cap="flat" cmpd="sng" w="9525">
+            <a:solidFill>
+              <a:schemeClr val="dk2"/>
+            </a:solidFill>
+            <a:prstDash val="solid"/>
+            <a:round/>
+            <a:headEnd len="sm" w="sm" type="none"/>
+            <a:tailEnd len="sm" w="sm" type="none"/>
+          </a:ln>
         </p:spPr>
         <p:txBody>
           <a:bodyPr anchorCtr="0" anchor="ctr" bIns="91425" lIns="91425" spcFirstLastPara="1" rIns="91425" wrap="square" tIns="91425">
@@ -17817,72 +18872,233 @@
           </a:bodyPr>
           <a:lstStyle/>
           <a:p>
-            <a:pPr indent="-304800" lvl="0" marL="457200" rtl="0" algn="l">
-              <a:spcBef>
-                <a:spcPts val="0"/>
-              </a:spcBef>
-              <a:spcAft>
-                <a:spcPts val="0"/>
-              </a:spcAft>
-              <a:buSzPts val="1200"/>
+            <a:pPr indent="0" lvl="0" marL="0" rtl="0" algn="l">
+              <a:spcBef>
+                <a:spcPts val="0"/>
+              </a:spcBef>
+              <a:spcAft>
+                <a:spcPts val="0"/>
+              </a:spcAft>
+              <a:buNone/>
+            </a:pPr>
+            <a:r>
+              <a:t/>
+            </a:r>
+            <a:endParaRPr/>
+          </a:p>
+        </p:txBody>
+      </p:sp>
+      <p:sp>
+        <p:nvSpPr>
+          <p:cNvPr id="345" name="Google Shape;345;p22"/>
+          <p:cNvSpPr txBox="1"/>
+          <p:nvPr/>
+        </p:nvSpPr>
+        <p:spPr>
+          <a:xfrm>
+            <a:off x="3862650" y="3002400"/>
+            <a:ext cx="2466600" cy="400200"/>
+          </a:xfrm>
+          <a:prstGeom prst="rect">
+            <a:avLst/>
+          </a:prstGeom>
+          <a:noFill/>
+          <a:ln>
+            <a:noFill/>
+          </a:ln>
+        </p:spPr>
+        <p:txBody>
+          <a:bodyPr anchorCtr="0" anchor="t" bIns="91425" lIns="91425" spcFirstLastPara="1" rIns="91425" wrap="square" tIns="91425">
+            <a:spAutoFit/>
+          </a:bodyPr>
+          <a:lstStyle/>
+          <a:p>
+            <a:pPr indent="0" lvl="0" marL="0" rtl="0" algn="l">
+              <a:spcBef>
+                <a:spcPts val="0"/>
+              </a:spcBef>
+              <a:spcAft>
+                <a:spcPts val="0"/>
+              </a:spcAft>
+              <a:buNone/>
+            </a:pPr>
+            <a:r>
+              <a:rPr lang="es">
+                <a:latin typeface="Nunito"/>
+                <a:ea typeface="Nunito"/>
+                <a:cs typeface="Nunito"/>
+                <a:sym typeface="Nunito"/>
+              </a:rPr>
+              <a:t>The query has a linear time</a:t>
+            </a:r>
+            <a:endParaRPr>
+              <a:latin typeface="Nunito"/>
+              <a:ea typeface="Nunito"/>
+              <a:cs typeface="Nunito"/>
+              <a:sym typeface="Nunito"/>
+            </a:endParaRPr>
+          </a:p>
+        </p:txBody>
+      </p:sp>
+      <p:sp>
+        <p:nvSpPr>
+          <p:cNvPr id="346" name="Google Shape;346;p22"/>
+          <p:cNvSpPr txBox="1"/>
+          <p:nvPr/>
+        </p:nvSpPr>
+        <p:spPr>
+          <a:xfrm>
+            <a:off x="3832800" y="1809000"/>
+            <a:ext cx="2526300" cy="615600"/>
+          </a:xfrm>
+          <a:prstGeom prst="rect">
+            <a:avLst/>
+          </a:prstGeom>
+          <a:noFill/>
+          <a:ln>
+            <a:noFill/>
+          </a:ln>
+        </p:spPr>
+        <p:txBody>
+          <a:bodyPr anchorCtr="0" anchor="t" bIns="91425" lIns="91425" spcFirstLastPara="1" rIns="91425" wrap="square" tIns="91425">
+            <a:spAutoFit/>
+          </a:bodyPr>
+          <a:lstStyle/>
+          <a:p>
+            <a:pPr indent="0" lvl="0" marL="0" rtl="0" algn="l">
+              <a:spcBef>
+                <a:spcPts val="0"/>
+              </a:spcBef>
+              <a:spcAft>
+                <a:spcPts val="0"/>
+              </a:spcAft>
+              <a:buNone/>
+            </a:pPr>
+            <a:r>
+              <a:rPr lang="es">
+                <a:latin typeface="Nunito"/>
+                <a:ea typeface="Nunito"/>
+                <a:cs typeface="Nunito"/>
+                <a:sym typeface="Nunito"/>
+              </a:rPr>
+              <a:t>Find clauses that can be unified with a term in a query</a:t>
+            </a:r>
+            <a:endParaRPr>
+              <a:latin typeface="Nunito"/>
+              <a:ea typeface="Nunito"/>
+              <a:cs typeface="Nunito"/>
+              <a:sym typeface="Nunito"/>
+            </a:endParaRPr>
+          </a:p>
+        </p:txBody>
+      </p:sp>
+      <p:sp>
+        <p:nvSpPr>
+          <p:cNvPr id="347" name="Google Shape;347;p22"/>
+          <p:cNvSpPr txBox="1"/>
+          <p:nvPr/>
+        </p:nvSpPr>
+        <p:spPr>
+          <a:xfrm>
+            <a:off x="969400" y="3649500"/>
+            <a:ext cx="7365000" cy="1262100"/>
+          </a:xfrm>
+          <a:prstGeom prst="rect">
+            <a:avLst/>
+          </a:prstGeom>
+          <a:noFill/>
+          <a:ln>
+            <a:noFill/>
+          </a:ln>
+        </p:spPr>
+        <p:txBody>
+          <a:bodyPr anchorCtr="0" anchor="t" bIns="91425" lIns="91425" spcFirstLastPara="1" rIns="91425" wrap="square" tIns="91425">
+            <a:spAutoFit/>
+          </a:bodyPr>
+          <a:lstStyle/>
+          <a:p>
+            <a:pPr indent="-317500" lvl="0" marL="457200" rtl="0" algn="l">
+              <a:spcBef>
+                <a:spcPts val="0"/>
+              </a:spcBef>
+              <a:spcAft>
+                <a:spcPts val="0"/>
+              </a:spcAft>
+              <a:buSzPts val="1400"/>
+              <a:buFont typeface="Nunito"/>
               <a:buChar char="●"/>
             </a:pPr>
             <a:r>
-              <a:rPr lang="es" sz="1200"/>
-              <a:t>Finding clauses that are unifiable with a term in a query is linear in the number of clauses.</a:t>
+              <a:rPr lang="es">
+                <a:latin typeface="Nunito"/>
+                <a:ea typeface="Nunito"/>
+                <a:cs typeface="Nunito"/>
+                <a:sym typeface="Nunito"/>
+              </a:rPr>
+              <a:t>Term indexing uses a data structure that allows sublinear time searches.</a:t>
             </a:r>
-            <a:endParaRPr sz="1200"/>
+            <a:endParaRPr>
+              <a:latin typeface="Nunito"/>
+              <a:ea typeface="Nunito"/>
+              <a:cs typeface="Nunito"/>
+              <a:sym typeface="Nunito"/>
+            </a:endParaRPr>
           </a:p>
           <a:p>
-            <a:pPr indent="-304800" lvl="0" marL="457200" rtl="0" algn="l">
-              <a:spcBef>
-                <a:spcPts val="0"/>
-              </a:spcBef>
-              <a:spcAft>
-                <a:spcPts val="0"/>
-              </a:spcAft>
-              <a:buSzPts val="1200"/>
+            <a:pPr indent="-317500" lvl="0" marL="457200" rtl="0" algn="l">
+              <a:spcBef>
+                <a:spcPts val="0"/>
+              </a:spcBef>
+              <a:spcAft>
+                <a:spcPts val="0"/>
+              </a:spcAft>
+              <a:buSzPts val="1400"/>
+              <a:buFont typeface="Nunito"/>
               <a:buChar char="●"/>
             </a:pPr>
             <a:r>
-              <a:rPr lang="es" sz="1200"/>
-              <a:t>Term indexing uses a data structure that enables sub-linear-time lookups.</a:t>
+              <a:rPr lang="es">
+                <a:latin typeface="Nunito"/>
+                <a:ea typeface="Nunito"/>
+                <a:cs typeface="Nunito"/>
+                <a:sym typeface="Nunito"/>
+              </a:rPr>
+              <a:t>Indexing only affects program performance, not semantics.</a:t>
             </a:r>
-            <a:endParaRPr sz="1200"/>
+            <a:endParaRPr>
+              <a:latin typeface="Nunito"/>
+              <a:ea typeface="Nunito"/>
+              <a:cs typeface="Nunito"/>
+              <a:sym typeface="Nunito"/>
+            </a:endParaRPr>
           </a:p>
           <a:p>
-            <a:pPr indent="-304800" lvl="0" marL="457200" rtl="0" algn="l">
-              <a:spcBef>
-                <a:spcPts val="0"/>
-              </a:spcBef>
-              <a:spcAft>
-                <a:spcPts val="0"/>
-              </a:spcAft>
-              <a:buSzPts val="1200"/>
+            <a:pPr indent="-317500" lvl="0" marL="457200" rtl="0" algn="l">
+              <a:spcBef>
+                <a:spcPts val="0"/>
+              </a:spcBef>
+              <a:spcAft>
+                <a:spcPts val="0"/>
+              </a:spcAft>
+              <a:buSzPts val="1400"/>
+              <a:buFont typeface="Nunito"/>
               <a:buChar char="●"/>
             </a:pPr>
             <a:r>
-              <a:rPr lang="es" sz="1200"/>
-              <a:t>Indexing only affects program performance, it does not affect semantics.</a:t>
+              <a:rPr lang="es">
+                <a:latin typeface="Nunito"/>
+                <a:ea typeface="Nunito"/>
+                <a:cs typeface="Nunito"/>
+                <a:sym typeface="Nunito"/>
+              </a:rPr>
+              <a:t>Most PROLOGs only use indexing in the first term, as the indexing of all terms is expensive, but techniques based on field-encoded words or overlapping code words provide quick indexing to the entire query and head.</a:t>
             </a:r>
-            <a:endParaRPr sz="1200"/>
-          </a:p>
-          <a:p>
-            <a:pPr indent="-304800" lvl="0" marL="457200" rtl="0" algn="l">
-              <a:spcBef>
-                <a:spcPts val="0"/>
-              </a:spcBef>
-              <a:spcAft>
-                <a:spcPts val="0"/>
-              </a:spcAft>
-              <a:buSzPts val="1200"/>
-              <a:buChar char="●"/>
-            </a:pPr>
-            <a:r>
-              <a:rPr lang="es" sz="1200"/>
-              <a:t>Most PROLOGs only use indexing on the first term, as indexing on all terms is expensive, but techniques based on field-encoded words or superimposed codewords provide fast indexing across the full query and head.</a:t>
-            </a:r>
-            <a:endParaRPr sz="1200"/>
+            <a:endParaRPr>
+              <a:latin typeface="Nunito"/>
+              <a:ea typeface="Nunito"/>
+              <a:cs typeface="Nunito"/>
+              <a:sym typeface="Nunito"/>
+            </a:endParaRPr>
           </a:p>
         </p:txBody>
       </p:sp>
@@ -17895,428 +19111,6 @@
 </file>
 
 <file path=ppt/slides/slide11.xml><?xml version="1.0" encoding="utf-8"?>
-<p:sld xmlns:a="http://schemas.openxmlformats.org/drawingml/2006/main" xmlns:r="http://schemas.openxmlformats.org/officeDocument/2006/relationships" xmlns:mc="http://schemas.openxmlformats.org/markup-compatibility/2006" xmlns:mv="urn:schemas-microsoft-com:mac:vml" xmlns:p="http://schemas.openxmlformats.org/presentationml/2006/main" xmlns:c="http://schemas.openxmlformats.org/drawingml/2006/chart" xmlns:dgm="http://schemas.openxmlformats.org/drawingml/2006/diagram" xmlns:o="urn:schemas-microsoft-com:office:office" xmlns:v="urn:schemas-microsoft-com:vml" xmlns:pvml="urn:schemas-microsoft-com:office:powerpoint" xmlns:com="http://schemas.openxmlformats.org/drawingml/2006/compatibility" xmlns:p14="http://schemas.microsoft.com/office/powerpoint/2010/main" xmlns:p15="http://schemas.microsoft.com/office/powerpoint/2012/main" xmlns:ahyp="http://schemas.microsoft.com/office/drawing/2018/hyperlinkcolor">
-  <p:cSld>
-    <p:bg>
-      <p:bgPr>
-        <a:gradFill>
-          <a:gsLst>
-            <a:gs pos="0">
-              <a:srgbClr val="D4E5F5"/>
-            </a:gs>
-            <a:gs pos="100000">
-              <a:srgbClr val="70A4D5"/>
-            </a:gs>
-          </a:gsLst>
-          <a:path path="circle">
-            <a:fillToRect b="50%" l="50%" r="50%" t="50%"/>
-          </a:path>
-          <a:tileRect/>
-        </a:gradFill>
-      </p:bgPr>
-    </p:bg>
-    <p:spTree>
-      <p:nvGrpSpPr>
-        <p:cNvPr id="339" name="Shape 339"/>
-        <p:cNvGrpSpPr/>
-        <p:nvPr/>
-      </p:nvGrpSpPr>
-      <p:grpSpPr>
-        <a:xfrm>
-          <a:off x="0" y="0"/>
-          <a:ext cx="0" cy="0"/>
-          <a:chOff x="0" y="0"/>
-          <a:chExt cx="0" cy="0"/>
-        </a:xfrm>
-      </p:grpSpPr>
-      <p:sp>
-        <p:nvSpPr>
-          <p:cNvPr id="340" name="Google Shape;340;p23"/>
-          <p:cNvSpPr txBox="1"/>
-          <p:nvPr>
-            <p:ph type="title"/>
-          </p:nvPr>
-        </p:nvSpPr>
-        <p:spPr>
-          <a:xfrm>
-            <a:off x="1303800" y="598575"/>
-            <a:ext cx="7030500" cy="671100"/>
-          </a:xfrm>
-          <a:prstGeom prst="rect">
-            <a:avLst/>
-          </a:prstGeom>
-        </p:spPr>
-        <p:txBody>
-          <a:bodyPr anchorCtr="0" anchor="t" bIns="91425" lIns="91425" spcFirstLastPara="1" rIns="91425" wrap="square" tIns="91425">
-            <a:normAutofit fontScale="90000"/>
-          </a:bodyPr>
-          <a:lstStyle/>
-          <a:p>
-            <a:pPr indent="0" lvl="0" marL="0" rtl="0" algn="l">
-              <a:spcBef>
-                <a:spcPts val="0"/>
-              </a:spcBef>
-              <a:spcAft>
-                <a:spcPts val="0"/>
-              </a:spcAft>
-              <a:buNone/>
-            </a:pPr>
-            <a:r>
-              <a:rPr lang="es"/>
-              <a:t>PROLOG’s implementation: Hashing</a:t>
-            </a:r>
-            <a:endParaRPr/>
-          </a:p>
-          <a:p>
-            <a:pPr indent="0" lvl="0" marL="0" rtl="0" algn="l">
-              <a:spcBef>
-                <a:spcPts val="0"/>
-              </a:spcBef>
-              <a:spcAft>
-                <a:spcPts val="0"/>
-              </a:spcAft>
-              <a:buNone/>
-            </a:pPr>
-            <a:r>
-              <a:t/>
-            </a:r>
-            <a:endParaRPr/>
-          </a:p>
-        </p:txBody>
-      </p:sp>
-      <p:sp>
-        <p:nvSpPr>
-          <p:cNvPr id="341" name="Google Shape;341;p23"/>
-          <p:cNvSpPr txBox="1"/>
-          <p:nvPr>
-            <p:ph idx="1" type="body"/>
-          </p:nvPr>
-        </p:nvSpPr>
-        <p:spPr>
-          <a:xfrm>
-            <a:off x="1303800" y="1269675"/>
-            <a:ext cx="7030500" cy="3441900"/>
-          </a:xfrm>
-          <a:prstGeom prst="rect">
-            <a:avLst/>
-          </a:prstGeom>
-        </p:spPr>
-        <p:txBody>
-          <a:bodyPr anchorCtr="0" anchor="ctr" bIns="91425" lIns="91425" spcFirstLastPara="1" rIns="91425" wrap="square" tIns="91425">
-            <a:noAutofit/>
-          </a:bodyPr>
-          <a:lstStyle/>
-          <a:p>
-            <a:pPr indent="-304800" lvl="0" marL="457200" rtl="0" algn="l">
-              <a:spcBef>
-                <a:spcPts val="0"/>
-              </a:spcBef>
-              <a:spcAft>
-                <a:spcPts val="0"/>
-              </a:spcAft>
-              <a:buSzPts val="1200"/>
-              <a:buChar char="●"/>
-            </a:pPr>
-            <a:r>
-              <a:rPr lang="es" sz="1200"/>
-              <a:t>Some PROLOG systems, such as WIN-PROLOG and SWI-PROLOG, now implement hashing to help handle large datasets more efficiently.</a:t>
-            </a:r>
-            <a:endParaRPr sz="1200"/>
-          </a:p>
-          <a:p>
-            <a:pPr indent="-304800" lvl="0" marL="457200" rtl="0" algn="l">
-              <a:spcBef>
-                <a:spcPts val="0"/>
-              </a:spcBef>
-              <a:spcAft>
-                <a:spcPts val="0"/>
-              </a:spcAft>
-              <a:buSzPts val="1200"/>
-              <a:buChar char="●"/>
-            </a:pPr>
-            <a:r>
-              <a:rPr lang="es" sz="1200"/>
-              <a:t>This tends to yield very large performance gain when working with large corpora such as WordNet.</a:t>
-            </a:r>
-            <a:endParaRPr sz="1200"/>
-          </a:p>
-        </p:txBody>
-      </p:sp>
-    </p:spTree>
-  </p:cSld>
-  <p:clrMapOvr>
-    <a:masterClrMapping/>
-  </p:clrMapOvr>
-</p:sld>
-</file>
-
-<file path=ppt/slides/slide12.xml><?xml version="1.0" encoding="utf-8"?>
-<p:sld xmlns:a="http://schemas.openxmlformats.org/drawingml/2006/main" xmlns:r="http://schemas.openxmlformats.org/officeDocument/2006/relationships" xmlns:mc="http://schemas.openxmlformats.org/markup-compatibility/2006" xmlns:mv="urn:schemas-microsoft-com:mac:vml" xmlns:p="http://schemas.openxmlformats.org/presentationml/2006/main" xmlns:c="http://schemas.openxmlformats.org/drawingml/2006/chart" xmlns:dgm="http://schemas.openxmlformats.org/drawingml/2006/diagram" xmlns:o="urn:schemas-microsoft-com:office:office" xmlns:v="urn:schemas-microsoft-com:vml" xmlns:pvml="urn:schemas-microsoft-com:office:powerpoint" xmlns:com="http://schemas.openxmlformats.org/drawingml/2006/compatibility" xmlns:p14="http://schemas.microsoft.com/office/powerpoint/2010/main" xmlns:p15="http://schemas.microsoft.com/office/powerpoint/2012/main" xmlns:ahyp="http://schemas.microsoft.com/office/drawing/2018/hyperlinkcolor">
-  <p:cSld>
-    <p:bg>
-      <p:bgPr>
-        <a:gradFill>
-          <a:gsLst>
-            <a:gs pos="0">
-              <a:srgbClr val="D4E5F5"/>
-            </a:gs>
-            <a:gs pos="100000">
-              <a:srgbClr val="70A4D5"/>
-            </a:gs>
-          </a:gsLst>
-          <a:path path="circle">
-            <a:fillToRect b="50%" l="50%" r="50%" t="50%"/>
-          </a:path>
-          <a:tileRect/>
-        </a:gradFill>
-      </p:bgPr>
-    </p:bg>
-    <p:spTree>
-      <p:nvGrpSpPr>
-        <p:cNvPr id="345" name="Shape 345"/>
-        <p:cNvGrpSpPr/>
-        <p:nvPr/>
-      </p:nvGrpSpPr>
-      <p:grpSpPr>
-        <a:xfrm>
-          <a:off x="0" y="0"/>
-          <a:ext cx="0" cy="0"/>
-          <a:chOff x="0" y="0"/>
-          <a:chExt cx="0" cy="0"/>
-        </a:xfrm>
-      </p:grpSpPr>
-      <p:sp>
-        <p:nvSpPr>
-          <p:cNvPr id="346" name="Google Shape;346;p24"/>
-          <p:cNvSpPr txBox="1"/>
-          <p:nvPr>
-            <p:ph type="title"/>
-          </p:nvPr>
-        </p:nvSpPr>
-        <p:spPr>
-          <a:xfrm>
-            <a:off x="1303800" y="598575"/>
-            <a:ext cx="7030500" cy="671100"/>
-          </a:xfrm>
-          <a:prstGeom prst="rect">
-            <a:avLst/>
-          </a:prstGeom>
-        </p:spPr>
-        <p:txBody>
-          <a:bodyPr anchorCtr="0" anchor="t" bIns="91425" lIns="91425" spcFirstLastPara="1" rIns="91425" wrap="square" tIns="91425">
-            <a:normAutofit fontScale="90000"/>
-          </a:bodyPr>
-          <a:lstStyle/>
-          <a:p>
-            <a:pPr indent="0" lvl="0" marL="0" rtl="0" algn="l">
-              <a:spcBef>
-                <a:spcPts val="0"/>
-              </a:spcBef>
-              <a:spcAft>
-                <a:spcPts val="0"/>
-              </a:spcAft>
-              <a:buNone/>
-            </a:pPr>
-            <a:r>
-              <a:rPr lang="es"/>
-              <a:t>PROLOG’s implementation: Tabling</a:t>
-            </a:r>
-            <a:endParaRPr/>
-          </a:p>
-          <a:p>
-            <a:pPr indent="0" lvl="0" marL="0" rtl="0" algn="l">
-              <a:spcBef>
-                <a:spcPts val="0"/>
-              </a:spcBef>
-              <a:spcAft>
-                <a:spcPts val="0"/>
-              </a:spcAft>
-              <a:buNone/>
-            </a:pPr>
-            <a:r>
-              <a:t/>
-            </a:r>
-            <a:endParaRPr/>
-          </a:p>
-        </p:txBody>
-      </p:sp>
-      <p:sp>
-        <p:nvSpPr>
-          <p:cNvPr id="347" name="Google Shape;347;p24"/>
-          <p:cNvSpPr txBox="1"/>
-          <p:nvPr>
-            <p:ph idx="1" type="body"/>
-          </p:nvPr>
-        </p:nvSpPr>
-        <p:spPr>
-          <a:xfrm>
-            <a:off x="1303800" y="1269675"/>
-            <a:ext cx="7030500" cy="3441900"/>
-          </a:xfrm>
-          <a:prstGeom prst="rect">
-            <a:avLst/>
-          </a:prstGeom>
-        </p:spPr>
-        <p:txBody>
-          <a:bodyPr anchorCtr="0" anchor="ctr" bIns="91425" lIns="91425" spcFirstLastPara="1" rIns="91425" wrap="square" tIns="91425">
-            <a:noAutofit/>
-          </a:bodyPr>
-          <a:lstStyle/>
-          <a:p>
-            <a:pPr indent="-304800" lvl="0" marL="457200" rtl="0" algn="l">
-              <a:spcBef>
-                <a:spcPts val="0"/>
-              </a:spcBef>
-              <a:spcAft>
-                <a:spcPts val="0"/>
-              </a:spcAft>
-              <a:buSzPts val="1200"/>
-              <a:buChar char="●"/>
-            </a:pPr>
-            <a:r>
-              <a:rPr lang="es" sz="1200"/>
-              <a:t>Some PROLOG systems, implement a memoization method called </a:t>
-            </a:r>
-            <a:r>
-              <a:rPr i="1" lang="es" sz="1200"/>
-              <a:t>tabling</a:t>
-            </a:r>
-            <a:r>
-              <a:rPr lang="es" sz="1200"/>
-              <a:t>, which frees the user from manually storing intermediate results.</a:t>
-            </a:r>
-            <a:endParaRPr sz="1200"/>
-          </a:p>
-          <a:p>
-            <a:pPr indent="-304800" lvl="0" marL="457200" rtl="0" algn="l">
-              <a:spcBef>
-                <a:spcPts val="0"/>
-              </a:spcBef>
-              <a:spcAft>
-                <a:spcPts val="0"/>
-              </a:spcAft>
-              <a:buSzPts val="1200"/>
-              <a:buChar char="●"/>
-            </a:pPr>
-            <a:r>
-              <a:rPr lang="es" sz="1200"/>
-              <a:t>Tabling is a space-time tradeoff, execution time can be reduced by using more memory to store intermediate results:</a:t>
-            </a:r>
-            <a:endParaRPr sz="1200"/>
-          </a:p>
-          <a:p>
-            <a:pPr indent="-304800" lvl="1" marL="914400" rtl="0" algn="l">
-              <a:spcBef>
-                <a:spcPts val="0"/>
-              </a:spcBef>
-              <a:spcAft>
-                <a:spcPts val="0"/>
-              </a:spcAft>
-              <a:buSzPts val="1200"/>
-              <a:buChar char="○"/>
-            </a:pPr>
-            <a:r>
-              <a:rPr lang="es" sz="1200"/>
-              <a:t>Subgoals encountered in a query evaluation are maintained in a table, along with answers to these subgoals.</a:t>
-            </a:r>
-            <a:endParaRPr sz="1200"/>
-          </a:p>
-          <a:p>
-            <a:pPr indent="-304800" lvl="1" marL="914400" rtl="0" algn="l">
-              <a:spcBef>
-                <a:spcPts val="0"/>
-              </a:spcBef>
-              <a:spcAft>
-                <a:spcPts val="0"/>
-              </a:spcAft>
-              <a:buSzPts val="1200"/>
-              <a:buChar char="○"/>
-            </a:pPr>
-            <a:r>
-              <a:rPr lang="es" sz="1200"/>
-              <a:t>If a subgoal is re-encountered, the evaluation reuses information from the table rather than re-performing resolution against program clauses.</a:t>
-            </a:r>
-            <a:endParaRPr sz="1200"/>
-          </a:p>
-          <a:p>
-            <a:pPr indent="-304800" lvl="0" marL="457200" rtl="0" algn="l">
-              <a:spcBef>
-                <a:spcPts val="0"/>
-              </a:spcBef>
-              <a:spcAft>
-                <a:spcPts val="0"/>
-              </a:spcAft>
-              <a:buSzPts val="1200"/>
-              <a:buChar char="●"/>
-            </a:pPr>
-            <a:r>
-              <a:rPr lang="es" sz="1200"/>
-              <a:t>Tabling can be extended in various directions.</a:t>
-            </a:r>
-            <a:endParaRPr sz="1200"/>
-          </a:p>
-          <a:p>
-            <a:pPr indent="-304800" lvl="1" marL="914400" rtl="0" algn="l">
-              <a:spcBef>
-                <a:spcPts val="0"/>
-              </a:spcBef>
-              <a:spcAft>
-                <a:spcPts val="0"/>
-              </a:spcAft>
-              <a:buSzPts val="1200"/>
-              <a:buChar char="○"/>
-            </a:pPr>
-            <a:r>
-              <a:rPr lang="es" sz="1200"/>
-              <a:t>It can support recursive predicates through SLG-resolution or linear tabling.</a:t>
-            </a:r>
-            <a:endParaRPr sz="1200"/>
-          </a:p>
-          <a:p>
-            <a:pPr indent="-304800" lvl="1" marL="914400" rtl="0" algn="l">
-              <a:spcBef>
-                <a:spcPts val="0"/>
-              </a:spcBef>
-              <a:spcAft>
-                <a:spcPts val="0"/>
-              </a:spcAft>
-              <a:buSzPts val="1200"/>
-              <a:buChar char="○"/>
-            </a:pPr>
-            <a:r>
-              <a:rPr lang="es" sz="1200"/>
-              <a:t>In a multi-threaded PROLOG system tabling results could be kept private to a thread among all threads.</a:t>
-            </a:r>
-            <a:endParaRPr sz="1200"/>
-          </a:p>
-          <a:p>
-            <a:pPr indent="-304800" lvl="1" marL="914400" rtl="0" algn="l">
-              <a:spcBef>
-                <a:spcPts val="0"/>
-              </a:spcBef>
-              <a:spcAft>
-                <a:spcPts val="0"/>
-              </a:spcAft>
-              <a:buSzPts val="1200"/>
-              <a:buChar char="○"/>
-            </a:pPr>
-            <a:r>
-              <a:rPr lang="es" sz="1200"/>
-              <a:t>And in incremental tabling, might react to changes.</a:t>
-            </a:r>
-            <a:endParaRPr sz="1200"/>
-          </a:p>
-        </p:txBody>
-      </p:sp>
-    </p:spTree>
-  </p:cSld>
-  <p:clrMapOvr>
-    <a:masterClrMapping/>
-  </p:clrMapOvr>
-</p:sld>
-</file>
-
-<file path=ppt/slides/slide13.xml><?xml version="1.0" encoding="utf-8"?>
 <p:sld xmlns:a="http://schemas.openxmlformats.org/drawingml/2006/main" xmlns:r="http://schemas.openxmlformats.org/officeDocument/2006/relationships" xmlns:mc="http://schemas.openxmlformats.org/markup-compatibility/2006" xmlns:mv="urn:schemas-microsoft-com:mac:vml" xmlns:p="http://schemas.openxmlformats.org/presentationml/2006/main" xmlns:c="http://schemas.openxmlformats.org/drawingml/2006/chart" xmlns:dgm="http://schemas.openxmlformats.org/drawingml/2006/diagram" xmlns:o="urn:schemas-microsoft-com:office:office" xmlns:v="urn:schemas-microsoft-com:vml" xmlns:pvml="urn:schemas-microsoft-com:office:powerpoint" xmlns:com="http://schemas.openxmlformats.org/drawingml/2006/compatibility" xmlns:p14="http://schemas.microsoft.com/office/powerpoint/2010/main" xmlns:p15="http://schemas.microsoft.com/office/powerpoint/2012/main" xmlns:ahyp="http://schemas.microsoft.com/office/drawing/2018/hyperlinkcolor">
   <p:cSld>
     <p:bg>
@@ -18353,7 +19147,7 @@
       </p:grpSpPr>
       <p:sp>
         <p:nvSpPr>
-          <p:cNvPr id="352" name="Google Shape;352;p25"/>
+          <p:cNvPr id="352" name="Google Shape;352;p23"/>
           <p:cNvSpPr txBox="1"/>
           <p:nvPr>
             <p:ph type="title"/>
@@ -18361,8 +19155,8 @@
         </p:nvSpPr>
         <p:spPr>
           <a:xfrm>
-            <a:off x="1303800" y="443550"/>
-            <a:ext cx="7030500" cy="826200"/>
+            <a:off x="1303800" y="598575"/>
+            <a:ext cx="7030500" cy="999300"/>
           </a:xfrm>
           <a:prstGeom prst="rect">
             <a:avLst/>
@@ -18385,7 +19179,7 @@
             </a:pPr>
             <a:r>
               <a:rPr lang="es"/>
-              <a:t>PROLOG’s implementation: Implementation in hardware</a:t>
+              <a:t>PROLOG’s implementation: Hashing</a:t>
             </a:r>
             <a:endParaRPr/>
           </a:p>
@@ -18406,123 +19200,578 @@
           </a:p>
         </p:txBody>
       </p:sp>
+      <p:pic>
+        <p:nvPicPr>
+          <p:cNvPr id="353" name="Google Shape;353;p23"/>
+          <p:cNvPicPr preferRelativeResize="0"/>
+          <p:nvPr/>
+        </p:nvPicPr>
+        <p:blipFill>
+          <a:blip r:embed="rId3">
+            <a:alphaModFix/>
+          </a:blip>
+          <a:stretch>
+            <a:fillRect/>
+          </a:stretch>
+        </p:blipFill>
+        <p:spPr>
+          <a:xfrm>
+            <a:off x="571146" y="2193825"/>
+            <a:ext cx="4074149" cy="1563700"/>
+          </a:xfrm>
+          <a:prstGeom prst="rect">
+            <a:avLst/>
+          </a:prstGeom>
+          <a:noFill/>
+          <a:ln>
+            <a:noFill/>
+          </a:ln>
+        </p:spPr>
+      </p:pic>
+      <p:pic>
+        <p:nvPicPr>
+          <p:cNvPr id="354" name="Google Shape;354;p23"/>
+          <p:cNvPicPr preferRelativeResize="0"/>
+          <p:nvPr/>
+        </p:nvPicPr>
+        <p:blipFill>
+          <a:blip r:embed="rId4">
+            <a:alphaModFix/>
+          </a:blip>
+          <a:stretch>
+            <a:fillRect/>
+          </a:stretch>
+        </p:blipFill>
+        <p:spPr>
+          <a:xfrm>
+            <a:off x="5093475" y="1355273"/>
+            <a:ext cx="3240825" cy="2821300"/>
+          </a:xfrm>
+          <a:prstGeom prst="rect">
+            <a:avLst/>
+          </a:prstGeom>
+          <a:noFill/>
+          <a:ln>
+            <a:noFill/>
+          </a:ln>
+        </p:spPr>
+      </p:pic>
       <p:sp>
         <p:nvSpPr>
-          <p:cNvPr id="353" name="Google Shape;353;p25"/>
+          <p:cNvPr id="355" name="Google Shape;355;p23"/>
+          <p:cNvSpPr txBox="1"/>
+          <p:nvPr/>
+        </p:nvSpPr>
+        <p:spPr>
+          <a:xfrm>
+            <a:off x="5098388" y="4176575"/>
+            <a:ext cx="3231000" cy="400200"/>
+          </a:xfrm>
+          <a:prstGeom prst="rect">
+            <a:avLst/>
+          </a:prstGeom>
+          <a:noFill/>
+          <a:ln>
+            <a:noFill/>
+          </a:ln>
+        </p:spPr>
+        <p:txBody>
+          <a:bodyPr anchorCtr="0" anchor="t" bIns="91425" lIns="91425" spcFirstLastPara="1" rIns="91425" wrap="square" tIns="91425">
+            <a:spAutoFit/>
+          </a:bodyPr>
+          <a:lstStyle/>
+          <a:p>
+            <a:pPr indent="0" lvl="0" marL="0" rtl="0" algn="l">
+              <a:spcBef>
+                <a:spcPts val="0"/>
+              </a:spcBef>
+              <a:spcAft>
+                <a:spcPts val="0"/>
+              </a:spcAft>
+              <a:buNone/>
+            </a:pPr>
+            <a:r>
+              <a:rPr lang="es">
+                <a:latin typeface="Nunito"/>
+                <a:ea typeface="Nunito"/>
+                <a:cs typeface="Nunito"/>
+                <a:sym typeface="Nunito"/>
+              </a:rPr>
+              <a:t>Performance increase</a:t>
+            </a:r>
+            <a:endParaRPr>
+              <a:latin typeface="Nunito"/>
+              <a:ea typeface="Nunito"/>
+              <a:cs typeface="Nunito"/>
+              <a:sym typeface="Nunito"/>
+            </a:endParaRPr>
+          </a:p>
+        </p:txBody>
+      </p:sp>
+      <p:sp>
+        <p:nvSpPr>
+          <p:cNvPr id="356" name="Google Shape;356;p23"/>
+          <p:cNvSpPr txBox="1"/>
+          <p:nvPr/>
+        </p:nvSpPr>
+        <p:spPr>
+          <a:xfrm>
+            <a:off x="571150" y="3823850"/>
+            <a:ext cx="3881100" cy="615600"/>
+          </a:xfrm>
+          <a:prstGeom prst="rect">
+            <a:avLst/>
+          </a:prstGeom>
+          <a:noFill/>
+          <a:ln>
+            <a:noFill/>
+          </a:ln>
+        </p:spPr>
+        <p:txBody>
+          <a:bodyPr anchorCtr="0" anchor="t" bIns="91425" lIns="91425" spcFirstLastPara="1" rIns="91425" wrap="square" tIns="91425">
+            <a:spAutoFit/>
+          </a:bodyPr>
+          <a:lstStyle/>
+          <a:p>
+            <a:pPr indent="0" lvl="0" marL="0" rtl="0" algn="l">
+              <a:spcBef>
+                <a:spcPts val="0"/>
+              </a:spcBef>
+              <a:spcAft>
+                <a:spcPts val="0"/>
+              </a:spcAft>
+              <a:buNone/>
+            </a:pPr>
+            <a:r>
+              <a:rPr lang="es">
+                <a:latin typeface="Nunito"/>
+                <a:ea typeface="Nunito"/>
+                <a:cs typeface="Nunito"/>
+                <a:sym typeface="Nunito"/>
+              </a:rPr>
+              <a:t>Hashing implementation to help to handle big data sets more efficiently</a:t>
+            </a:r>
+            <a:endParaRPr>
+              <a:latin typeface="Nunito"/>
+              <a:ea typeface="Nunito"/>
+              <a:cs typeface="Nunito"/>
+              <a:sym typeface="Nunito"/>
+            </a:endParaRPr>
+          </a:p>
+        </p:txBody>
+      </p:sp>
+    </p:spTree>
+  </p:cSld>
+  <p:clrMapOvr>
+    <a:masterClrMapping/>
+  </p:clrMapOvr>
+</p:sld>
+</file>
+
+<file path=ppt/slides/slide12.xml><?xml version="1.0" encoding="utf-8"?>
+<p:sld xmlns:a="http://schemas.openxmlformats.org/drawingml/2006/main" xmlns:r="http://schemas.openxmlformats.org/officeDocument/2006/relationships" xmlns:mc="http://schemas.openxmlformats.org/markup-compatibility/2006" xmlns:mv="urn:schemas-microsoft-com:mac:vml" xmlns:p="http://schemas.openxmlformats.org/presentationml/2006/main" xmlns:c="http://schemas.openxmlformats.org/drawingml/2006/chart" xmlns:dgm="http://schemas.openxmlformats.org/drawingml/2006/diagram" xmlns:o="urn:schemas-microsoft-com:office:office" xmlns:v="urn:schemas-microsoft-com:vml" xmlns:pvml="urn:schemas-microsoft-com:office:powerpoint" xmlns:com="http://schemas.openxmlformats.org/drawingml/2006/compatibility" xmlns:p14="http://schemas.microsoft.com/office/powerpoint/2010/main" xmlns:p15="http://schemas.microsoft.com/office/powerpoint/2012/main" xmlns:ahyp="http://schemas.microsoft.com/office/drawing/2018/hyperlinkcolor">
+  <p:cSld>
+    <p:bg>
+      <p:bgPr>
+        <a:gradFill>
+          <a:gsLst>
+            <a:gs pos="0">
+              <a:srgbClr val="D4E5F5"/>
+            </a:gs>
+            <a:gs pos="100000">
+              <a:srgbClr val="70A4D5"/>
+            </a:gs>
+          </a:gsLst>
+          <a:path path="circle">
+            <a:fillToRect b="50%" l="50%" r="50%" t="50%"/>
+          </a:path>
+          <a:tileRect/>
+        </a:gradFill>
+      </p:bgPr>
+    </p:bg>
+    <p:spTree>
+      <p:nvGrpSpPr>
+        <p:cNvPr id="360" name="Shape 360"/>
+        <p:cNvGrpSpPr/>
+        <p:nvPr/>
+      </p:nvGrpSpPr>
+      <p:grpSpPr>
+        <a:xfrm>
+          <a:off x="0" y="0"/>
+          <a:ext cx="0" cy="0"/>
+          <a:chOff x="0" y="0"/>
+          <a:chExt cx="0" cy="0"/>
+        </a:xfrm>
+      </p:grpSpPr>
+      <p:sp>
+        <p:nvSpPr>
+          <p:cNvPr id="361" name="Google Shape;361;p24"/>
           <p:cNvSpPr txBox="1"/>
           <p:nvPr>
-            <p:ph idx="1" type="body"/>
+            <p:ph type="title"/>
           </p:nvPr>
         </p:nvSpPr>
         <p:spPr>
           <a:xfrm>
-            <a:off x="1303800" y="1269675"/>
-            <a:ext cx="7030500" cy="3441900"/>
+            <a:off x="1303800" y="598575"/>
+            <a:ext cx="7030500" cy="999300"/>
           </a:xfrm>
           <a:prstGeom prst="rect">
             <a:avLst/>
           </a:prstGeom>
         </p:spPr>
         <p:txBody>
-          <a:bodyPr anchorCtr="0" anchor="ctr" bIns="91425" lIns="91425" spcFirstLastPara="1" rIns="91425" wrap="square" tIns="91425">
-            <a:noAutofit/>
+          <a:bodyPr anchorCtr="0" anchor="t" bIns="91425" lIns="91425" spcFirstLastPara="1" rIns="91425" wrap="square" tIns="91425">
+            <a:normAutofit fontScale="90000"/>
           </a:bodyPr>
           <a:lstStyle/>
           <a:p>
-            <a:pPr indent="-304800" lvl="0" marL="457200" rtl="0" algn="l">
-              <a:spcBef>
-                <a:spcPts val="0"/>
-              </a:spcBef>
-              <a:spcAft>
-                <a:spcPts val="0"/>
-              </a:spcAft>
-              <a:buSzPts val="1200"/>
-              <a:buChar char="●"/>
+            <a:pPr indent="0" lvl="0" marL="0" rtl="0" algn="l">
+              <a:spcBef>
+                <a:spcPts val="0"/>
+              </a:spcBef>
+              <a:spcAft>
+                <a:spcPts val="0"/>
+              </a:spcAft>
+              <a:buNone/>
             </a:pPr>
             <a:r>
-              <a:rPr lang="es" sz="1200"/>
-              <a:t>During the fifth generation computer systems project, there attempt to implement PROLOG in hardware with the aim of achieving faster execution with dedicated architectures.</a:t>
+              <a:rPr lang="es"/>
+              <a:t>PROLOG’s implementation: Tabling</a:t>
             </a:r>
-            <a:endParaRPr sz="1200"/>
+            <a:endParaRPr/>
           </a:p>
           <a:p>
-            <a:pPr indent="-304800" lvl="0" marL="457200" rtl="0" algn="l">
-              <a:spcBef>
-                <a:spcPts val="0"/>
-              </a:spcBef>
-              <a:spcAft>
-                <a:spcPts val="0"/>
-              </a:spcAft>
-              <a:buSzPts val="1200"/>
-              <a:buChar char="●"/>
+            <a:pPr indent="0" lvl="0" marL="0" rtl="0" algn="l">
+              <a:spcBef>
+                <a:spcPts val="0"/>
+              </a:spcBef>
+              <a:spcAft>
+                <a:spcPts val="0"/>
+              </a:spcAft>
+              <a:buNone/>
             </a:pPr>
             <a:r>
-              <a:rPr lang="es" sz="1200"/>
-              <a:t>Furthermore, PROLOG has a number of properties that may allow speed-up through parallel execution.</a:t>
+              <a:t/>
             </a:r>
-            <a:endParaRPr sz="1200"/>
-          </a:p>
-          <a:p>
-            <a:pPr indent="-304800" lvl="0" marL="457200" rtl="0" algn="l">
-              <a:spcBef>
-                <a:spcPts val="0"/>
-              </a:spcBef>
-              <a:spcAft>
-                <a:spcPts val="0"/>
-              </a:spcAft>
-              <a:buSzPts val="1200"/>
-              <a:buChar char="●"/>
-            </a:pPr>
-            <a:r>
-              <a:rPr lang="es" sz="1200"/>
-              <a:t>A more recent approach has been to compile restricted PROLOG programs to a field programmable gate array (FPGA).</a:t>
-            </a:r>
-            <a:endParaRPr sz="1200"/>
-          </a:p>
-          <a:p>
-            <a:pPr indent="-304800" lvl="1" marL="914400" rtl="0" algn="l">
-              <a:spcBef>
-                <a:spcPts val="0"/>
-              </a:spcBef>
-              <a:spcAft>
-                <a:spcPts val="0"/>
-              </a:spcAft>
-              <a:buSzPts val="1200"/>
-              <a:buChar char="○"/>
-            </a:pPr>
-            <a:r>
-              <a:rPr lang="es" sz="1200"/>
-              <a:t>FPGA is an integrated circuit designed to be configured by a customer or a </a:t>
-            </a:r>
-            <a:r>
-              <a:rPr lang="es" sz="1200"/>
-              <a:t>designer</a:t>
-            </a:r>
-            <a:r>
-              <a:rPr lang="es" sz="1200"/>
-              <a:t> after manufacturing.</a:t>
-            </a:r>
-            <a:endParaRPr sz="1200"/>
-          </a:p>
-          <a:p>
-            <a:pPr indent="-304800" lvl="0" marL="457200" rtl="0" algn="l">
-              <a:spcBef>
-                <a:spcPts val="0"/>
-              </a:spcBef>
-              <a:spcAft>
-                <a:spcPts val="0"/>
-              </a:spcAft>
-              <a:buSzPts val="1200"/>
-              <a:buChar char="●"/>
-            </a:pPr>
-            <a:r>
-              <a:rPr lang="es" sz="1200"/>
-              <a:t>However, rapid progress in general-purpose hardware has consistently overtaken more specialised architectures.</a:t>
-            </a:r>
-            <a:endParaRPr sz="1200"/>
+            <a:endParaRPr/>
           </a:p>
         </p:txBody>
       </p:sp>
+      <p:pic>
+        <p:nvPicPr>
+          <p:cNvPr id="362" name="Google Shape;362;p24"/>
+          <p:cNvPicPr preferRelativeResize="0"/>
+          <p:nvPr/>
+        </p:nvPicPr>
+        <p:blipFill>
+          <a:blip r:embed="rId3">
+            <a:alphaModFix/>
+          </a:blip>
+          <a:stretch>
+            <a:fillRect/>
+          </a:stretch>
+        </p:blipFill>
+        <p:spPr>
+          <a:xfrm>
+            <a:off x="5170900" y="2336500"/>
+            <a:ext cx="2893951" cy="1867075"/>
+          </a:xfrm>
+          <a:prstGeom prst="rect">
+            <a:avLst/>
+          </a:prstGeom>
+          <a:noFill/>
+          <a:ln>
+            <a:noFill/>
+          </a:ln>
+        </p:spPr>
+      </p:pic>
+      <p:pic>
+        <p:nvPicPr>
+          <p:cNvPr id="363" name="Google Shape;363;p24"/>
+          <p:cNvPicPr preferRelativeResize="0"/>
+          <p:nvPr/>
+        </p:nvPicPr>
+        <p:blipFill>
+          <a:blip r:embed="rId4">
+            <a:alphaModFix/>
+          </a:blip>
+          <a:stretch>
+            <a:fillRect/>
+          </a:stretch>
+        </p:blipFill>
+        <p:spPr>
+          <a:xfrm>
+            <a:off x="1303800" y="2336500"/>
+            <a:ext cx="3268201" cy="1867077"/>
+          </a:xfrm>
+          <a:prstGeom prst="rect">
+            <a:avLst/>
+          </a:prstGeom>
+          <a:noFill/>
+          <a:ln>
+            <a:noFill/>
+          </a:ln>
+        </p:spPr>
+      </p:pic>
+      <p:sp>
+        <p:nvSpPr>
+          <p:cNvPr id="364" name="Google Shape;364;p24"/>
+          <p:cNvSpPr txBox="1"/>
+          <p:nvPr/>
+        </p:nvSpPr>
+        <p:spPr>
+          <a:xfrm>
+            <a:off x="1303800" y="1936300"/>
+            <a:ext cx="3296100" cy="400200"/>
+          </a:xfrm>
+          <a:prstGeom prst="rect">
+            <a:avLst/>
+          </a:prstGeom>
+          <a:noFill/>
+          <a:ln>
+            <a:noFill/>
+          </a:ln>
+        </p:spPr>
+        <p:txBody>
+          <a:bodyPr anchorCtr="0" anchor="t" bIns="91425" lIns="91425" spcFirstLastPara="1" rIns="91425" wrap="square" tIns="91425">
+            <a:spAutoFit/>
+          </a:bodyPr>
+          <a:lstStyle/>
+          <a:p>
+            <a:pPr indent="0" lvl="0" marL="0" rtl="0" algn="l">
+              <a:spcBef>
+                <a:spcPts val="0"/>
+              </a:spcBef>
+              <a:spcAft>
+                <a:spcPts val="0"/>
+              </a:spcAft>
+              <a:buNone/>
+            </a:pPr>
+            <a:r>
+              <a:rPr lang="es">
+                <a:latin typeface="Nunito"/>
+                <a:ea typeface="Nunito"/>
+                <a:cs typeface="Nunito"/>
+                <a:sym typeface="Nunito"/>
+              </a:rPr>
+              <a:t>Tabling memorization system</a:t>
+            </a:r>
+            <a:endParaRPr>
+              <a:latin typeface="Nunito"/>
+              <a:ea typeface="Nunito"/>
+              <a:cs typeface="Nunito"/>
+              <a:sym typeface="Nunito"/>
+            </a:endParaRPr>
+          </a:p>
+        </p:txBody>
+      </p:sp>
+      <p:sp>
+        <p:nvSpPr>
+          <p:cNvPr id="365" name="Google Shape;365;p24"/>
+          <p:cNvSpPr txBox="1"/>
+          <p:nvPr/>
+        </p:nvSpPr>
+        <p:spPr>
+          <a:xfrm>
+            <a:off x="5170900" y="1936300"/>
+            <a:ext cx="3143400" cy="400200"/>
+          </a:xfrm>
+          <a:prstGeom prst="rect">
+            <a:avLst/>
+          </a:prstGeom>
+          <a:noFill/>
+          <a:ln>
+            <a:noFill/>
+          </a:ln>
+        </p:spPr>
+        <p:txBody>
+          <a:bodyPr anchorCtr="0" anchor="t" bIns="91425" lIns="91425" spcFirstLastPara="1" rIns="91425" wrap="square" tIns="91425">
+            <a:spAutoFit/>
+          </a:bodyPr>
+          <a:lstStyle/>
+          <a:p>
+            <a:pPr indent="0" lvl="0" marL="0" rtl="0" algn="l">
+              <a:spcBef>
+                <a:spcPts val="0"/>
+              </a:spcBef>
+              <a:spcAft>
+                <a:spcPts val="0"/>
+              </a:spcAft>
+              <a:buNone/>
+            </a:pPr>
+            <a:r>
+              <a:rPr lang="es">
+                <a:latin typeface="Nunito"/>
+                <a:ea typeface="Nunito"/>
+                <a:cs typeface="Nunito"/>
+                <a:sym typeface="Nunito"/>
+              </a:rPr>
+              <a:t>Tabling = spacetime compensation</a:t>
+            </a:r>
+            <a:endParaRPr>
+              <a:latin typeface="Nunito"/>
+              <a:ea typeface="Nunito"/>
+              <a:cs typeface="Nunito"/>
+              <a:sym typeface="Nunito"/>
+            </a:endParaRPr>
+          </a:p>
+        </p:txBody>
+      </p:sp>
+    </p:spTree>
+  </p:cSld>
+  <p:clrMapOvr>
+    <a:masterClrMapping/>
+  </p:clrMapOvr>
+</p:sld>
+</file>
+
+<file path=ppt/slides/slide13.xml><?xml version="1.0" encoding="utf-8"?>
+<p:sld xmlns:a="http://schemas.openxmlformats.org/drawingml/2006/main" xmlns:r="http://schemas.openxmlformats.org/officeDocument/2006/relationships" xmlns:mc="http://schemas.openxmlformats.org/markup-compatibility/2006" xmlns:mv="urn:schemas-microsoft-com:mac:vml" xmlns:p="http://schemas.openxmlformats.org/presentationml/2006/main" xmlns:c="http://schemas.openxmlformats.org/drawingml/2006/chart" xmlns:dgm="http://schemas.openxmlformats.org/drawingml/2006/diagram" xmlns:o="urn:schemas-microsoft-com:office:office" xmlns:v="urn:schemas-microsoft-com:vml" xmlns:pvml="urn:schemas-microsoft-com:office:powerpoint" xmlns:com="http://schemas.openxmlformats.org/drawingml/2006/compatibility" xmlns:p14="http://schemas.microsoft.com/office/powerpoint/2010/main" xmlns:p15="http://schemas.microsoft.com/office/powerpoint/2012/main" xmlns:ahyp="http://schemas.microsoft.com/office/drawing/2018/hyperlinkcolor">
+  <p:cSld>
+    <p:bg>
+      <p:bgPr>
+        <a:gradFill>
+          <a:gsLst>
+            <a:gs pos="0">
+              <a:srgbClr val="D4E5F5"/>
+            </a:gs>
+            <a:gs pos="100000">
+              <a:srgbClr val="70A4D5"/>
+            </a:gs>
+          </a:gsLst>
+          <a:path path="circle">
+            <a:fillToRect b="50%" l="50%" r="50%" t="50%"/>
+          </a:path>
+          <a:tileRect/>
+        </a:gradFill>
+      </p:bgPr>
+    </p:bg>
+    <p:spTree>
+      <p:nvGrpSpPr>
+        <p:cNvPr id="369" name="Shape 369"/>
+        <p:cNvGrpSpPr/>
+        <p:nvPr/>
+      </p:nvGrpSpPr>
+      <p:grpSpPr>
+        <a:xfrm>
+          <a:off x="0" y="0"/>
+          <a:ext cx="0" cy="0"/>
+          <a:chOff x="0" y="0"/>
+          <a:chExt cx="0" cy="0"/>
+        </a:xfrm>
+      </p:grpSpPr>
+      <p:sp>
+        <p:nvSpPr>
+          <p:cNvPr id="370" name="Google Shape;370;p25"/>
+          <p:cNvSpPr txBox="1"/>
+          <p:nvPr>
+            <p:ph type="title"/>
+          </p:nvPr>
+        </p:nvSpPr>
+        <p:spPr>
+          <a:xfrm>
+            <a:off x="1303800" y="598575"/>
+            <a:ext cx="7030500" cy="999300"/>
+          </a:xfrm>
+          <a:prstGeom prst="rect">
+            <a:avLst/>
+          </a:prstGeom>
+        </p:spPr>
+        <p:txBody>
+          <a:bodyPr anchorCtr="0" anchor="t" bIns="91425" lIns="91425" spcFirstLastPara="1" rIns="91425" wrap="square" tIns="91425">
+            <a:normAutofit fontScale="90000"/>
+          </a:bodyPr>
+          <a:lstStyle/>
+          <a:p>
+            <a:pPr indent="0" lvl="0" marL="0" rtl="0" algn="l">
+              <a:spcBef>
+                <a:spcPts val="0"/>
+              </a:spcBef>
+              <a:spcAft>
+                <a:spcPts val="0"/>
+              </a:spcAft>
+              <a:buNone/>
+            </a:pPr>
+            <a:r>
+              <a:rPr lang="es"/>
+              <a:t>PROLOG’s implementation: Tabling</a:t>
+            </a:r>
+            <a:endParaRPr/>
+          </a:p>
+          <a:p>
+            <a:pPr indent="0" lvl="0" marL="0" rtl="0" algn="l">
+              <a:spcBef>
+                <a:spcPts val="0"/>
+              </a:spcBef>
+              <a:spcAft>
+                <a:spcPts val="0"/>
+              </a:spcAft>
+              <a:buNone/>
+            </a:pPr>
+            <a:r>
+              <a:t/>
+            </a:r>
+            <a:endParaRPr/>
+          </a:p>
+        </p:txBody>
+      </p:sp>
+      <p:pic>
+        <p:nvPicPr>
+          <p:cNvPr id="371" name="Google Shape;371;p25"/>
+          <p:cNvPicPr preferRelativeResize="0"/>
+          <p:nvPr/>
+        </p:nvPicPr>
+        <p:blipFill>
+          <a:blip r:embed="rId3">
+            <a:alphaModFix/>
+          </a:blip>
+          <a:stretch>
+            <a:fillRect/>
+          </a:stretch>
+        </p:blipFill>
+        <p:spPr>
+          <a:xfrm>
+            <a:off x="62675" y="1361525"/>
+            <a:ext cx="5238750" cy="2286000"/>
+          </a:xfrm>
+          <a:prstGeom prst="rect">
+            <a:avLst/>
+          </a:prstGeom>
+          <a:noFill/>
+          <a:ln>
+            <a:noFill/>
+          </a:ln>
+        </p:spPr>
+      </p:pic>
+      <p:pic>
+        <p:nvPicPr>
+          <p:cNvPr id="372" name="Google Shape;372;p25"/>
+          <p:cNvPicPr preferRelativeResize="0"/>
+          <p:nvPr/>
+        </p:nvPicPr>
+        <p:blipFill>
+          <a:blip r:embed="rId4">
+            <a:alphaModFix/>
+          </a:blip>
+          <a:stretch>
+            <a:fillRect/>
+          </a:stretch>
+        </p:blipFill>
+        <p:spPr>
+          <a:xfrm>
+            <a:off x="4249688" y="2771988"/>
+            <a:ext cx="4714875" cy="2162175"/>
+          </a:xfrm>
+          <a:prstGeom prst="rect">
+            <a:avLst/>
+          </a:prstGeom>
+          <a:noFill/>
+          <a:ln>
+            <a:noFill/>
+          </a:ln>
+        </p:spPr>
+      </p:pic>
     </p:spTree>
   </p:cSld>
   <p:clrMapOvr>
@@ -18554,7 +19803,7 @@
     </p:bg>
     <p:spTree>
       <p:nvGrpSpPr>
-        <p:cNvPr id="357" name="Shape 357"/>
+        <p:cNvPr id="376" name="Shape 376"/>
         <p:cNvGrpSpPr/>
         <p:nvPr/>
       </p:nvGrpSpPr>
@@ -18568,7 +19817,7 @@
       </p:grpSpPr>
       <p:sp>
         <p:nvSpPr>
-          <p:cNvPr id="358" name="Google Shape;358;p26"/>
+          <p:cNvPr id="377" name="Google Shape;377;p26"/>
           <p:cNvSpPr txBox="1"/>
           <p:nvPr>
             <p:ph type="title"/>
@@ -18576,8 +19825,8 @@
         </p:nvSpPr>
         <p:spPr>
           <a:xfrm>
-            <a:off x="1303800" y="598575"/>
-            <a:ext cx="7030500" cy="671100"/>
+            <a:off x="1303800" y="443550"/>
+            <a:ext cx="7030500" cy="826200"/>
           </a:xfrm>
           <a:prstGeom prst="rect">
             <a:avLst/>
@@ -18585,7 +19834,7 @@
         </p:spPr>
         <p:txBody>
           <a:bodyPr anchorCtr="0" anchor="t" bIns="91425" lIns="91425" spcFirstLastPara="1" rIns="91425" wrap="square" tIns="91425">
-            <a:normAutofit/>
+            <a:normAutofit fontScale="90000"/>
           </a:bodyPr>
           <a:lstStyle/>
           <a:p>
@@ -18600,7 +19849,22 @@
             </a:pPr>
             <a:r>
               <a:rPr lang="es"/>
-              <a:t>Limitations </a:t>
+              <a:t>PROLOG’s implementation: Implementation in hardware</a:t>
+            </a:r>
+            <a:endParaRPr/>
+          </a:p>
+          <a:p>
+            <a:pPr indent="0" lvl="0" marL="0" rtl="0" algn="l">
+              <a:spcBef>
+                <a:spcPts val="0"/>
+              </a:spcBef>
+              <a:spcAft>
+                <a:spcPts val="0"/>
+              </a:spcAft>
+              <a:buNone/>
+            </a:pPr>
+            <a:r>
+              <a:t/>
             </a:r>
             <a:endParaRPr/>
           </a:p>
@@ -18608,7 +19872,7 @@
       </p:sp>
       <p:sp>
         <p:nvSpPr>
-          <p:cNvPr id="359" name="Google Shape;359;p26"/>
+          <p:cNvPr id="378" name="Google Shape;378;p26"/>
           <p:cNvSpPr txBox="1"/>
           <p:nvPr>
             <p:ph idx="1" type="body"/>
@@ -18641,7 +19905,7 @@
             </a:pPr>
             <a:r>
               <a:rPr lang="es" sz="1200"/>
-              <a:t>PROLOG and other logic programming languages have not had a significant impact on the computer industry in general.</a:t>
+              <a:t>During the fifth generation computer systems project, there attempt to implement PROLOG in hardware with the aim of achieving faster execution with dedicated architectures.</a:t>
             </a:r>
             <a:endParaRPr sz="1200"/>
           </a:p>
@@ -18658,7 +19922,7 @@
             </a:pPr>
             <a:r>
               <a:rPr lang="es" sz="1200"/>
-              <a:t>Most apps are small by industrial standards.</a:t>
+              <a:t>Furthermore, PROLOG has a number of properties that may allow speed-up through parallel execution.</a:t>
             </a:r>
             <a:endParaRPr sz="1200"/>
           </a:p>
@@ -18675,7 +19939,32 @@
             </a:pPr>
             <a:r>
               <a:rPr lang="es" sz="1200"/>
-              <a:t>“Programming  in the large” is considered to be complicated because not all PROLOG compilers support modules (compatibility problems).</a:t>
+              <a:t>A more recent approach has been to compile restricted PROLOG programs to a field programmable gate array (FPGA).</a:t>
+            </a:r>
+            <a:endParaRPr sz="1200"/>
+          </a:p>
+          <a:p>
+            <a:pPr indent="-304800" lvl="1" marL="914400" rtl="0" algn="l">
+              <a:spcBef>
+                <a:spcPts val="0"/>
+              </a:spcBef>
+              <a:spcAft>
+                <a:spcPts val="0"/>
+              </a:spcAft>
+              <a:buSzPts val="1200"/>
+              <a:buChar char="○"/>
+            </a:pPr>
+            <a:r>
+              <a:rPr lang="es" sz="1200"/>
+              <a:t>FPGA is an integrated circuit designed to be configured by a customer or a </a:t>
+            </a:r>
+            <a:r>
+              <a:rPr lang="es" sz="1200"/>
+              <a:t>designer</a:t>
+            </a:r>
+            <a:r>
+              <a:rPr lang="es" sz="1200"/>
+              <a:t> after manufacturing.</a:t>
             </a:r>
             <a:endParaRPr sz="1200"/>
           </a:p>
@@ -18692,49 +19981,7 @@
             </a:pPr>
             <a:r>
               <a:rPr lang="es" sz="1200"/>
-              <a:t>Portability of PROLOG code </a:t>
-            </a:r>
-            <a:r>
-              <a:rPr lang="es" sz="1200"/>
-              <a:t>across</a:t>
-            </a:r>
-            <a:r>
-              <a:rPr lang="es" sz="1200"/>
-              <a:t> implementations</a:t>
-            </a:r>
-            <a:endParaRPr sz="1200"/>
-          </a:p>
-          <a:p>
-            <a:pPr indent="-304800" lvl="0" marL="457200" rtl="0" algn="l">
-              <a:spcBef>
-                <a:spcPts val="0"/>
-              </a:spcBef>
-              <a:spcAft>
-                <a:spcPts val="0"/>
-              </a:spcAft>
-              <a:buSzPts val="1200"/>
-              <a:buChar char="●"/>
-            </a:pPr>
-            <a:r>
-              <a:rPr lang="es" sz="1200"/>
-              <a:t>Software developed in PROLOG has been criticised for having a high performance penalty.</a:t>
-            </a:r>
-            <a:endParaRPr sz="1200"/>
-          </a:p>
-          <a:p>
-            <a:pPr indent="-304800" lvl="0" marL="457200" rtl="0" algn="l">
-              <a:spcBef>
-                <a:spcPts val="0"/>
-              </a:spcBef>
-              <a:spcAft>
-                <a:spcPts val="0"/>
-              </a:spcAft>
-              <a:buSzPts val="1200"/>
-              <a:buChar char="●"/>
-            </a:pPr>
-            <a:r>
-              <a:rPr lang="es" sz="1200"/>
-              <a:t>PROLOG is not pure declarative.</a:t>
+              <a:t>However, rapid progress in general-purpose hardware has consistently overtaken more specialised architectures.</a:t>
             </a:r>
             <a:endParaRPr sz="1200"/>
           </a:p>
@@ -18771,7 +20018,7 @@
     </p:bg>
     <p:spTree>
       <p:nvGrpSpPr>
-        <p:cNvPr id="363" name="Shape 363"/>
+        <p:cNvPr id="382" name="Shape 382"/>
         <p:cNvGrpSpPr/>
         <p:nvPr/>
       </p:nvGrpSpPr>
@@ -18785,7 +20032,7 @@
       </p:grpSpPr>
       <p:sp>
         <p:nvSpPr>
-          <p:cNvPr id="364" name="Google Shape;364;p27"/>
+          <p:cNvPr id="383" name="Google Shape;383;p27"/>
           <p:cNvSpPr txBox="1"/>
           <p:nvPr>
             <p:ph type="title"/>
@@ -18817,7 +20064,7 @@
             </a:pPr>
             <a:r>
               <a:rPr lang="es"/>
-              <a:t>Extensions</a:t>
+              <a:t>Limitations </a:t>
             </a:r>
             <a:endParaRPr/>
           </a:p>
@@ -18825,7 +20072,7 @@
       </p:sp>
       <p:sp>
         <p:nvSpPr>
-          <p:cNvPr id="365" name="Google Shape;365;p27"/>
+          <p:cNvPr id="384" name="Google Shape;384;p27"/>
           <p:cNvSpPr txBox="1"/>
           <p:nvPr>
             <p:ph idx="1" type="body"/>
@@ -18858,12 +20105,12 @@
             </a:pPr>
             <a:r>
               <a:rPr lang="es" sz="1200"/>
-              <a:t>Various implementations have been developed from PROLOG to extend logic programming capabilities in numerous directions.</a:t>
+              <a:t>PROLOG and other logic programming languages have not had a significant impact on the computer industry in general.</a:t>
             </a:r>
             <a:endParaRPr sz="1200"/>
           </a:p>
           <a:p>
-            <a:pPr indent="-304800" lvl="1" marL="914400" rtl="0" algn="l">
+            <a:pPr indent="-304800" lvl="0" marL="457200" rtl="0" algn="l">
               <a:spcBef>
                 <a:spcPts val="0"/>
               </a:spcBef>
@@ -18871,16 +20118,16 @@
                 <a:spcPts val="0"/>
               </a:spcAft>
               <a:buSzPts val="1200"/>
-              <a:buChar char="○"/>
+              <a:buChar char="●"/>
             </a:pPr>
             <a:r>
               <a:rPr lang="es" sz="1200"/>
-              <a:t>The extensions are:</a:t>
+              <a:t>Most apps are small by industrial standards.</a:t>
             </a:r>
             <a:endParaRPr sz="1200"/>
           </a:p>
           <a:p>
-            <a:pPr indent="-304800" lvl="2" marL="1371600" rtl="0" algn="l">
+            <a:pPr indent="-304800" lvl="0" marL="457200" rtl="0" algn="l">
               <a:spcBef>
                 <a:spcPts val="0"/>
               </a:spcBef>
@@ -18888,16 +20135,16 @@
                 <a:spcPts val="0"/>
               </a:spcAft>
               <a:buSzPts val="1200"/>
-              <a:buChar char="■"/>
+              <a:buChar char="●"/>
             </a:pPr>
             <a:r>
               <a:rPr lang="es" sz="1200"/>
-              <a:t>Types.</a:t>
+              <a:t>“Programming  in the large” is considered to be complicated because not all PROLOG compilers support modules (compatibility problems).</a:t>
             </a:r>
             <a:endParaRPr sz="1200"/>
           </a:p>
           <a:p>
-            <a:pPr indent="-304800" lvl="2" marL="1371600" rtl="0" algn="l">
+            <a:pPr indent="-304800" lvl="0" marL="457200" rtl="0" algn="l">
               <a:spcBef>
                 <a:spcPts val="0"/>
               </a:spcBef>
@@ -18905,16 +20152,24 @@
                 <a:spcPts val="0"/>
               </a:spcAft>
               <a:buSzPts val="1200"/>
-              <a:buChar char="■"/>
+              <a:buChar char="●"/>
             </a:pPr>
             <a:r>
               <a:rPr lang="es" sz="1200"/>
-              <a:t>Modes.</a:t>
+              <a:t>Portability of PROLOG code </a:t>
+            </a:r>
+            <a:r>
+              <a:rPr lang="es" sz="1200"/>
+              <a:t>across</a:t>
+            </a:r>
+            <a:r>
+              <a:rPr lang="es" sz="1200"/>
+              <a:t> implementations</a:t>
             </a:r>
             <a:endParaRPr sz="1200"/>
           </a:p>
           <a:p>
-            <a:pPr indent="-304800" lvl="2" marL="1371600" rtl="0" algn="l">
+            <a:pPr indent="-304800" lvl="0" marL="457200" rtl="0" algn="l">
               <a:spcBef>
                 <a:spcPts val="0"/>
               </a:spcBef>
@@ -18922,16 +20177,16 @@
                 <a:spcPts val="0"/>
               </a:spcAft>
               <a:buSzPts val="1200"/>
-              <a:buChar char="■"/>
+              <a:buChar char="●"/>
             </a:pPr>
             <a:r>
               <a:rPr lang="es" sz="1200"/>
-              <a:t>Constraints.</a:t>
+              <a:t>Software developed in PROLOG has been criticised for having a high performance penalty.</a:t>
             </a:r>
             <a:endParaRPr sz="1200"/>
           </a:p>
           <a:p>
-            <a:pPr indent="-304800" lvl="2" marL="1371600" rtl="0" algn="l">
+            <a:pPr indent="-304800" lvl="0" marL="457200" rtl="0" algn="l">
               <a:spcBef>
                 <a:spcPts val="0"/>
               </a:spcBef>
@@ -18939,62 +20194,11 @@
                 <a:spcPts val="0"/>
               </a:spcAft>
               <a:buSzPts val="1200"/>
-              <a:buChar char="■"/>
+              <a:buChar char="●"/>
             </a:pPr>
             <a:r>
               <a:rPr lang="es" sz="1200"/>
-              <a:t>Object-orientation.</a:t>
-            </a:r>
-            <a:endParaRPr sz="1200"/>
-          </a:p>
-          <a:p>
-            <a:pPr indent="-304800" lvl="2" marL="1371600" rtl="0" algn="l">
-              <a:spcBef>
-                <a:spcPts val="0"/>
-              </a:spcBef>
-              <a:spcAft>
-                <a:spcPts val="0"/>
-              </a:spcAft>
-              <a:buSzPts val="1200"/>
-              <a:buChar char="■"/>
-            </a:pPr>
-            <a:r>
-              <a:rPr lang="es" sz="1200"/>
-              <a:t>Graphics.</a:t>
-            </a:r>
-            <a:endParaRPr sz="1200"/>
-          </a:p>
-          <a:p>
-            <a:pPr indent="-304800" lvl="2" marL="1371600" rtl="0" algn="l">
-              <a:spcBef>
-                <a:spcPts val="0"/>
-              </a:spcBef>
-              <a:spcAft>
-                <a:spcPts val="0"/>
-              </a:spcAft>
-              <a:buSzPts val="1200"/>
-              <a:buChar char="■"/>
-            </a:pPr>
-            <a:r>
-              <a:rPr lang="es" sz="1200"/>
-              <a:t>Concurrency.</a:t>
-            </a:r>
-            <a:endParaRPr sz="1200"/>
-          </a:p>
-          <a:p>
-            <a:pPr indent="-304800" lvl="2" marL="1371600" rtl="0" algn="l">
-              <a:spcBef>
-                <a:spcPts val="0"/>
-              </a:spcBef>
-              <a:spcAft>
-                <a:spcPts val="0"/>
-              </a:spcAft>
-              <a:buSzPts val="1200"/>
-              <a:buChar char="■"/>
-            </a:pPr>
-            <a:r>
-              <a:rPr lang="es" sz="1200"/>
-              <a:t>Web programming.</a:t>
+              <a:t>PROLOG is not pure declarative.</a:t>
             </a:r>
             <a:endParaRPr sz="1200"/>
           </a:p>
@@ -19031,7 +20235,7 @@
     </p:bg>
     <p:spTree>
       <p:nvGrpSpPr>
-        <p:cNvPr id="369" name="Shape 369"/>
+        <p:cNvPr id="388" name="Shape 388"/>
         <p:cNvGrpSpPr/>
         <p:nvPr/>
       </p:nvGrpSpPr>
@@ -19045,7 +20249,7 @@
       </p:grpSpPr>
       <p:sp>
         <p:nvSpPr>
-          <p:cNvPr id="370" name="Google Shape;370;p28"/>
+          <p:cNvPr id="389" name="Google Shape;389;p28"/>
           <p:cNvSpPr txBox="1"/>
           <p:nvPr>
             <p:ph type="title"/>
@@ -19077,7 +20281,7 @@
             </a:pPr>
             <a:r>
               <a:rPr lang="es"/>
-              <a:t>Related languages</a:t>
+              <a:t>Extensions</a:t>
             </a:r>
             <a:endParaRPr/>
           </a:p>
@@ -19085,7 +20289,7 @@
       </p:sp>
       <p:sp>
         <p:nvSpPr>
-          <p:cNvPr id="371" name="Google Shape;371;p28"/>
+          <p:cNvPr id="390" name="Google Shape;390;p28"/>
           <p:cNvSpPr txBox="1"/>
           <p:nvPr>
             <p:ph idx="1" type="body"/>
@@ -19118,12 +20322,12 @@
             </a:pPr>
             <a:r>
               <a:rPr lang="es" sz="1200"/>
-              <a:t>Gödel.</a:t>
+              <a:t>Various implementations have been developed from PROLOG to extend logic programming capabilities in numerous directions.</a:t>
             </a:r>
             <a:endParaRPr sz="1200"/>
           </a:p>
           <a:p>
-            <a:pPr indent="-304800" lvl="0" marL="457200" rtl="0" algn="l">
+            <a:pPr indent="-304800" lvl="1" marL="914400" rtl="0" algn="l">
               <a:spcBef>
                 <a:spcPts val="0"/>
               </a:spcBef>
@@ -19131,16 +20335,16 @@
                 <a:spcPts val="0"/>
               </a:spcAft>
               <a:buSzPts val="1200"/>
-              <a:buChar char="●"/>
+              <a:buChar char="○"/>
             </a:pPr>
             <a:r>
               <a:rPr lang="es" sz="1200"/>
-              <a:t>Visual prolog.</a:t>
+              <a:t>The extensions are:</a:t>
             </a:r>
             <a:endParaRPr sz="1200"/>
           </a:p>
           <a:p>
-            <a:pPr indent="-304800" lvl="0" marL="457200" rtl="0" algn="l">
+            <a:pPr indent="-304800" lvl="2" marL="1371600" rtl="0" algn="l">
               <a:spcBef>
                 <a:spcPts val="0"/>
               </a:spcBef>
@@ -19148,16 +20352,16 @@
                 <a:spcPts val="0"/>
               </a:spcAft>
               <a:buSzPts val="1200"/>
-              <a:buChar char="●"/>
+              <a:buChar char="■"/>
             </a:pPr>
             <a:r>
               <a:rPr lang="es" sz="1200"/>
-              <a:t>Datalog.</a:t>
+              <a:t>Types.</a:t>
             </a:r>
             <a:endParaRPr sz="1200"/>
           </a:p>
           <a:p>
-            <a:pPr indent="-304800" lvl="0" marL="457200" rtl="0" algn="l">
+            <a:pPr indent="-304800" lvl="2" marL="1371600" rtl="0" algn="l">
               <a:spcBef>
                 <a:spcPts val="0"/>
               </a:spcBef>
@@ -19165,16 +20369,16 @@
                 <a:spcPts val="0"/>
               </a:spcAft>
               <a:buSzPts val="1200"/>
-              <a:buChar char="●"/>
+              <a:buChar char="■"/>
             </a:pPr>
             <a:r>
               <a:rPr lang="es" sz="1200"/>
-              <a:t>Mercury.</a:t>
+              <a:t>Modes.</a:t>
             </a:r>
             <a:endParaRPr sz="1200"/>
           </a:p>
           <a:p>
-            <a:pPr indent="-304800" lvl="0" marL="457200" rtl="0" algn="l">
+            <a:pPr indent="-304800" lvl="2" marL="1371600" rtl="0" algn="l">
               <a:spcBef>
                 <a:spcPts val="0"/>
               </a:spcBef>
@@ -19182,16 +20386,16 @@
                 <a:spcPts val="0"/>
               </a:spcAft>
               <a:buSzPts val="1200"/>
-              <a:buChar char="●"/>
+              <a:buChar char="■"/>
             </a:pPr>
             <a:r>
               <a:rPr lang="es" sz="1200"/>
-              <a:t>Planner (PROLOG is a subset of Planner).</a:t>
+              <a:t>Constraints.</a:t>
             </a:r>
             <a:endParaRPr sz="1200"/>
           </a:p>
           <a:p>
-            <a:pPr indent="-304800" lvl="0" marL="457200" rtl="0" algn="l">
+            <a:pPr indent="-304800" lvl="2" marL="1371600" rtl="0" algn="l">
               <a:spcBef>
                 <a:spcPts val="0"/>
               </a:spcBef>
@@ -19199,24 +20403,16 @@
                 <a:spcPts val="0"/>
               </a:spcAft>
               <a:buSzPts val="1200"/>
-              <a:buChar char="●"/>
+              <a:buChar char="■"/>
             </a:pPr>
             <a:r>
               <a:rPr lang="es" sz="1200"/>
-              <a:t>GraphTalk (is a </a:t>
-            </a:r>
-            <a:r>
-              <a:rPr lang="es" sz="1200"/>
-              <a:t>proprietary</a:t>
-            </a:r>
-            <a:r>
-              <a:rPr lang="es" sz="1200"/>
-              <a:t> implementation of WAM’s, with additional object-oriented properties.)</a:t>
+              <a:t>Object-orientation.</a:t>
             </a:r>
             <a:endParaRPr sz="1200"/>
           </a:p>
           <a:p>
-            <a:pPr indent="-304800" lvl="0" marL="457200" rtl="0" algn="l">
+            <a:pPr indent="-304800" lvl="2" marL="1371600" rtl="0" algn="l">
               <a:spcBef>
                 <a:spcPts val="0"/>
               </a:spcBef>
@@ -19224,16 +20420,16 @@
                 <a:spcPts val="0"/>
               </a:spcAft>
               <a:buSzPts val="1200"/>
-              <a:buChar char="●"/>
+              <a:buChar char="■"/>
             </a:pPr>
             <a:r>
               <a:rPr lang="es" sz="1200"/>
-              <a:t>AgentSpeak.</a:t>
+              <a:t>Graphics.</a:t>
             </a:r>
             <a:endParaRPr sz="1200"/>
           </a:p>
           <a:p>
-            <a:pPr indent="-304800" lvl="0" marL="457200" rtl="0" algn="l">
+            <a:pPr indent="-304800" lvl="2" marL="1371600" rtl="0" algn="l">
               <a:spcBef>
                 <a:spcPts val="0"/>
               </a:spcBef>
@@ -19241,16 +20437,16 @@
                 <a:spcPts val="0"/>
               </a:spcAft>
               <a:buSzPts val="1200"/>
-              <a:buChar char="●"/>
+              <a:buChar char="■"/>
             </a:pPr>
             <a:r>
               <a:rPr lang="es" sz="1200"/>
-              <a:t>Erlang.</a:t>
+              <a:t>Concurrency.</a:t>
             </a:r>
             <a:endParaRPr sz="1200"/>
           </a:p>
           <a:p>
-            <a:pPr indent="-304800" lvl="0" marL="457200" rtl="0" algn="l">
+            <a:pPr indent="-304800" lvl="2" marL="1371600" rtl="0" algn="l">
               <a:spcBef>
                 <a:spcPts val="0"/>
               </a:spcBef>
@@ -19258,16 +20454,295 @@
                 <a:spcPts val="0"/>
               </a:spcAft>
               <a:buSzPts val="1200"/>
-              <a:buChar char="●"/>
+              <a:buChar char="■"/>
             </a:pPr>
             <a:r>
               <a:rPr lang="es" sz="1200"/>
-              <a:t>Pilog.</a:t>
+              <a:t>Web programming.</a:t>
             </a:r>
             <a:endParaRPr sz="1200"/>
           </a:p>
         </p:txBody>
       </p:sp>
+    </p:spTree>
+  </p:cSld>
+  <p:clrMapOvr>
+    <a:masterClrMapping/>
+  </p:clrMapOvr>
+</p:sld>
+</file>
+
+<file path=ppt/slides/slide17.xml><?xml version="1.0" encoding="utf-8"?>
+<p:sld xmlns:a="http://schemas.openxmlformats.org/drawingml/2006/main" xmlns:r="http://schemas.openxmlformats.org/officeDocument/2006/relationships" xmlns:mc="http://schemas.openxmlformats.org/markup-compatibility/2006" xmlns:mv="urn:schemas-microsoft-com:mac:vml" xmlns:p="http://schemas.openxmlformats.org/presentationml/2006/main" xmlns:c="http://schemas.openxmlformats.org/drawingml/2006/chart" xmlns:dgm="http://schemas.openxmlformats.org/drawingml/2006/diagram" xmlns:o="urn:schemas-microsoft-com:office:office" xmlns:v="urn:schemas-microsoft-com:vml" xmlns:pvml="urn:schemas-microsoft-com:office:powerpoint" xmlns:com="http://schemas.openxmlformats.org/drawingml/2006/compatibility" xmlns:p14="http://schemas.microsoft.com/office/powerpoint/2010/main" xmlns:p15="http://schemas.microsoft.com/office/powerpoint/2012/main" xmlns:ahyp="http://schemas.microsoft.com/office/drawing/2018/hyperlinkcolor">
+  <p:cSld>
+    <p:bg>
+      <p:bgPr>
+        <a:gradFill>
+          <a:gsLst>
+            <a:gs pos="0">
+              <a:srgbClr val="D4E5F5"/>
+            </a:gs>
+            <a:gs pos="100000">
+              <a:srgbClr val="70A4D5"/>
+            </a:gs>
+          </a:gsLst>
+          <a:path path="circle">
+            <a:fillToRect b="50%" l="50%" r="50%" t="50%"/>
+          </a:path>
+          <a:tileRect/>
+        </a:gradFill>
+      </p:bgPr>
+    </p:bg>
+    <p:spTree>
+      <p:nvGrpSpPr>
+        <p:cNvPr id="394" name="Shape 394"/>
+        <p:cNvGrpSpPr/>
+        <p:nvPr/>
+      </p:nvGrpSpPr>
+      <p:grpSpPr>
+        <a:xfrm>
+          <a:off x="0" y="0"/>
+          <a:ext cx="0" cy="0"/>
+          <a:chOff x="0" y="0"/>
+          <a:chExt cx="0" cy="0"/>
+        </a:xfrm>
+      </p:grpSpPr>
+      <p:sp>
+        <p:nvSpPr>
+          <p:cNvPr id="395" name="Google Shape;395;p29"/>
+          <p:cNvSpPr txBox="1"/>
+          <p:nvPr>
+            <p:ph type="title"/>
+          </p:nvPr>
+        </p:nvSpPr>
+        <p:spPr>
+          <a:xfrm>
+            <a:off x="1303800" y="598575"/>
+            <a:ext cx="7030500" cy="999300"/>
+          </a:xfrm>
+          <a:prstGeom prst="rect">
+            <a:avLst/>
+          </a:prstGeom>
+        </p:spPr>
+        <p:txBody>
+          <a:bodyPr anchorCtr="0" anchor="t" bIns="91425" lIns="91425" spcFirstLastPara="1" rIns="91425" wrap="square" tIns="91425">
+            <a:normAutofit/>
+          </a:bodyPr>
+          <a:lstStyle/>
+          <a:p>
+            <a:pPr indent="0" lvl="0" marL="0" rtl="0" algn="l">
+              <a:spcBef>
+                <a:spcPts val="0"/>
+              </a:spcBef>
+              <a:spcAft>
+                <a:spcPts val="0"/>
+              </a:spcAft>
+              <a:buNone/>
+            </a:pPr>
+            <a:r>
+              <a:rPr lang="es"/>
+              <a:t>Related languages</a:t>
+            </a:r>
+            <a:endParaRPr/>
+          </a:p>
+        </p:txBody>
+      </p:sp>
+      <p:pic>
+        <p:nvPicPr>
+          <p:cNvPr id="396" name="Google Shape;396;p29"/>
+          <p:cNvPicPr preferRelativeResize="0"/>
+          <p:nvPr/>
+        </p:nvPicPr>
+        <p:blipFill>
+          <a:blip r:embed="rId3">
+            <a:alphaModFix/>
+          </a:blip>
+          <a:stretch>
+            <a:fillRect/>
+          </a:stretch>
+        </p:blipFill>
+        <p:spPr>
+          <a:xfrm>
+            <a:off x="416400" y="1406196"/>
+            <a:ext cx="1528075" cy="1534875"/>
+          </a:xfrm>
+          <a:prstGeom prst="rect">
+            <a:avLst/>
+          </a:prstGeom>
+          <a:noFill/>
+          <a:ln>
+            <a:noFill/>
+          </a:ln>
+        </p:spPr>
+      </p:pic>
+      <p:pic>
+        <p:nvPicPr>
+          <p:cNvPr id="397" name="Google Shape;397;p29"/>
+          <p:cNvPicPr preferRelativeResize="0"/>
+          <p:nvPr/>
+        </p:nvPicPr>
+        <p:blipFill>
+          <a:blip r:embed="rId4">
+            <a:alphaModFix/>
+          </a:blip>
+          <a:stretch>
+            <a:fillRect/>
+          </a:stretch>
+        </p:blipFill>
+        <p:spPr>
+          <a:xfrm>
+            <a:off x="2661143" y="1406200"/>
+            <a:ext cx="2646335" cy="1534875"/>
+          </a:xfrm>
+          <a:prstGeom prst="rect">
+            <a:avLst/>
+          </a:prstGeom>
+          <a:noFill/>
+          <a:ln>
+            <a:noFill/>
+          </a:ln>
+        </p:spPr>
+      </p:pic>
+      <p:pic>
+        <p:nvPicPr>
+          <p:cNvPr id="398" name="Google Shape;398;p29"/>
+          <p:cNvPicPr preferRelativeResize="0"/>
+          <p:nvPr/>
+        </p:nvPicPr>
+        <p:blipFill>
+          <a:blip r:embed="rId5">
+            <a:alphaModFix/>
+          </a:blip>
+          <a:stretch>
+            <a:fillRect/>
+          </a:stretch>
+        </p:blipFill>
+        <p:spPr>
+          <a:xfrm>
+            <a:off x="5813868" y="1406200"/>
+            <a:ext cx="2520432" cy="1534875"/>
+          </a:xfrm>
+          <a:prstGeom prst="rect">
+            <a:avLst/>
+          </a:prstGeom>
+          <a:noFill/>
+          <a:ln>
+            <a:noFill/>
+          </a:ln>
+        </p:spPr>
+      </p:pic>
+      <p:pic>
+        <p:nvPicPr>
+          <p:cNvPr id="399" name="Google Shape;399;p29"/>
+          <p:cNvPicPr preferRelativeResize="0"/>
+          <p:nvPr/>
+        </p:nvPicPr>
+        <p:blipFill>
+          <a:blip r:embed="rId6">
+            <a:alphaModFix/>
+          </a:blip>
+          <a:stretch>
+            <a:fillRect/>
+          </a:stretch>
+        </p:blipFill>
+        <p:spPr>
+          <a:xfrm>
+            <a:off x="152400" y="3093472"/>
+            <a:ext cx="1897628" cy="1897628"/>
+          </a:xfrm>
+          <a:prstGeom prst="rect">
+            <a:avLst/>
+          </a:prstGeom>
+          <a:noFill/>
+          <a:ln>
+            <a:noFill/>
+          </a:ln>
+        </p:spPr>
+      </p:pic>
+      <p:pic>
+        <p:nvPicPr>
+          <p:cNvPr id="400" name="Google Shape;400;p29"/>
+          <p:cNvPicPr preferRelativeResize="0"/>
+          <p:nvPr/>
+        </p:nvPicPr>
+        <p:blipFill>
+          <a:blip r:embed="rId7">
+            <a:alphaModFix/>
+          </a:blip>
+          <a:stretch>
+            <a:fillRect/>
+          </a:stretch>
+        </p:blipFill>
+        <p:spPr>
+          <a:xfrm>
+            <a:off x="2784166" y="3174047"/>
+            <a:ext cx="2400300" cy="714375"/>
+          </a:xfrm>
+          <a:prstGeom prst="rect">
+            <a:avLst/>
+          </a:prstGeom>
+          <a:noFill/>
+          <a:ln>
+            <a:noFill/>
+          </a:ln>
+        </p:spPr>
+      </p:pic>
+      <p:pic>
+        <p:nvPicPr>
+          <p:cNvPr id="401" name="Google Shape;401;p29"/>
+          <p:cNvPicPr preferRelativeResize="0"/>
+          <p:nvPr/>
+        </p:nvPicPr>
+        <p:blipFill>
+          <a:blip r:embed="rId8">
+            <a:alphaModFix/>
+          </a:blip>
+          <a:stretch>
+            <a:fillRect/>
+          </a:stretch>
+        </p:blipFill>
+        <p:spPr>
+          <a:xfrm>
+            <a:off x="2784175" y="4121400"/>
+            <a:ext cx="2400300" cy="600075"/>
+          </a:xfrm>
+          <a:prstGeom prst="rect">
+            <a:avLst/>
+          </a:prstGeom>
+          <a:noFill/>
+          <a:ln>
+            <a:noFill/>
+          </a:ln>
+        </p:spPr>
+      </p:pic>
+      <p:pic>
+        <p:nvPicPr>
+          <p:cNvPr id="402" name="Google Shape;402;p29"/>
+          <p:cNvPicPr preferRelativeResize="0"/>
+          <p:nvPr/>
+        </p:nvPicPr>
+        <p:blipFill>
+          <a:blip r:embed="rId9">
+            <a:alphaModFix/>
+          </a:blip>
+          <a:stretch>
+            <a:fillRect/>
+          </a:stretch>
+        </p:blipFill>
+        <p:spPr>
+          <a:xfrm>
+            <a:off x="5813875" y="3174048"/>
+            <a:ext cx="1897625" cy="1660434"/>
+          </a:xfrm>
+          <a:prstGeom prst="rect">
+            <a:avLst/>
+          </a:prstGeom>
+          <a:noFill/>
+          <a:ln>
+            <a:noFill/>
+          </a:ln>
+        </p:spPr>
+      </p:pic>
     </p:spTree>
   </p:cSld>
   <p:clrMapOvr>
@@ -19731,7 +21206,11 @@
             </a:pPr>
             <a:r>
               <a:rPr lang="es"/>
-              <a:t>The implementation of a programming language is which provides a way to execute a program in a concrete combination of software and hardware.</a:t>
+              <a:t>I</a:t>
+            </a:r>
+            <a:r>
+              <a:rPr lang="es"/>
+              <a:t>mplementation of a programming language → is which provides a way to execute a program in a concrete combination of software and hardware.</a:t>
             </a:r>
             <a:endParaRPr/>
           </a:p>
@@ -19748,41 +21227,7 @@
             </a:pPr>
             <a:r>
               <a:rPr lang="es"/>
-              <a:t>There exist two ways of implement a programming language:</a:t>
-            </a:r>
-            <a:endParaRPr/>
-          </a:p>
-          <a:p>
-            <a:pPr indent="-311150" lvl="1" marL="914400" rtl="0" algn="just">
-              <a:spcBef>
-                <a:spcPts val="0"/>
-              </a:spcBef>
-              <a:spcAft>
-                <a:spcPts val="0"/>
-              </a:spcAft>
-              <a:buSzPts val="1300"/>
-              <a:buChar char="○"/>
-            </a:pPr>
-            <a:r>
-              <a:rPr lang="es" sz="1300"/>
-              <a:t>Compilation: Process that translates a program written in a programming language to another equivalent programming language.</a:t>
-            </a:r>
-            <a:endParaRPr sz="1300"/>
-          </a:p>
-          <a:p>
-            <a:pPr indent="-311150" lvl="1" marL="914400" rtl="0" algn="just">
-              <a:spcBef>
-                <a:spcPts val="0"/>
-              </a:spcBef>
-              <a:spcAft>
-                <a:spcPts val="0"/>
-              </a:spcAft>
-              <a:buSzPts val="1300"/>
-              <a:buChar char="○"/>
-            </a:pPr>
-            <a:r>
-              <a:rPr lang="es" sz="1300"/>
-              <a:t>Interpretation: Is a meanings assignation to the well-formed formulas of a formal language.</a:t>
+              <a:t>There exist two ways of implement a programming language → compilation, interpretation.</a:t>
             </a:r>
             <a:endParaRPr sz="1300"/>
           </a:p>
@@ -19799,7 +21244,7 @@
             </a:pPr>
             <a:r>
               <a:rPr lang="es"/>
-              <a:t>We’re going to focus on PROLOG to perform this lecture.</a:t>
+              <a:t>Focus → PROLOG</a:t>
             </a:r>
             <a:endParaRPr/>
           </a:p>
@@ -19816,7 +21261,7 @@
             </a:pPr>
             <a:r>
               <a:rPr lang="es"/>
-              <a:t>PROLOG is a logic programming language associated wit AI and computational linguistics.</a:t>
+              <a:t>PROLOG → logic programming language associated with AI and computational linguistics.</a:t>
             </a:r>
             <a:endParaRPr/>
           </a:p>
@@ -19833,7 +21278,7 @@
             </a:pPr>
             <a:r>
               <a:rPr lang="es"/>
-              <a:t>PROLOG has its roots in CP1, and unlike many other programming languages, PROLOG is intended as a declarative programming language.</a:t>
+              <a:t>PROLOG → roots in CP1, and unlike many other programming languages, PROLOG is intended as a declarative programming language.</a:t>
             </a:r>
             <a:endParaRPr/>
           </a:p>
@@ -19850,7 +21295,7 @@
             </a:pPr>
             <a:r>
               <a:rPr lang="es"/>
-              <a:t>Logical programming is a programming paradigm which is based on formal logic.</a:t>
+              <a:t>Logical programming → programming paradigm which is based on formal logic.</a:t>
             </a:r>
             <a:endParaRPr/>
           </a:p>
@@ -19981,7 +21426,7 @@
         <p:spPr>
           <a:xfrm>
             <a:off x="1303800" y="598575"/>
-            <a:ext cx="7030500" cy="671100"/>
+            <a:ext cx="7030500" cy="999300"/>
           </a:xfrm>
           <a:prstGeom prst="rect">
             <a:avLst/>
@@ -20010,65 +21455,163 @@
           </a:p>
         </p:txBody>
       </p:sp>
-      <p:sp>
-        <p:nvSpPr>
+      <p:pic>
+        <p:nvPicPr>
           <p:cNvPr id="302" name="Google Shape;302;p17"/>
-          <p:cNvSpPr txBox="1"/>
-          <p:nvPr>
-            <p:ph idx="1" type="body"/>
-          </p:nvPr>
-        </p:nvSpPr>
+          <p:cNvPicPr preferRelativeResize="0"/>
+          <p:nvPr/>
+        </p:nvPicPr>
+        <p:blipFill>
+          <a:blip r:embed="rId3">
+            <a:alphaModFix/>
+          </a:blip>
+          <a:stretch>
+            <a:fillRect/>
+          </a:stretch>
+        </p:blipFill>
         <p:spPr>
           <a:xfrm>
-            <a:off x="1303800" y="1269675"/>
-            <a:ext cx="7030500" cy="3441900"/>
+            <a:off x="5055222" y="1572975"/>
+            <a:ext cx="3279075" cy="2835300"/>
           </a:xfrm>
           <a:prstGeom prst="rect">
             <a:avLst/>
           </a:prstGeom>
+          <a:noFill/>
+          <a:ln>
+            <a:noFill/>
+          </a:ln>
+        </p:spPr>
+      </p:pic>
+      <p:pic>
+        <p:nvPicPr>
+          <p:cNvPr id="303" name="Google Shape;303;p17"/>
+          <p:cNvPicPr preferRelativeResize="0"/>
+          <p:nvPr/>
+        </p:nvPicPr>
+        <p:blipFill>
+          <a:blip r:embed="rId4">
+            <a:alphaModFix/>
+          </a:blip>
+          <a:stretch>
+            <a:fillRect/>
+          </a:stretch>
+        </p:blipFill>
+        <p:spPr>
+          <a:xfrm rot="-2">
+            <a:off x="1303801" y="1956618"/>
+            <a:ext cx="3502650" cy="2068003"/>
+          </a:xfrm>
+          <a:prstGeom prst="rect">
+            <a:avLst/>
+          </a:prstGeom>
+          <a:noFill/>
+          <a:ln>
+            <a:noFill/>
+          </a:ln>
+        </p:spPr>
+      </p:pic>
+      <p:sp>
+        <p:nvSpPr>
+          <p:cNvPr id="304" name="Google Shape;304;p17"/>
+          <p:cNvSpPr txBox="1"/>
+          <p:nvPr/>
+        </p:nvSpPr>
+        <p:spPr>
+          <a:xfrm>
+            <a:off x="1454025" y="4024625"/>
+            <a:ext cx="3202200" cy="400200"/>
+          </a:xfrm>
+          <a:prstGeom prst="rect">
+            <a:avLst/>
+          </a:prstGeom>
+          <a:noFill/>
+          <a:ln>
+            <a:noFill/>
+          </a:ln>
         </p:spPr>
         <p:txBody>
-          <a:bodyPr anchorCtr="0" anchor="ctr" bIns="91425" lIns="91425" spcFirstLastPara="1" rIns="91425" wrap="square" tIns="91425">
-            <a:noAutofit/>
+          <a:bodyPr anchorCtr="0" anchor="t" bIns="91425" lIns="91425" spcFirstLastPara="1" rIns="91425" wrap="square" tIns="91425">
+            <a:spAutoFit/>
           </a:bodyPr>
           <a:lstStyle/>
           <a:p>
-            <a:pPr indent="-304800" lvl="0" marL="457200" rtl="0" algn="l">
-              <a:spcBef>
-                <a:spcPts val="0"/>
-              </a:spcBef>
-              <a:spcAft>
-                <a:spcPts val="0"/>
-              </a:spcAft>
-              <a:buSzPts val="1200"/>
-              <a:buChar char="●"/>
+            <a:pPr indent="0" lvl="0" marL="0" rtl="0" algn="l">
+              <a:spcBef>
+                <a:spcPts val="0"/>
+              </a:spcBef>
+              <a:spcAft>
+                <a:spcPts val="0"/>
+              </a:spcAft>
+              <a:buNone/>
             </a:pPr>
             <a:r>
-              <a:rPr lang="es" sz="1200"/>
-              <a:t>The first PROLOG implementation was completed in 1972 using the compiler of ALGOL W programming language, based on a proposal for ALGOL X by Nikla Wirth and Tony Hoare and the actual basic aspects of the </a:t>
+              <a:rPr lang="es">
+                <a:latin typeface="Nunito"/>
+                <a:ea typeface="Nunito"/>
+                <a:cs typeface="Nunito"/>
+                <a:sym typeface="Nunito"/>
+              </a:rPr>
+              <a:t>Compiler</a:t>
             </a:r>
-            <a:r>
-              <a:rPr lang="es" sz="1200"/>
-              <a:t>language were concluded un 1973.</a:t>
-            </a:r>
-            <a:endParaRPr sz="1200"/>
+            <a:endParaRPr>
+              <a:latin typeface="Nunito"/>
+              <a:ea typeface="Nunito"/>
+              <a:cs typeface="Nunito"/>
+              <a:sym typeface="Nunito"/>
+            </a:endParaRPr>
           </a:p>
+        </p:txBody>
+      </p:sp>
+      <p:sp>
+        <p:nvSpPr>
+          <p:cNvPr id="305" name="Google Shape;305;p17"/>
+          <p:cNvSpPr txBox="1"/>
+          <p:nvPr/>
+        </p:nvSpPr>
+        <p:spPr>
+          <a:xfrm>
+            <a:off x="5093663" y="4408275"/>
+            <a:ext cx="3202200" cy="400200"/>
+          </a:xfrm>
+          <a:prstGeom prst="rect">
+            <a:avLst/>
+          </a:prstGeom>
+          <a:noFill/>
+          <a:ln>
+            <a:noFill/>
+          </a:ln>
+        </p:spPr>
+        <p:txBody>
+          <a:bodyPr anchorCtr="0" anchor="t" bIns="91425" lIns="91425" spcFirstLastPara="1" rIns="91425" wrap="square" tIns="91425">
+            <a:spAutoFit/>
+          </a:bodyPr>
+          <a:lstStyle/>
           <a:p>
-            <a:pPr indent="-304800" lvl="0" marL="457200" rtl="0" algn="l">
-              <a:spcBef>
-                <a:spcPts val="0"/>
-              </a:spcBef>
-              <a:spcAft>
-                <a:spcPts val="0"/>
-              </a:spcAft>
-              <a:buSzPts val="1200"/>
-              <a:buChar char="●"/>
+            <a:pPr indent="0" lvl="0" marL="0" rtl="0" algn="l">
+              <a:spcBef>
+                <a:spcPts val="0"/>
+              </a:spcBef>
+              <a:spcAft>
+                <a:spcPts val="0"/>
+              </a:spcAft>
+              <a:buNone/>
             </a:pPr>
             <a:r>
-              <a:rPr lang="es" sz="1200"/>
-              <a:t>Hence, PROLOG is a compiled language.</a:t>
+              <a:rPr lang="es">
+                <a:latin typeface="Nunito"/>
+                <a:ea typeface="Nunito"/>
+                <a:cs typeface="Nunito"/>
+                <a:sym typeface="Nunito"/>
+              </a:rPr>
+              <a:t>Interpreter</a:t>
             </a:r>
-            <a:endParaRPr sz="1200"/>
+            <a:endParaRPr>
+              <a:latin typeface="Nunito"/>
+              <a:ea typeface="Nunito"/>
+              <a:cs typeface="Nunito"/>
+              <a:sym typeface="Nunito"/>
+            </a:endParaRPr>
           </a:p>
         </p:txBody>
       </p:sp>
@@ -20103,7 +21646,7 @@
     </p:bg>
     <p:spTree>
       <p:nvGrpSpPr>
-        <p:cNvPr id="306" name="Shape 306"/>
+        <p:cNvPr id="309" name="Shape 309"/>
         <p:cNvGrpSpPr/>
         <p:nvPr/>
       </p:nvGrpSpPr>
@@ -20117,7 +21660,7 @@
       </p:grpSpPr>
       <p:sp>
         <p:nvSpPr>
-          <p:cNvPr id="307" name="Google Shape;307;p18"/>
+          <p:cNvPr id="310" name="Google Shape;310;p18"/>
           <p:cNvSpPr txBox="1"/>
           <p:nvPr>
             <p:ph type="title"/>
@@ -20157,7 +21700,7 @@
       </p:sp>
       <p:pic>
         <p:nvPicPr>
-          <p:cNvPr id="308" name="Google Shape;308;p18"/>
+          <p:cNvPr id="311" name="Google Shape;311;p18"/>
           <p:cNvPicPr preferRelativeResize="0"/>
           <p:nvPr/>
         </p:nvPicPr>
@@ -20185,7 +21728,7 @@
       </p:pic>
       <p:pic>
         <p:nvPicPr>
-          <p:cNvPr id="309" name="Google Shape;309;p18"/>
+          <p:cNvPr id="312" name="Google Shape;312;p18"/>
           <p:cNvPicPr preferRelativeResize="0"/>
           <p:nvPr/>
         </p:nvPicPr>
@@ -20213,7 +21756,7 @@
       </p:pic>
       <p:pic>
         <p:nvPicPr>
-          <p:cNvPr id="310" name="Google Shape;310;p18"/>
+          <p:cNvPr id="313" name="Google Shape;313;p18"/>
           <p:cNvPicPr preferRelativeResize="0"/>
           <p:nvPr/>
         </p:nvPicPr>
@@ -20270,7 +21813,7 @@
     </p:bg>
     <p:spTree>
       <p:nvGrpSpPr>
-        <p:cNvPr id="314" name="Shape 314"/>
+        <p:cNvPr id="317" name="Shape 317"/>
         <p:cNvGrpSpPr/>
         <p:nvPr/>
       </p:nvGrpSpPr>
@@ -20284,7 +21827,7 @@
       </p:grpSpPr>
       <p:sp>
         <p:nvSpPr>
-          <p:cNvPr id="315" name="Google Shape;315;p19"/>
+          <p:cNvPr id="318" name="Google Shape;318;p19"/>
           <p:cNvSpPr txBox="1"/>
           <p:nvPr>
             <p:ph type="title"/>
@@ -20293,7 +21836,7 @@
         <p:spPr>
           <a:xfrm>
             <a:off x="1303800" y="598575"/>
-            <a:ext cx="7030500" cy="671100"/>
+            <a:ext cx="7030500" cy="999300"/>
           </a:xfrm>
           <a:prstGeom prst="rect">
             <a:avLst/>
@@ -20322,177 +21865,9 @@
           </a:p>
         </p:txBody>
       </p:sp>
-      <p:sp>
-        <p:nvSpPr>
-          <p:cNvPr id="316" name="Google Shape;316;p19"/>
-          <p:cNvSpPr txBox="1"/>
-          <p:nvPr>
-            <p:ph idx="1" type="body"/>
-          </p:nvPr>
-        </p:nvSpPr>
-        <p:spPr>
-          <a:xfrm>
-            <a:off x="1303800" y="1269675"/>
-            <a:ext cx="7030500" cy="3441900"/>
-          </a:xfrm>
-          <a:prstGeom prst="rect">
-            <a:avLst/>
-          </a:prstGeom>
-        </p:spPr>
-        <p:txBody>
-          <a:bodyPr anchorCtr="0" anchor="ctr" bIns="91425" lIns="91425" spcFirstLastPara="1" rIns="91425" wrap="square" tIns="91425">
-            <a:noAutofit/>
-          </a:bodyPr>
-          <a:lstStyle/>
-          <a:p>
-            <a:pPr indent="-304800" lvl="0" marL="457200" rtl="0" algn="l">
-              <a:spcBef>
-                <a:spcPts val="0"/>
-              </a:spcBef>
-              <a:spcAft>
-                <a:spcPts val="0"/>
-              </a:spcAft>
-              <a:buSzPts val="1200"/>
-              <a:buChar char="●"/>
-            </a:pPr>
-            <a:r>
-              <a:rPr lang="es" sz="1200"/>
-              <a:t>ISO = International organization of standarization.</a:t>
-            </a:r>
-            <a:endParaRPr sz="1200"/>
-          </a:p>
-          <a:p>
-            <a:pPr indent="-304800" lvl="0" marL="457200" rtl="0" algn="l">
-              <a:spcBef>
-                <a:spcPts val="0"/>
-              </a:spcBef>
-              <a:spcAft>
-                <a:spcPts val="0"/>
-              </a:spcAft>
-              <a:buSzPts val="1200"/>
-              <a:buChar char="●"/>
-            </a:pPr>
-            <a:r>
-              <a:rPr lang="es" sz="1200"/>
-              <a:t>The ISO PROLOG has two parts:</a:t>
-            </a:r>
-            <a:endParaRPr sz="1200"/>
-          </a:p>
-          <a:p>
-            <a:pPr indent="-304800" lvl="1" marL="914400" rtl="0" algn="l">
-              <a:spcBef>
-                <a:spcPts val="0"/>
-              </a:spcBef>
-              <a:spcAft>
-                <a:spcPts val="0"/>
-              </a:spcAft>
-              <a:buSzPts val="1200"/>
-              <a:buChar char="○"/>
-            </a:pPr>
-            <a:r>
-              <a:rPr lang="es" sz="1200"/>
-              <a:t>ISO/IEC 13211-1:</a:t>
-            </a:r>
-            <a:endParaRPr sz="1200"/>
-          </a:p>
-          <a:p>
-            <a:pPr indent="-304800" lvl="2" marL="1371600" rtl="0" algn="l">
-              <a:spcBef>
-                <a:spcPts val="0"/>
-              </a:spcBef>
-              <a:spcAft>
-                <a:spcPts val="0"/>
-              </a:spcAft>
-              <a:buSzPts val="1200"/>
-              <a:buChar char="■"/>
-            </a:pPr>
-            <a:r>
-              <a:rPr lang="es" sz="1200"/>
-              <a:t>Published in 1995.</a:t>
-            </a:r>
-            <a:endParaRPr sz="1200"/>
-          </a:p>
-          <a:p>
-            <a:pPr indent="-304800" lvl="2" marL="1371600" rtl="0" algn="l">
-              <a:spcBef>
-                <a:spcPts val="0"/>
-              </a:spcBef>
-              <a:spcAft>
-                <a:spcPts val="0"/>
-              </a:spcAft>
-              <a:buSzPts val="1200"/>
-              <a:buChar char="■"/>
-            </a:pPr>
-            <a:r>
-              <a:rPr lang="es" sz="1200"/>
-              <a:t>As a target: </a:t>
-            </a:r>
-            <a:r>
-              <a:rPr lang="es" sz="1200"/>
-              <a:t>standardize</a:t>
-            </a:r>
-            <a:r>
-              <a:rPr lang="es" sz="1200"/>
-              <a:t> the existing practices of the many implementations of the core elements of PROLOG.</a:t>
-            </a:r>
-            <a:endParaRPr sz="1200"/>
-          </a:p>
-          <a:p>
-            <a:pPr indent="-304800" lvl="1" marL="914400" rtl="0" algn="l">
-              <a:spcBef>
-                <a:spcPts val="0"/>
-              </a:spcBef>
-              <a:spcAft>
-                <a:spcPts val="0"/>
-              </a:spcAft>
-              <a:buSzPts val="1200"/>
-              <a:buChar char="○"/>
-            </a:pPr>
-            <a:r>
-              <a:rPr lang="es" sz="1200"/>
-              <a:t>ISO/IEC 13211-2:</a:t>
-            </a:r>
-            <a:endParaRPr sz="1200"/>
-          </a:p>
-          <a:p>
-            <a:pPr indent="-304800" lvl="2" marL="1371600" rtl="0" algn="l">
-              <a:spcBef>
-                <a:spcPts val="0"/>
-              </a:spcBef>
-              <a:spcAft>
-                <a:spcPts val="0"/>
-              </a:spcAft>
-              <a:buSzPts val="1200"/>
-              <a:buChar char="■"/>
-            </a:pPr>
-            <a:r>
-              <a:rPr lang="es" sz="1200"/>
-              <a:t>Published in 2000.</a:t>
-            </a:r>
-            <a:endParaRPr sz="1200"/>
-          </a:p>
-          <a:p>
-            <a:pPr indent="-304800" lvl="2" marL="1371600" rtl="0" algn="l">
-              <a:spcBef>
-                <a:spcPts val="0"/>
-              </a:spcBef>
-              <a:spcAft>
-                <a:spcPts val="0"/>
-              </a:spcAft>
-              <a:buSzPts val="1200"/>
-              <a:buChar char="■"/>
-            </a:pPr>
-            <a:r>
-              <a:rPr lang="es" sz="1200"/>
-              <a:t>Adds support for the modules to the standard</a:t>
-            </a:r>
-            <a:endParaRPr sz="1200"/>
-          </a:p>
-        </p:txBody>
-      </p:sp>
       <p:pic>
         <p:nvPicPr>
-          <p:cNvPr id="317" name="Google Shape;317;p19"/>
+          <p:cNvPr id="319" name="Google Shape;319;p19"/>
           <p:cNvPicPr preferRelativeResize="0"/>
           <p:nvPr/>
         </p:nvPicPr>
@@ -20506,7 +21881,7 @@
         </p:blipFill>
         <p:spPr>
           <a:xfrm>
-            <a:off x="6194150" y="1269675"/>
+            <a:off x="1303800" y="1269675"/>
             <a:ext cx="1645575" cy="1514125"/>
           </a:xfrm>
           <a:prstGeom prst="rect">
@@ -20518,6 +21893,179 @@
           </a:ln>
         </p:spPr>
       </p:pic>
+      <p:sp>
+        <p:nvSpPr>
+          <p:cNvPr id="320" name="Google Shape;320;p19"/>
+          <p:cNvSpPr txBox="1"/>
+          <p:nvPr/>
+        </p:nvSpPr>
+        <p:spPr>
+          <a:xfrm>
+            <a:off x="3083625" y="1826638"/>
+            <a:ext cx="4119600" cy="400200"/>
+          </a:xfrm>
+          <a:prstGeom prst="rect">
+            <a:avLst/>
+          </a:prstGeom>
+          <a:noFill/>
+          <a:ln>
+            <a:noFill/>
+          </a:ln>
+        </p:spPr>
+        <p:txBody>
+          <a:bodyPr anchorCtr="0" anchor="ctr" bIns="91425" lIns="91425" spcFirstLastPara="1" rIns="91425" wrap="square" tIns="91425">
+            <a:spAutoFit/>
+          </a:bodyPr>
+          <a:lstStyle/>
+          <a:p>
+            <a:pPr indent="0" lvl="0" marL="0" rtl="0" algn="l">
+              <a:spcBef>
+                <a:spcPts val="0"/>
+              </a:spcBef>
+              <a:spcAft>
+                <a:spcPts val="0"/>
+              </a:spcAft>
+              <a:buNone/>
+            </a:pPr>
+            <a:r>
+              <a:rPr lang="es">
+                <a:latin typeface="Nunito"/>
+                <a:ea typeface="Nunito"/>
+                <a:cs typeface="Nunito"/>
+                <a:sym typeface="Nunito"/>
+              </a:rPr>
+              <a:t>ISO = International organization of standarization</a:t>
+            </a:r>
+            <a:endParaRPr>
+              <a:latin typeface="Nunito"/>
+              <a:ea typeface="Nunito"/>
+              <a:cs typeface="Nunito"/>
+              <a:sym typeface="Nunito"/>
+            </a:endParaRPr>
+          </a:p>
+        </p:txBody>
+      </p:sp>
+      <p:graphicFrame>
+        <p:nvGraphicFramePr>
+          <p:cNvPr id="321" name="Google Shape;321;p19"/>
+          <p:cNvGraphicFramePr/>
+          <p:nvPr/>
+        </p:nvGraphicFramePr>
+        <p:xfrm>
+          <a:off x="952500" y="3017175"/>
+          <a:ext cx="3000000" cy="3000000"/>
+        </p:xfrm>
+        <a:graphic>
+          <a:graphicData uri="http://schemas.openxmlformats.org/drawingml/2006/table">
+            <a:tbl>
+              <a:tblPr>
+                <a:noFill/>
+                <a:tableStyleId>{7997308B-F9C4-4DA2-9302-6846F78BD865}</a:tableStyleId>
+              </a:tblPr>
+              <a:tblGrid>
+                <a:gridCol w="3619500"/>
+                <a:gridCol w="3619500"/>
+              </a:tblGrid>
+              <a:tr h="509425">
+                <a:tc gridSpan="2">
+                  <a:txBody>
+                    <a:bodyPr/>
+                    <a:lstStyle/>
+                    <a:p>
+                      <a:pPr indent="0" lvl="0" marL="0" rtl="0" algn="ctr">
+                        <a:spcBef>
+                          <a:spcPts val="0"/>
+                        </a:spcBef>
+                        <a:spcAft>
+                          <a:spcPts val="0"/>
+                        </a:spcAft>
+                        <a:buNone/>
+                      </a:pPr>
+                      <a:r>
+                        <a:rPr lang="es"/>
+                        <a:t>The ISO PROLOG has two parts</a:t>
+                      </a:r>
+                      <a:endParaRPr/>
+                    </a:p>
+                  </a:txBody>
+                  <a:tcPr marT="91425" marB="91425" marR="91425" marL="91425"/>
+                </a:tc>
+                <a:tc hMerge="1"/>
+              </a:tr>
+              <a:tr h="489875">
+                <a:tc>
+                  <a:txBody>
+                    <a:bodyPr/>
+                    <a:lstStyle/>
+                    <a:p>
+                      <a:pPr indent="0" lvl="0" marL="914400" rtl="0" algn="l">
+                        <a:lnSpc>
+                          <a:spcPct val="115000"/>
+                        </a:lnSpc>
+                        <a:spcBef>
+                          <a:spcPts val="0"/>
+                        </a:spcBef>
+                        <a:spcAft>
+                          <a:spcPts val="1200"/>
+                        </a:spcAft>
+                        <a:buNone/>
+                      </a:pPr>
+                      <a:r>
+                        <a:rPr lang="es" sz="1200">
+                          <a:solidFill>
+                            <a:schemeClr val="dk2"/>
+                          </a:solidFill>
+                          <a:latin typeface="Nunito"/>
+                          <a:ea typeface="Nunito"/>
+                          <a:cs typeface="Nunito"/>
+                          <a:sym typeface="Nunito"/>
+                        </a:rPr>
+                        <a:t>ISO/IEC 13211-1</a:t>
+                      </a:r>
+                      <a:endParaRPr/>
+                    </a:p>
+                  </a:txBody>
+                  <a:tcPr marT="91425" marB="91425" marR="91425" marL="91425"/>
+                </a:tc>
+                <a:tc>
+                  <a:txBody>
+                    <a:bodyPr/>
+                    <a:lstStyle/>
+                    <a:p>
+                      <a:pPr indent="0" lvl="0" marL="914400" rtl="0" algn="l">
+                        <a:lnSpc>
+                          <a:spcPct val="115000"/>
+                        </a:lnSpc>
+                        <a:spcBef>
+                          <a:spcPts val="0"/>
+                        </a:spcBef>
+                        <a:spcAft>
+                          <a:spcPts val="1200"/>
+                        </a:spcAft>
+                        <a:buNone/>
+                      </a:pPr>
+                      <a:r>
+                        <a:rPr lang="es" sz="1200">
+                          <a:solidFill>
+                            <a:schemeClr val="dk2"/>
+                          </a:solidFill>
+                          <a:latin typeface="Nunito"/>
+                          <a:ea typeface="Nunito"/>
+                          <a:cs typeface="Nunito"/>
+                          <a:sym typeface="Nunito"/>
+                        </a:rPr>
+                        <a:t>ISO/IEC 13211-2</a:t>
+                      </a:r>
+                      <a:endParaRPr/>
+                    </a:p>
+                  </a:txBody>
+                  <a:tcPr marT="91425" marB="91425" marR="91425" marL="91425"/>
+                </a:tc>
+              </a:tr>
+            </a:tbl>
+          </a:graphicData>
+        </a:graphic>
+      </p:graphicFrame>
     </p:spTree>
   </p:cSld>
   <p:clrMapOvr>
@@ -20549,7 +22097,7 @@
     </p:bg>
     <p:spTree>
       <p:nvGrpSpPr>
-        <p:cNvPr id="321" name="Shape 321"/>
+        <p:cNvPr id="325" name="Shape 325"/>
         <p:cNvGrpSpPr/>
         <p:nvPr/>
       </p:nvGrpSpPr>
@@ -20563,7 +22111,7 @@
       </p:grpSpPr>
       <p:sp>
         <p:nvSpPr>
-          <p:cNvPr id="322" name="Google Shape;322;p20"/>
+          <p:cNvPr id="326" name="Google Shape;326;p20"/>
           <p:cNvSpPr txBox="1"/>
           <p:nvPr>
             <p:ph type="title"/>
@@ -20618,7 +22166,7 @@
       </p:sp>
       <p:sp>
         <p:nvSpPr>
-          <p:cNvPr id="323" name="Google Shape;323;p20"/>
+          <p:cNvPr id="327" name="Google Shape;327;p20"/>
           <p:cNvSpPr txBox="1"/>
           <p:nvPr>
             <p:ph idx="1" type="body"/>
@@ -20639,26 +22187,84 @@
           </a:bodyPr>
           <a:lstStyle/>
           <a:p>
-            <a:pPr indent="-304800" lvl="0" marL="457200" rtl="0" algn="l">
-              <a:spcBef>
-                <a:spcPts val="0"/>
-              </a:spcBef>
-              <a:spcAft>
-                <a:spcPts val="0"/>
-              </a:spcAft>
-              <a:buSzPts val="1200"/>
-              <a:buChar char="●"/>
+            <a:pPr indent="0" lvl="0" marL="457200" rtl="0" algn="l">
+              <a:spcBef>
+                <a:spcPts val="0"/>
+              </a:spcBef>
+              <a:spcAft>
+                <a:spcPts val="0"/>
+              </a:spcAft>
+              <a:buNone/>
             </a:pPr>
             <a:r>
-              <a:rPr lang="es" sz="1200"/>
-              <a:t>For efficiency, PROLOG code is typically compiled to abstract machine code, often influenced by the register-based Warren abstract machine instruction set.</a:t>
+              <a:t/>
+            </a:r>
+            <a:endParaRPr sz="1200"/>
+          </a:p>
+          <a:p>
+            <a:pPr indent="0" lvl="0" marL="457200" rtl="0" algn="l">
+              <a:spcBef>
+                <a:spcPts val="1200"/>
+              </a:spcBef>
+              <a:spcAft>
+                <a:spcPts val="0"/>
+              </a:spcAft>
+              <a:buNone/>
+            </a:pPr>
+            <a:r>
+              <a:t/>
+            </a:r>
+            <a:endParaRPr sz="1200"/>
+          </a:p>
+          <a:p>
+            <a:pPr indent="0" lvl="0" marL="457200" rtl="0" algn="l">
+              <a:spcBef>
+                <a:spcPts val="1200"/>
+              </a:spcBef>
+              <a:spcAft>
+                <a:spcPts val="0"/>
+              </a:spcAft>
+              <a:buNone/>
+            </a:pPr>
+            <a:r>
+              <a:t/>
+            </a:r>
+            <a:endParaRPr sz="1200"/>
+          </a:p>
+          <a:p>
+            <a:pPr indent="0" lvl="0" marL="457200" rtl="0" algn="l">
+              <a:spcBef>
+                <a:spcPts val="1200"/>
+              </a:spcBef>
+              <a:spcAft>
+                <a:spcPts val="0"/>
+              </a:spcAft>
+              <a:buNone/>
+            </a:pPr>
+            <a:r>
+              <a:t/>
+            </a:r>
+            <a:endParaRPr sz="1200"/>
+          </a:p>
+          <a:p>
+            <a:pPr indent="0" lvl="0" marL="457200" rtl="0" algn="l">
+              <a:spcBef>
+                <a:spcPts val="1200"/>
+              </a:spcBef>
+              <a:spcAft>
+                <a:spcPts val="0"/>
+              </a:spcAft>
+              <a:buNone/>
+            </a:pPr>
+            <a:r>
+              <a:t/>
             </a:r>
             <a:endParaRPr sz="1200"/>
           </a:p>
           <a:p>
             <a:pPr indent="-304800" lvl="0" marL="457200" rtl="0" algn="l">
               <a:spcBef>
-                <a:spcPts val="0"/>
+                <a:spcPts val="1200"/>
               </a:spcBef>
               <a:spcAft>
                 <a:spcPts val="0"/>
@@ -20688,6 +22294,132 @@
               <a:t>Devising efficient implementation methods for PROLOG code is a field of active research in the logic programming community, and various other execution methods are employed in some implementations.</a:t>
             </a:r>
             <a:endParaRPr sz="1200"/>
+          </a:p>
+        </p:txBody>
+      </p:sp>
+      <p:pic>
+        <p:nvPicPr>
+          <p:cNvPr id="328" name="Google Shape;328;p20"/>
+          <p:cNvPicPr preferRelativeResize="0"/>
+          <p:nvPr/>
+        </p:nvPicPr>
+        <p:blipFill>
+          <a:blip r:embed="rId3">
+            <a:alphaModFix/>
+          </a:blip>
+          <a:stretch>
+            <a:fillRect/>
+          </a:stretch>
+        </p:blipFill>
+        <p:spPr>
+          <a:xfrm>
+            <a:off x="3094413" y="1269675"/>
+            <a:ext cx="2955175" cy="1920875"/>
+          </a:xfrm>
+          <a:prstGeom prst="rect">
+            <a:avLst/>
+          </a:prstGeom>
+          <a:noFill/>
+          <a:ln>
+            <a:noFill/>
+          </a:ln>
+        </p:spPr>
+      </p:pic>
+      <p:sp>
+        <p:nvSpPr>
+          <p:cNvPr id="329" name="Google Shape;329;p20"/>
+          <p:cNvSpPr txBox="1"/>
+          <p:nvPr/>
+        </p:nvSpPr>
+        <p:spPr>
+          <a:xfrm>
+            <a:off x="6244725" y="1732400"/>
+            <a:ext cx="2269500" cy="400200"/>
+          </a:xfrm>
+          <a:prstGeom prst="rect">
+            <a:avLst/>
+          </a:prstGeom>
+          <a:noFill/>
+          <a:ln>
+            <a:noFill/>
+          </a:ln>
+        </p:spPr>
+        <p:txBody>
+          <a:bodyPr anchorCtr="0" anchor="t" bIns="91425" lIns="91425" spcFirstLastPara="1" rIns="91425" wrap="square" tIns="91425">
+            <a:spAutoFit/>
+          </a:bodyPr>
+          <a:lstStyle/>
+          <a:p>
+            <a:pPr indent="0" lvl="0" marL="0" rtl="0" algn="l">
+              <a:spcBef>
+                <a:spcPts val="0"/>
+              </a:spcBef>
+              <a:spcAft>
+                <a:spcPts val="0"/>
+              </a:spcAft>
+              <a:buNone/>
+            </a:pPr>
+            <a:r>
+              <a:t/>
+            </a:r>
+            <a:endParaRPr>
+              <a:latin typeface="Nunito"/>
+              <a:ea typeface="Nunito"/>
+              <a:cs typeface="Nunito"/>
+              <a:sym typeface="Nunito"/>
+            </a:endParaRPr>
+          </a:p>
+        </p:txBody>
+      </p:sp>
+      <p:sp>
+        <p:nvSpPr>
+          <p:cNvPr id="330" name="Google Shape;330;p20"/>
+          <p:cNvSpPr txBox="1"/>
+          <p:nvPr/>
+        </p:nvSpPr>
+        <p:spPr>
+          <a:xfrm>
+            <a:off x="6177575" y="1893550"/>
+            <a:ext cx="2632200" cy="400200"/>
+          </a:xfrm>
+          <a:prstGeom prst="rect">
+            <a:avLst/>
+          </a:prstGeom>
+          <a:noFill/>
+          <a:ln>
+            <a:noFill/>
+          </a:ln>
+        </p:spPr>
+        <p:txBody>
+          <a:bodyPr anchorCtr="0" anchor="ctr" bIns="91425" lIns="91425" spcFirstLastPara="1" rIns="91425" wrap="square" tIns="91425">
+            <a:spAutoFit/>
+          </a:bodyPr>
+          <a:lstStyle/>
+          <a:p>
+            <a:pPr indent="0" lvl="0" marL="0" rtl="0" algn="l">
+              <a:spcBef>
+                <a:spcPts val="0"/>
+              </a:spcBef>
+              <a:spcAft>
+                <a:spcPts val="0"/>
+              </a:spcAft>
+              <a:buNone/>
+            </a:pPr>
+            <a:r>
+              <a:rPr lang="es">
+                <a:latin typeface="Nunito"/>
+                <a:ea typeface="Nunito"/>
+                <a:cs typeface="Nunito"/>
+                <a:sym typeface="Nunito"/>
+              </a:rPr>
+              <a:t>Abstract machine code</a:t>
+            </a:r>
+            <a:endParaRPr>
+              <a:latin typeface="Nunito"/>
+              <a:ea typeface="Nunito"/>
+              <a:cs typeface="Nunito"/>
+              <a:sym typeface="Nunito"/>
+            </a:endParaRPr>
           </a:p>
         </p:txBody>
       </p:sp>
@@ -20722,7 +22454,7 @@
     </p:bg>
     <p:spTree>
       <p:nvGrpSpPr>
-        <p:cNvPr id="327" name="Shape 327"/>
+        <p:cNvPr id="334" name="Shape 334"/>
         <p:cNvGrpSpPr/>
         <p:nvPr/>
       </p:nvGrpSpPr>
@@ -20736,7 +22468,7 @@
       </p:grpSpPr>
       <p:sp>
         <p:nvSpPr>
-          <p:cNvPr id="328" name="Google Shape;328;p21"/>
+          <p:cNvPr id="335" name="Google Shape;335;p21"/>
           <p:cNvSpPr txBox="1"/>
           <p:nvPr>
             <p:ph type="title"/>
@@ -20791,7 +22523,7 @@
       </p:sp>
       <p:sp>
         <p:nvSpPr>
-          <p:cNvPr id="329" name="Google Shape;329;p21"/>
+          <p:cNvPr id="336" name="Google Shape;336;p21"/>
           <p:cNvSpPr txBox="1"/>
           <p:nvPr>
             <p:ph idx="1" type="body"/>
